--- a/ppt/00_KursAgenda.pptx
+++ b/ppt/00_KursAgenda.pptx
@@ -12,8 +12,8 @@
   </p:handoutMasterIdLst>
   <p:sldIdLst>
     <p:sldId id="343" r:id="rId5"/>
-    <p:sldId id="345" r:id="rId6"/>
-    <p:sldId id="346" r:id="rId7"/>
+    <p:sldId id="346" r:id="rId6"/>
+    <p:sldId id="262" r:id="rId7"/>
     <p:sldId id="344" r:id="rId8"/>
     <p:sldId id="347" r:id="rId9"/>
     <p:sldId id="351" r:id="rId10"/>
@@ -157,6 +157,7 @@
 <p1510:revInfo xmlns:a="http://schemas.openxmlformats.org/drawingml/2006/main" xmlns:r="http://schemas.openxmlformats.org/officeDocument/2006/relationships" xmlns:p1510="http://schemas.microsoft.com/office/powerpoint/2015/10/main">
   <p1510:revLst>
     <p1510:client id="{32ED479B-22B5-6A4C-875D-D77D05C18DF2}" v="4" dt="2022-09-20T08:31:27.641"/>
+    <p1510:client id="{74804094-9D1F-4D87-B3AC-2AADDF82ABB0}" v="3" dt="2022-09-21T04:55:28.336"/>
   </p1510:revLst>
 </p1510:revInfo>
 </file>
@@ -255,6 +256,100 @@
       </pc:sldChg>
     </pc:docChg>
   </pc:docChgLst>
+  <pc:docChgLst>
+    <pc:chgData name="Berger, Martin" userId="2dce5e24-1af4-4f49-bc50-80b59c8dc36b" providerId="ADAL" clId="{74804094-9D1F-4D87-B3AC-2AADDF82ABB0}"/>
+    <pc:docChg chg="custSel addSld delSld modSld">
+      <pc:chgData name="Berger, Martin" userId="2dce5e24-1af4-4f49-bc50-80b59c8dc36b" providerId="ADAL" clId="{74804094-9D1F-4D87-B3AC-2AADDF82ABB0}" dt="2022-09-21T04:55:39.062" v="112" actId="20577"/>
+      <pc:docMkLst>
+        <pc:docMk/>
+      </pc:docMkLst>
+      <pc:sldChg chg="addSp delSp modSp add mod">
+        <pc:chgData name="Berger, Martin" userId="2dce5e24-1af4-4f49-bc50-80b59c8dc36b" providerId="ADAL" clId="{74804094-9D1F-4D87-B3AC-2AADDF82ABB0}" dt="2022-09-21T04:55:39.062" v="112" actId="20577"/>
+        <pc:sldMkLst>
+          <pc:docMk/>
+          <pc:sldMk cId="184408605" sldId="262"/>
+        </pc:sldMkLst>
+        <pc:spChg chg="mod">
+          <ac:chgData name="Berger, Martin" userId="2dce5e24-1af4-4f49-bc50-80b59c8dc36b" providerId="ADAL" clId="{74804094-9D1F-4D87-B3AC-2AADDF82ABB0}" dt="2022-09-21T04:55:39.062" v="112" actId="20577"/>
+          <ac:spMkLst>
+            <pc:docMk/>
+            <pc:sldMk cId="184408605" sldId="262"/>
+            <ac:spMk id="3" creationId="{F2899981-DE13-D142-ADB5-D0171DD553F5}"/>
+          </ac:spMkLst>
+        </pc:spChg>
+        <pc:spChg chg="mod">
+          <ac:chgData name="Berger, Martin" userId="2dce5e24-1af4-4f49-bc50-80b59c8dc36b" providerId="ADAL" clId="{74804094-9D1F-4D87-B3AC-2AADDF82ABB0}" dt="2022-09-21T04:54:43.705" v="82" actId="20577"/>
+          <ac:spMkLst>
+            <pc:docMk/>
+            <pc:sldMk cId="184408605" sldId="262"/>
+            <ac:spMk id="12" creationId="{72DAC2E9-59C5-BE4C-828B-E52040C6880C}"/>
+          </ac:spMkLst>
+        </pc:spChg>
+        <pc:spChg chg="mod">
+          <ac:chgData name="Berger, Martin" userId="2dce5e24-1af4-4f49-bc50-80b59c8dc36b" providerId="ADAL" clId="{74804094-9D1F-4D87-B3AC-2AADDF82ABB0}" dt="2022-09-21T04:53:55.818" v="30" actId="20577"/>
+          <ac:spMkLst>
+            <pc:docMk/>
+            <pc:sldMk cId="184408605" sldId="262"/>
+            <ac:spMk id="14" creationId="{509711DB-C967-424D-A5E9-AEE4079FDC8A}"/>
+          </ac:spMkLst>
+        </pc:spChg>
+        <pc:spChg chg="mod">
+          <ac:chgData name="Berger, Martin" userId="2dce5e24-1af4-4f49-bc50-80b59c8dc36b" providerId="ADAL" clId="{74804094-9D1F-4D87-B3AC-2AADDF82ABB0}" dt="2022-09-21T04:52:25.735" v="2" actId="27636"/>
+          <ac:spMkLst>
+            <pc:docMk/>
+            <pc:sldMk cId="184408605" sldId="262"/>
+            <ac:spMk id="16" creationId="{9DE532CA-DA2A-48FC-A945-C4C9EB2A7134}"/>
+          </ac:spMkLst>
+        </pc:spChg>
+        <pc:spChg chg="mod">
+          <ac:chgData name="Berger, Martin" userId="2dce5e24-1af4-4f49-bc50-80b59c8dc36b" providerId="ADAL" clId="{74804094-9D1F-4D87-B3AC-2AADDF82ABB0}" dt="2022-09-21T04:52:25.734" v="1" actId="27636"/>
+          <ac:spMkLst>
+            <pc:docMk/>
+            <pc:sldMk cId="184408605" sldId="262"/>
+            <ac:spMk id="19" creationId="{0BB9D21E-55BB-497D-9C7C-2C1A60E7B0DF}"/>
+          </ac:spMkLst>
+        </pc:spChg>
+        <pc:picChg chg="add mod">
+          <ac:chgData name="Berger, Martin" userId="2dce5e24-1af4-4f49-bc50-80b59c8dc36b" providerId="ADAL" clId="{74804094-9D1F-4D87-B3AC-2AADDF82ABB0}" dt="2022-09-21T04:55:30.467" v="101" actId="1076"/>
+          <ac:picMkLst>
+            <pc:docMk/>
+            <pc:sldMk cId="184408605" sldId="262"/>
+            <ac:picMk id="2" creationId="{05F5BD77-5E52-A75A-A95B-3CEB10FA463B}"/>
+          </ac:picMkLst>
+        </pc:picChg>
+        <pc:picChg chg="del">
+          <ac:chgData name="Berger, Martin" userId="2dce5e24-1af4-4f49-bc50-80b59c8dc36b" providerId="ADAL" clId="{74804094-9D1F-4D87-B3AC-2AADDF82ABB0}" dt="2022-09-21T04:55:28.095" v="99" actId="478"/>
+          <ac:picMkLst>
+            <pc:docMk/>
+            <pc:sldMk cId="184408605" sldId="262"/>
+            <ac:picMk id="10" creationId="{281003D0-D7E1-419C-8E63-9C1EE4EEEABF}"/>
+          </ac:picMkLst>
+        </pc:picChg>
+      </pc:sldChg>
+      <pc:sldChg chg="del">
+        <pc:chgData name="Berger, Martin" userId="2dce5e24-1af4-4f49-bc50-80b59c8dc36b" providerId="ADAL" clId="{74804094-9D1F-4D87-B3AC-2AADDF82ABB0}" dt="2022-09-21T04:54:05.232" v="32" actId="47"/>
+        <pc:sldMkLst>
+          <pc:docMk/>
+          <pc:sldMk cId="316565560" sldId="345"/>
+        </pc:sldMkLst>
+      </pc:sldChg>
+      <pc:sldChg chg="modSp new del mod">
+        <pc:chgData name="Berger, Martin" userId="2dce5e24-1af4-4f49-bc50-80b59c8dc36b" providerId="ADAL" clId="{74804094-9D1F-4D87-B3AC-2AADDF82ABB0}" dt="2022-09-21T04:55:16.948" v="98" actId="47"/>
+        <pc:sldMkLst>
+          <pc:docMk/>
+          <pc:sldMk cId="113958917" sldId="352"/>
+        </pc:sldMkLst>
+        <pc:spChg chg="mod">
+          <ac:chgData name="Berger, Martin" userId="2dce5e24-1af4-4f49-bc50-80b59c8dc36b" providerId="ADAL" clId="{74804094-9D1F-4D87-B3AC-2AADDF82ABB0}" dt="2022-09-21T04:54:56.233" v="97" actId="20577"/>
+          <ac:spMkLst>
+            <pc:docMk/>
+            <pc:sldMk cId="113958917" sldId="352"/>
+            <ac:spMk id="5" creationId="{38240B75-2955-4D35-4514-114A06AF6D57}"/>
+          </ac:spMkLst>
+        </pc:spChg>
+      </pc:sldChg>
+    </pc:docChg>
+  </pc:docChgLst>
 </pc:chgInfo>
 </file>
 
@@ -349,7 +444,7 @@
                 <a:cs typeface="Open Sans Light" pitchFamily="2" charset="0"/>
               </a:rPr>
               <a:pPr/>
-              <a:t>20.09.22</a:t>
+              <a:t>21.09.2022</a:t>
             </a:fld>
             <a:endParaRPr lang="de-DE">
               <a:latin typeface="Open Sans Light" pitchFamily="2" charset="0"/>
@@ -937,7 +1032,7 @@
     </p:spTree>
     <p:extLst>
       <p:ext uri="{BB962C8B-B14F-4D97-AF65-F5344CB8AC3E}">
-        <p14:creationId xmlns:p14="http://schemas.microsoft.com/office/powerpoint/2010/main" val="3383678106"/>
+        <p14:creationId xmlns:p14="http://schemas.microsoft.com/office/powerpoint/2010/main" val="1907341612"/>
       </p:ext>
     </p:extLst>
   </p:cSld>
@@ -948,96 +1043,6 @@
 </file>
 
 <file path=ppt/notesSlides/notesSlide3.xml><?xml version="1.0" encoding="utf-8"?>
-<p:notes xmlns:a="http://schemas.openxmlformats.org/drawingml/2006/main" xmlns:r="http://schemas.openxmlformats.org/officeDocument/2006/relationships" xmlns:p="http://schemas.openxmlformats.org/presentationml/2006/main">
-  <p:cSld>
-    <p:spTree>
-      <p:nvGrpSpPr>
-        <p:cNvPr id="1" name=""/>
-        <p:cNvGrpSpPr/>
-        <p:nvPr/>
-      </p:nvGrpSpPr>
-      <p:grpSpPr>
-        <a:xfrm>
-          <a:off x="0" y="0"/>
-          <a:ext cx="0" cy="0"/>
-          <a:chOff x="0" y="0"/>
-          <a:chExt cx="0" cy="0"/>
-        </a:xfrm>
-      </p:grpSpPr>
-      <p:sp>
-        <p:nvSpPr>
-          <p:cNvPr id="2" name="Slide Image Placeholder 1"/>
-          <p:cNvSpPr>
-            <a:spLocks noGrp="1" noRot="1" noChangeAspect="1"/>
-          </p:cNvSpPr>
-          <p:nvPr>
-            <p:ph type="sldImg"/>
-          </p:nvPr>
-        </p:nvSpPr>
-        <p:spPr>
-          <a:xfrm>
-            <a:off x="25400" y="657225"/>
-            <a:ext cx="6765925" cy="3806825"/>
-          </a:xfrm>
-        </p:spPr>
-      </p:sp>
-      <p:sp>
-        <p:nvSpPr>
-          <p:cNvPr id="3" name="Notes Placeholder 2"/>
-          <p:cNvSpPr>
-            <a:spLocks noGrp="1"/>
-          </p:cNvSpPr>
-          <p:nvPr>
-            <p:ph type="body" idx="1"/>
-          </p:nvPr>
-        </p:nvSpPr>
-        <p:spPr/>
-        <p:txBody>
-          <a:bodyPr/>
-          <a:lstStyle/>
-          <a:p>
-            <a:endParaRPr lang="en-CH"/>
-          </a:p>
-        </p:txBody>
-      </p:sp>
-      <p:sp>
-        <p:nvSpPr>
-          <p:cNvPr id="4" name="Slide Number Placeholder 3"/>
-          <p:cNvSpPr>
-            <a:spLocks noGrp="1"/>
-          </p:cNvSpPr>
-          <p:nvPr>
-            <p:ph type="sldNum" sz="quarter" idx="5"/>
-          </p:nvPr>
-        </p:nvSpPr>
-        <p:spPr/>
-        <p:txBody>
-          <a:bodyPr/>
-          <a:lstStyle/>
-          <a:p>
-            <a:fld id="{F7608432-0240-4102-B75D-1C8A47998186}" type="slidenum">
-              <a:rPr lang="de-DE" smtClean="0"/>
-              <a:pPr/>
-              <a:t>3</a:t>
-            </a:fld>
-            <a:endParaRPr lang="de-DE"/>
-          </a:p>
-        </p:txBody>
-      </p:sp>
-    </p:spTree>
-    <p:extLst>
-      <p:ext uri="{BB962C8B-B14F-4D97-AF65-F5344CB8AC3E}">
-        <p14:creationId xmlns:p14="http://schemas.microsoft.com/office/powerpoint/2010/main" val="1907341612"/>
-      </p:ext>
-    </p:extLst>
-  </p:cSld>
-  <p:clrMapOvr>
-    <a:masterClrMapping/>
-  </p:clrMapOvr>
-</p:notes>
-</file>
-
-<file path=ppt/notesSlides/notesSlide4.xml><?xml version="1.0" encoding="utf-8"?>
 <p:notes xmlns:a="http://schemas.openxmlformats.org/drawingml/2006/main" xmlns:r="http://schemas.openxmlformats.org/officeDocument/2006/relationships" xmlns:p="http://schemas.openxmlformats.org/presentationml/2006/main">
   <p:cSld>
     <p:spTree>
@@ -1414,7 +1419,7 @@
             <a:fld id="{241EB5C9-1307-BA42-ABA2-0BC069CD8E7F}" type="datetimeFigureOut">
               <a:rPr lang="de-CH" noProof="0" smtClean="0"/>
               <a:pPr/>
-              <a:t>20.09.22</a:t>
+              <a:t>21.09.2022</a:t>
             </a:fld>
             <a:endParaRPr lang="de-CH" noProof="0"/>
           </a:p>
@@ -3085,6 +3090,541 @@
     <p:extLst>
       <p:ext uri="{BB962C8B-B14F-4D97-AF65-F5344CB8AC3E}">
         <p14:creationId xmlns:p14="http://schemas.microsoft.com/office/powerpoint/2010/main" val="1991646571"/>
+      </p:ext>
+    </p:extLst>
+  </p:cSld>
+  <p:clrMapOvr>
+    <a:masterClrMapping/>
+  </p:clrMapOvr>
+</p:sldLayout>
+</file>
+
+<file path=ppt/slideLayouts/slideLayout17.xml><?xml version="1.0" encoding="utf-8"?>
+<p:sldLayout xmlns:a="http://schemas.openxmlformats.org/drawingml/2006/main" xmlns:r="http://schemas.openxmlformats.org/officeDocument/2006/relationships" xmlns:p="http://schemas.openxmlformats.org/presentationml/2006/main" userDrawn="1">
+  <p:cSld name="Contact Slide">
+    <p:spTree>
+      <p:nvGrpSpPr>
+        <p:cNvPr id="1" name=""/>
+        <p:cNvGrpSpPr/>
+        <p:nvPr/>
+      </p:nvGrpSpPr>
+      <p:grpSpPr>
+        <a:xfrm>
+          <a:off x="0" y="0"/>
+          <a:ext cx="0" cy="0"/>
+          <a:chOff x="0" y="0"/>
+          <a:chExt cx="0" cy="0"/>
+        </a:xfrm>
+      </p:grpSpPr>
+      <p:sp>
+        <p:nvSpPr>
+          <p:cNvPr id="2" name="Title 1"/>
+          <p:cNvSpPr>
+            <a:spLocks noGrp="1"/>
+          </p:cNvSpPr>
+          <p:nvPr>
+            <p:ph type="title"/>
+          </p:nvPr>
+        </p:nvSpPr>
+        <p:spPr>
+          <a:xfrm>
+            <a:off x="1033671" y="391750"/>
+            <a:ext cx="10760765" cy="444481"/>
+          </a:xfrm>
+        </p:spPr>
+        <p:txBody>
+          <a:bodyPr>
+            <a:noAutofit/>
+          </a:bodyPr>
+          <a:lstStyle>
+            <a:lvl1pPr algn="l">
+              <a:defRPr sz="2400" cap="all" baseline="0"/>
+            </a:lvl1pPr>
+          </a:lstStyle>
+          <a:p>
+            <a:r>
+              <a:rPr lang="en-US"/>
+              <a:t>Click to edit Master title style</a:t>
+            </a:r>
+            <a:endParaRPr lang="en-US" dirty="0"/>
+          </a:p>
+        </p:txBody>
+      </p:sp>
+      <p:sp>
+        <p:nvSpPr>
+          <p:cNvPr id="3" name="Content Placeholder 2"/>
+          <p:cNvSpPr>
+            <a:spLocks noGrp="1"/>
+          </p:cNvSpPr>
+          <p:nvPr>
+            <p:ph idx="1"/>
+          </p:nvPr>
+        </p:nvSpPr>
+        <p:spPr>
+          <a:xfrm>
+            <a:off x="4280453" y="2617160"/>
+            <a:ext cx="7513983" cy="3359571"/>
+          </a:xfrm>
+        </p:spPr>
+        <p:txBody>
+          <a:bodyPr>
+            <a:normAutofit/>
+          </a:bodyPr>
+          <a:lstStyle>
+            <a:lvl1pPr marL="342891" indent="-228594" algn="l" defTabSz="914377" rtl="0" eaLnBrk="1" latinLnBrk="0" hangingPunct="1">
+              <a:lnSpc>
+                <a:spcPct val="90000"/>
+              </a:lnSpc>
+              <a:buClr>
+                <a:srgbClr val="9600FF"/>
+              </a:buClr>
+              <a:buFont typeface="Wingdings" pitchFamily="2" charset="2"/>
+              <a:buChar char="§"/>
+              <a:defRPr lang="en-US" sz="1800" b="0" kern="1200" baseline="0" dirty="0" smtClean="0">
+                <a:solidFill>
+                  <a:srgbClr val="1E2846"/>
+                </a:solidFill>
+                <a:latin typeface="Open Sans Light" panose="020B0306030504020204" pitchFamily="34" charset="0"/>
+                <a:ea typeface="Open Sans Light" panose="020B0306030504020204" pitchFamily="34" charset="0"/>
+                <a:cs typeface="Open Sans Light" panose="020B0306030504020204" pitchFamily="34" charset="0"/>
+              </a:defRPr>
+            </a:lvl1pPr>
+            <a:lvl2pPr marL="742932" indent="-228594" algn="l" defTabSz="914377" rtl="0" eaLnBrk="1" latinLnBrk="0" hangingPunct="1">
+              <a:lnSpc>
+                <a:spcPct val="90000"/>
+              </a:lnSpc>
+              <a:buClr>
+                <a:srgbClr val="9600FF"/>
+              </a:buClr>
+              <a:buFont typeface="Courier New" panose="02070309020205020404" pitchFamily="49" charset="0"/>
+              <a:buChar char="o"/>
+              <a:defRPr lang="en-US" sz="1800" b="0" kern="1200" baseline="0" dirty="0" smtClean="0">
+                <a:solidFill>
+                  <a:srgbClr val="1E2846"/>
+                </a:solidFill>
+                <a:latin typeface="Open Sans Light" panose="020B0306030504020204" pitchFamily="34" charset="0"/>
+                <a:ea typeface="Open Sans Light" panose="020B0306030504020204" pitchFamily="34" charset="0"/>
+                <a:cs typeface="Open Sans Light" panose="020B0306030504020204" pitchFamily="34" charset="0"/>
+              </a:defRPr>
+            </a:lvl2pPr>
+            <a:lvl3pPr marL="1142971" indent="-228594" algn="l" defTabSz="914377" rtl="0" eaLnBrk="1" latinLnBrk="0" hangingPunct="1">
+              <a:lnSpc>
+                <a:spcPct val="90000"/>
+              </a:lnSpc>
+              <a:buClr>
+                <a:srgbClr val="9600FF"/>
+              </a:buClr>
+              <a:buFont typeface="Courier New" panose="02070309020205020404" pitchFamily="49" charset="0"/>
+              <a:buChar char="o"/>
+              <a:defRPr lang="en-US" sz="1800" b="0" kern="1200" baseline="0" dirty="0" smtClean="0">
+                <a:solidFill>
+                  <a:srgbClr val="1E2846"/>
+                </a:solidFill>
+                <a:latin typeface="Open Sans Light" panose="020B0306030504020204" pitchFamily="34" charset="0"/>
+                <a:ea typeface="Open Sans Light" panose="020B0306030504020204" pitchFamily="34" charset="0"/>
+                <a:cs typeface="Open Sans Light" panose="020B0306030504020204" pitchFamily="34" charset="0"/>
+              </a:defRPr>
+            </a:lvl3pPr>
+            <a:lvl4pPr marL="1600160" indent="-228594" algn="l" defTabSz="914377" rtl="0" eaLnBrk="1" latinLnBrk="0" hangingPunct="1">
+              <a:lnSpc>
+                <a:spcPct val="90000"/>
+              </a:lnSpc>
+              <a:buClr>
+                <a:srgbClr val="9600FF"/>
+              </a:buClr>
+              <a:buFont typeface="Courier New" panose="02070309020205020404" pitchFamily="49" charset="0"/>
+              <a:buChar char="o"/>
+              <a:defRPr lang="en-US" sz="1800" b="0" kern="1200" baseline="0" dirty="0" smtClean="0">
+                <a:solidFill>
+                  <a:srgbClr val="1E2846"/>
+                </a:solidFill>
+                <a:latin typeface="Open Sans Light" panose="020B0306030504020204" pitchFamily="34" charset="0"/>
+                <a:ea typeface="Open Sans Light" panose="020B0306030504020204" pitchFamily="34" charset="0"/>
+                <a:cs typeface="Open Sans Light" panose="020B0306030504020204" pitchFamily="34" charset="0"/>
+              </a:defRPr>
+            </a:lvl4pPr>
+            <a:lvl5pPr marL="2057349" indent="-228594" algn="l" defTabSz="914377" rtl="0" eaLnBrk="1" latinLnBrk="0" hangingPunct="1">
+              <a:lnSpc>
+                <a:spcPct val="90000"/>
+              </a:lnSpc>
+              <a:buClr>
+                <a:srgbClr val="9600FF"/>
+              </a:buClr>
+              <a:buFont typeface="Courier New" panose="02070309020205020404" pitchFamily="49" charset="0"/>
+              <a:buChar char="o"/>
+              <a:defRPr lang="en-US" sz="1800" b="0" kern="1200" baseline="0" dirty="0">
+                <a:solidFill>
+                  <a:srgbClr val="1E2846"/>
+                </a:solidFill>
+                <a:latin typeface="Open Sans Light" panose="020B0306030504020204" pitchFamily="34" charset="0"/>
+                <a:ea typeface="Open Sans Light" panose="020B0306030504020204" pitchFamily="34" charset="0"/>
+                <a:cs typeface="Open Sans Light" panose="020B0306030504020204" pitchFamily="34" charset="0"/>
+              </a:defRPr>
+            </a:lvl5pPr>
+          </a:lstStyle>
+          <a:p>
+            <a:pPr lvl="0"/>
+            <a:r>
+              <a:rPr lang="en-US"/>
+              <a:t>Click to edit Master text styles</a:t>
+            </a:r>
+          </a:p>
+        </p:txBody>
+      </p:sp>
+      <p:sp>
+        <p:nvSpPr>
+          <p:cNvPr id="5" name="Slide Number Placeholder 5">
+            <a:extLst>
+              <a:ext uri="{FF2B5EF4-FFF2-40B4-BE49-F238E27FC236}">
+                <a16:creationId xmlns:a16="http://schemas.microsoft.com/office/drawing/2014/main" id="{6370B13A-601D-2141-81B9-08398F1C9740}"/>
+              </a:ext>
+            </a:extLst>
+          </p:cNvPr>
+          <p:cNvSpPr txBox="1">
+            <a:spLocks/>
+          </p:cNvSpPr>
+          <p:nvPr userDrawn="1"/>
+        </p:nvSpPr>
+        <p:spPr>
+          <a:xfrm>
+            <a:off x="454551" y="391749"/>
+            <a:ext cx="579120" cy="432595"/>
+          </a:xfrm>
+          <a:prstGeom prst="rect">
+            <a:avLst/>
+          </a:prstGeom>
+        </p:spPr>
+        <p:txBody>
+          <a:bodyPr vert="horz" lIns="91440" tIns="45720" rIns="91440" bIns="45720" rtlCol="0" anchor="ctr"/>
+          <a:lstStyle>
+            <a:defPPr>
+              <a:defRPr lang="en-US"/>
+            </a:defPPr>
+            <a:lvl1pPr marL="0" algn="r" defTabSz="457200" rtl="0" eaLnBrk="1" latinLnBrk="0" hangingPunct="1">
+              <a:defRPr sz="2000" b="1" i="0" kern="1200">
+                <a:solidFill>
+                  <a:srgbClr val="9601FF"/>
+                </a:solidFill>
+                <a:latin typeface="Montserrat" pitchFamily="2" charset="77"/>
+                <a:ea typeface="+mn-ea"/>
+                <a:cs typeface="+mn-cs"/>
+              </a:defRPr>
+            </a:lvl1pPr>
+            <a:lvl2pPr marL="457200" algn="l" defTabSz="457200" rtl="0" eaLnBrk="1" latinLnBrk="0" hangingPunct="1">
+              <a:defRPr sz="1800" kern="1200">
+                <a:solidFill>
+                  <a:schemeClr val="tx1"/>
+                </a:solidFill>
+                <a:latin typeface="+mn-lt"/>
+                <a:ea typeface="+mn-ea"/>
+                <a:cs typeface="+mn-cs"/>
+              </a:defRPr>
+            </a:lvl2pPr>
+            <a:lvl3pPr marL="914400" algn="l" defTabSz="457200" rtl="0" eaLnBrk="1" latinLnBrk="0" hangingPunct="1">
+              <a:defRPr sz="1800" kern="1200">
+                <a:solidFill>
+                  <a:schemeClr val="tx1"/>
+                </a:solidFill>
+                <a:latin typeface="+mn-lt"/>
+                <a:ea typeface="+mn-ea"/>
+                <a:cs typeface="+mn-cs"/>
+              </a:defRPr>
+            </a:lvl3pPr>
+            <a:lvl4pPr marL="1371600" algn="l" defTabSz="457200" rtl="0" eaLnBrk="1" latinLnBrk="0" hangingPunct="1">
+              <a:defRPr sz="1800" kern="1200">
+                <a:solidFill>
+                  <a:schemeClr val="tx1"/>
+                </a:solidFill>
+                <a:latin typeface="+mn-lt"/>
+                <a:ea typeface="+mn-ea"/>
+                <a:cs typeface="+mn-cs"/>
+              </a:defRPr>
+            </a:lvl4pPr>
+            <a:lvl5pPr marL="1828800" algn="l" defTabSz="457200" rtl="0" eaLnBrk="1" latinLnBrk="0" hangingPunct="1">
+              <a:defRPr sz="1800" kern="1200">
+                <a:solidFill>
+                  <a:schemeClr val="tx1"/>
+                </a:solidFill>
+                <a:latin typeface="+mn-lt"/>
+                <a:ea typeface="+mn-ea"/>
+                <a:cs typeface="+mn-cs"/>
+              </a:defRPr>
+            </a:lvl5pPr>
+            <a:lvl6pPr marL="2286000" algn="l" defTabSz="457200" rtl="0" eaLnBrk="1" latinLnBrk="0" hangingPunct="1">
+              <a:defRPr sz="1800" kern="1200">
+                <a:solidFill>
+                  <a:schemeClr val="tx1"/>
+                </a:solidFill>
+                <a:latin typeface="+mn-lt"/>
+                <a:ea typeface="+mn-ea"/>
+                <a:cs typeface="+mn-cs"/>
+              </a:defRPr>
+            </a:lvl6pPr>
+            <a:lvl7pPr marL="2743200" algn="l" defTabSz="457200" rtl="0" eaLnBrk="1" latinLnBrk="0" hangingPunct="1">
+              <a:defRPr sz="1800" kern="1200">
+                <a:solidFill>
+                  <a:schemeClr val="tx1"/>
+                </a:solidFill>
+                <a:latin typeface="+mn-lt"/>
+                <a:ea typeface="+mn-ea"/>
+                <a:cs typeface="+mn-cs"/>
+              </a:defRPr>
+            </a:lvl7pPr>
+            <a:lvl8pPr marL="3200400" algn="l" defTabSz="457200" rtl="0" eaLnBrk="1" latinLnBrk="0" hangingPunct="1">
+              <a:defRPr sz="1800" kern="1200">
+                <a:solidFill>
+                  <a:schemeClr val="tx1"/>
+                </a:solidFill>
+                <a:latin typeface="+mn-lt"/>
+                <a:ea typeface="+mn-ea"/>
+                <a:cs typeface="+mn-cs"/>
+              </a:defRPr>
+            </a:lvl8pPr>
+            <a:lvl9pPr marL="3657600" algn="l" defTabSz="457200" rtl="0" eaLnBrk="1" latinLnBrk="0" hangingPunct="1">
+              <a:defRPr sz="1800" kern="1200">
+                <a:solidFill>
+                  <a:schemeClr val="tx1"/>
+                </a:solidFill>
+                <a:latin typeface="+mn-lt"/>
+                <a:ea typeface="+mn-ea"/>
+                <a:cs typeface="+mn-cs"/>
+              </a:defRPr>
+            </a:lvl9pPr>
+          </a:lstStyle>
+          <a:p>
+            <a:fld id="{C5EF2332-01BF-834F-8236-50238282D533}" type="slidenum">
+              <a:rPr lang="en-US" sz="2000" smtClean="0"/>
+              <a:pPr/>
+              <a:t>‹#›</a:t>
+            </a:fld>
+            <a:endParaRPr lang="en-US" sz="2000" dirty="0"/>
+          </a:p>
+        </p:txBody>
+      </p:sp>
+      <p:pic>
+        <p:nvPicPr>
+          <p:cNvPr id="9" name="Bild 12">
+            <a:extLst>
+              <a:ext uri="{FF2B5EF4-FFF2-40B4-BE49-F238E27FC236}">
+                <a16:creationId xmlns:a16="http://schemas.microsoft.com/office/drawing/2014/main" id="{DA17B1D5-6FDF-124E-BAB8-4FC671330C9A}"/>
+              </a:ext>
+            </a:extLst>
+          </p:cNvPr>
+          <p:cNvPicPr>
+            <a:picLocks noChangeAspect="1"/>
+          </p:cNvPicPr>
+          <p:nvPr userDrawn="1"/>
+        </p:nvPicPr>
+        <p:blipFill>
+          <a:blip r:embed="rId2">
+            <a:extLst>
+              <a:ext uri="{28A0092B-C50C-407E-A947-70E740481C1C}">
+                <a14:useLocalDpi xmlns:a14="http://schemas.microsoft.com/office/drawing/2010/main" val="0"/>
+              </a:ext>
+            </a:extLst>
+          </a:blip>
+          <a:stretch>
+            <a:fillRect/>
+          </a:stretch>
+        </p:blipFill>
+        <p:spPr>
+          <a:xfrm>
+            <a:off x="8266041" y="6081581"/>
+            <a:ext cx="3528395" cy="393743"/>
+          </a:xfrm>
+          <a:prstGeom prst="rect">
+            <a:avLst/>
+          </a:prstGeom>
+        </p:spPr>
+      </p:pic>
+      <p:sp>
+        <p:nvSpPr>
+          <p:cNvPr id="10" name="Textfeld 24">
+            <a:hlinkClick r:id="rId3"/>
+            <a:extLst>
+              <a:ext uri="{FF2B5EF4-FFF2-40B4-BE49-F238E27FC236}">
+                <a16:creationId xmlns:a16="http://schemas.microsoft.com/office/drawing/2014/main" id="{6BA97247-CC03-E34A-BB9A-F424D705D3A4}"/>
+              </a:ext>
+            </a:extLst>
+          </p:cNvPr>
+          <p:cNvSpPr txBox="1"/>
+          <p:nvPr userDrawn="1"/>
+        </p:nvSpPr>
+        <p:spPr>
+          <a:xfrm>
+            <a:off x="9979118" y="6153645"/>
+            <a:ext cx="1609815" cy="300210"/>
+          </a:xfrm>
+          <a:prstGeom prst="rect">
+            <a:avLst/>
+          </a:prstGeom>
+          <a:noFill/>
+        </p:spPr>
+        <p:txBody>
+          <a:bodyPr wrap="square" rtlCol="0">
+            <a:spAutoFit/>
+          </a:bodyPr>
+          <a:lstStyle/>
+          <a:p>
+            <a:endParaRPr lang="en-US" sz="1351" noProof="0"/>
+          </a:p>
+        </p:txBody>
+      </p:sp>
+      <p:sp>
+        <p:nvSpPr>
+          <p:cNvPr id="12" name="Bildplatzhalter 30">
+            <a:extLst>
+              <a:ext uri="{FF2B5EF4-FFF2-40B4-BE49-F238E27FC236}">
+                <a16:creationId xmlns:a16="http://schemas.microsoft.com/office/drawing/2014/main" id="{85D9BFAE-4C96-D245-BE23-B4588990D01F}"/>
+              </a:ext>
+            </a:extLst>
+          </p:cNvPr>
+          <p:cNvSpPr>
+            <a:spLocks noGrp="1"/>
+          </p:cNvSpPr>
+          <p:nvPr>
+            <p:ph type="pic" sz="quarter" idx="15" hasCustomPrompt="1"/>
+          </p:nvPr>
+        </p:nvSpPr>
+        <p:spPr>
+          <a:xfrm>
+            <a:off x="397566" y="1736035"/>
+            <a:ext cx="3631095" cy="3697357"/>
+          </a:xfrm>
+          <a:prstGeom prst="flowChartConnector">
+            <a:avLst/>
+          </a:prstGeom>
+        </p:spPr>
+        <p:txBody>
+          <a:bodyPr/>
+          <a:lstStyle>
+            <a:lvl1pPr marL="0" indent="0">
+              <a:buNone/>
+              <a:defRPr lang="de-CH" sz="1800" b="1" kern="1200" baseline="0" dirty="0">
+                <a:solidFill>
+                  <a:schemeClr val="bg1"/>
+                </a:solidFill>
+                <a:latin typeface="Open Sans Light"/>
+                <a:ea typeface="Open Sans" panose="020B0606030504020204" pitchFamily="34" charset="0"/>
+                <a:cs typeface="Open Sans Light"/>
+              </a:defRPr>
+            </a:lvl1pPr>
+          </a:lstStyle>
+          <a:p>
+            <a:r>
+              <a:rPr lang="en-US" noProof="0" dirty="0"/>
+              <a:t>Bild</a:t>
+            </a:r>
+          </a:p>
+        </p:txBody>
+      </p:sp>
+      <p:sp>
+        <p:nvSpPr>
+          <p:cNvPr id="19" name="Inhaltsplatzhalter 19">
+            <a:extLst>
+              <a:ext uri="{FF2B5EF4-FFF2-40B4-BE49-F238E27FC236}">
+                <a16:creationId xmlns:a16="http://schemas.microsoft.com/office/drawing/2014/main" id="{60F18873-CF3B-5C4A-B416-5EE745E6B152}"/>
+              </a:ext>
+            </a:extLst>
+          </p:cNvPr>
+          <p:cNvSpPr>
+            <a:spLocks noGrp="1"/>
+          </p:cNvSpPr>
+          <p:nvPr>
+            <p:ph sz="quarter" idx="12" hasCustomPrompt="1"/>
+          </p:nvPr>
+        </p:nvSpPr>
+        <p:spPr>
+          <a:xfrm>
+            <a:off x="4280451" y="1737834"/>
+            <a:ext cx="7513983" cy="359719"/>
+          </a:xfrm>
+          <a:prstGeom prst="rect">
+            <a:avLst/>
+          </a:prstGeom>
+        </p:spPr>
+        <p:txBody>
+          <a:bodyPr>
+            <a:noAutofit/>
+          </a:bodyPr>
+          <a:lstStyle>
+            <a:lvl1pPr marL="0" indent="0">
+              <a:buNone/>
+              <a:defRPr lang="de-DE" sz="2400" b="1" kern="1200" cap="all" spc="100" baseline="0" dirty="0" smtClean="0">
+                <a:solidFill>
+                  <a:srgbClr val="1E2846"/>
+                </a:solidFill>
+                <a:latin typeface="Montserrat-SemiBold"/>
+                <a:ea typeface="+mn-ea"/>
+                <a:cs typeface="Montserrat-Light"/>
+              </a:defRPr>
+            </a:lvl1pPr>
+          </a:lstStyle>
+          <a:p>
+            <a:pPr lvl="0"/>
+            <a:r>
+              <a:rPr lang="en-US" noProof="0" dirty="0"/>
+              <a:t>Surname First name</a:t>
+            </a:r>
+          </a:p>
+        </p:txBody>
+      </p:sp>
+      <p:sp>
+        <p:nvSpPr>
+          <p:cNvPr id="20" name="Inhaltsplatzhalter 21">
+            <a:extLst>
+              <a:ext uri="{FF2B5EF4-FFF2-40B4-BE49-F238E27FC236}">
+                <a16:creationId xmlns:a16="http://schemas.microsoft.com/office/drawing/2014/main" id="{B1506356-8CB9-F14E-B412-556671230903}"/>
+              </a:ext>
+            </a:extLst>
+          </p:cNvPr>
+          <p:cNvSpPr>
+            <a:spLocks noGrp="1"/>
+          </p:cNvSpPr>
+          <p:nvPr>
+            <p:ph sz="quarter" idx="13" hasCustomPrompt="1"/>
+          </p:nvPr>
+        </p:nvSpPr>
+        <p:spPr>
+          <a:xfrm>
+            <a:off x="4279622" y="2130756"/>
+            <a:ext cx="7513983" cy="414339"/>
+          </a:xfrm>
+          <a:prstGeom prst="rect">
+            <a:avLst/>
+          </a:prstGeom>
+        </p:spPr>
+        <p:txBody>
+          <a:bodyPr>
+            <a:noAutofit/>
+          </a:bodyPr>
+          <a:lstStyle>
+            <a:lvl1pPr marL="0" indent="0">
+              <a:buNone/>
+              <a:defRPr lang="de-CH" sz="2400" b="0" kern="1200" cap="all" spc="100" baseline="0" dirty="0" smtClean="0">
+                <a:solidFill>
+                  <a:srgbClr val="1E2846"/>
+                </a:solidFill>
+                <a:latin typeface="Montserrat-SemiBold"/>
+                <a:ea typeface="+mn-ea"/>
+                <a:cs typeface="Montserrat-Light"/>
+              </a:defRPr>
+            </a:lvl1pPr>
+          </a:lstStyle>
+          <a:p>
+            <a:pPr lvl="0"/>
+            <a:r>
+              <a:rPr lang="en-US" noProof="0" dirty="0" err="1"/>
+              <a:t>Titel</a:t>
+            </a:r>
+            <a:endParaRPr lang="en-US" noProof="0" dirty="0"/>
+          </a:p>
+        </p:txBody>
+      </p:sp>
+    </p:spTree>
+    <p:extLst>
+      <p:ext uri="{BB962C8B-B14F-4D97-AF65-F5344CB8AC3E}">
+        <p14:creationId xmlns:p14="http://schemas.microsoft.com/office/powerpoint/2010/main" val="29123514"/>
       </p:ext>
     </p:extLst>
   </p:cSld>
@@ -7163,6 +7703,7 @@
     <p:sldLayoutId id="2147483737" r:id="rId14"/>
     <p:sldLayoutId id="2147483738" r:id="rId15"/>
     <p:sldLayoutId id="2147483739" r:id="rId16"/>
+    <p:sldLayoutId id="2147483748" r:id="rId17"/>
   </p:sldLayoutIdLst>
   <p:hf hdr="0" dt="0"/>
   <p:txStyles>
@@ -7807,7 +8348,7 @@
           <a:p>
             <a:r>
               <a:rPr lang="de-CH" noProof="0" dirty="0"/>
-              <a:t>Martin Berger</a:t>
+              <a:t>Stefan Oehrli</a:t>
             </a:r>
           </a:p>
         </p:txBody>
@@ -7867,15 +8408,7 @@
             </a:pPr>
             <a:r>
               <a:rPr lang="en-GB" dirty="0"/>
-              <a:t>Since </a:t>
-            </a:r>
-            <a:r>
-              <a:rPr lang="en-GB" dirty="0" err="1"/>
-              <a:t>xxxx</a:t>
-            </a:r>
-            <a:r>
-              <a:rPr lang="en-GB" dirty="0"/>
-              <a:t> active in various IT areas</a:t>
+              <a:t>Since 1997 active in various IT areas</a:t>
             </a:r>
           </a:p>
           <a:p>
@@ -7885,7 +8418,7 @@
             </a:pPr>
             <a:r>
               <a:rPr lang="en-GB" dirty="0"/>
-              <a:t>More than xxx years of experience in Oracle databases</a:t>
+              <a:t>More than 24 years of experience in Oracle databases</a:t>
             </a:r>
           </a:p>
           <a:p>
@@ -7895,7 +8428,7 @@
             </a:pPr>
             <a:r>
               <a:rPr lang="en-GB" dirty="0"/>
-              <a:t>Focus: xxx</a:t>
+              <a:t>Focus: Protecting data and operating databases securely</a:t>
             </a:r>
           </a:p>
           <a:p>
@@ -7905,217 +8438,49 @@
             </a:pPr>
             <a:r>
               <a:rPr lang="en-GB" dirty="0"/>
-              <a:t>xxx</a:t>
-            </a:r>
-          </a:p>
-        </p:txBody>
-      </p:sp>
-      <p:pic>
-        <p:nvPicPr>
-          <p:cNvPr id="13" name="Picture 12" descr="A black background with white text&#10;&#10;Description automatically generated with low confidence">
-            <a:extLst>
-              <a:ext uri="{FF2B5EF4-FFF2-40B4-BE49-F238E27FC236}">
-                <a16:creationId xmlns:a16="http://schemas.microsoft.com/office/drawing/2014/main" id="{C48B719A-6EDF-99AC-162A-17BAABA0B28F}"/>
-              </a:ext>
-            </a:extLst>
-          </p:cNvPr>
-          <p:cNvPicPr>
-            <a:picLocks noChangeAspect="1"/>
-          </p:cNvPicPr>
-          <p:nvPr/>
-        </p:nvPicPr>
-        <p:blipFill>
-          <a:blip r:embed="rId3">
-            <a:extLst>
-              <a:ext uri="{28A0092B-C50C-407E-A947-70E740481C1C}">
-                <a14:useLocalDpi xmlns:a14="http://schemas.microsoft.com/office/drawing/2010/main" val="0"/>
-              </a:ext>
-            </a:extLst>
-          </a:blip>
-          <a:stretch>
-            <a:fillRect/>
-          </a:stretch>
-        </p:blipFill>
-        <p:spPr>
-          <a:xfrm>
-            <a:off x="5709468" y="663011"/>
-            <a:ext cx="2399080" cy="945092"/>
-          </a:xfrm>
-          <a:prstGeom prst="rect">
-            <a:avLst/>
-          </a:prstGeom>
-          <a:ln>
-            <a:noFill/>
-          </a:ln>
-          <a:effectLst>
-            <a:outerShdw blurRad="292100" dist="139700" dir="2700000" algn="tl" rotWithShape="0">
-              <a:srgbClr val="333333">
-                <a:alpha val="65000"/>
-              </a:srgbClr>
-            </a:outerShdw>
-          </a:effectLst>
-        </p:spPr>
-      </p:pic>
-      <p:sp>
-        <p:nvSpPr>
-          <p:cNvPr id="3" name="Picture Placeholder 2">
-            <a:extLst>
-              <a:ext uri="{FF2B5EF4-FFF2-40B4-BE49-F238E27FC236}">
-                <a16:creationId xmlns:a16="http://schemas.microsoft.com/office/drawing/2014/main" id="{EFA5BF35-2204-B1D7-1B9B-7C9A97B81198}"/>
-              </a:ext>
-            </a:extLst>
-          </p:cNvPr>
-          <p:cNvSpPr>
-            <a:spLocks noGrp="1"/>
-          </p:cNvSpPr>
-          <p:nvPr>
-            <p:ph type="pic" sz="quarter" idx="15"/>
-          </p:nvPr>
-        </p:nvSpPr>
-        <p:spPr/>
-      </p:sp>
-    </p:spTree>
-    <p:extLst>
-      <p:ext uri="{BB962C8B-B14F-4D97-AF65-F5344CB8AC3E}">
-        <p14:creationId xmlns:p14="http://schemas.microsoft.com/office/powerpoint/2010/main" val="316565560"/>
-      </p:ext>
-    </p:extLst>
-  </p:cSld>
-  <p:clrMapOvr>
-    <a:masterClrMapping/>
-  </p:clrMapOvr>
-</p:sld>
-</file>
-
-<file path=ppt/slides/slide3.xml><?xml version="1.0" encoding="utf-8"?>
-<p:sld xmlns:a="http://schemas.openxmlformats.org/drawingml/2006/main" xmlns:r="http://schemas.openxmlformats.org/officeDocument/2006/relationships" xmlns:p="http://schemas.openxmlformats.org/presentationml/2006/main">
-  <p:cSld>
-    <p:spTree>
-      <p:nvGrpSpPr>
-        <p:cNvPr id="1" name=""/>
-        <p:cNvGrpSpPr/>
-        <p:nvPr/>
-      </p:nvGrpSpPr>
-      <p:grpSpPr>
-        <a:xfrm>
-          <a:off x="0" y="0"/>
-          <a:ext cx="0" cy="0"/>
-          <a:chOff x="0" y="0"/>
-          <a:chExt cx="0" cy="0"/>
-        </a:xfrm>
-      </p:grpSpPr>
-      <p:sp>
-        <p:nvSpPr>
-          <p:cNvPr id="4" name="Title 3">
-            <a:extLst>
-              <a:ext uri="{FF2B5EF4-FFF2-40B4-BE49-F238E27FC236}">
-                <a16:creationId xmlns:a16="http://schemas.microsoft.com/office/drawing/2014/main" id="{F8DB100F-C259-5897-EAC4-1EB9A7F7DFB9}"/>
-              </a:ext>
-            </a:extLst>
-          </p:cNvPr>
-          <p:cNvSpPr>
-            <a:spLocks noGrp="1"/>
-          </p:cNvSpPr>
-          <p:nvPr>
-            <p:ph type="title"/>
-          </p:nvPr>
-        </p:nvSpPr>
-        <p:spPr/>
-        <p:txBody>
-          <a:bodyPr/>
-          <a:lstStyle/>
-          <a:p>
-            <a:r>
-              <a:rPr lang="de-CH" noProof="0" dirty="0"/>
-              <a:t>HALLO, </a:t>
-            </a:r>
-            <a:r>
-              <a:rPr lang="de-CH" noProof="0" dirty="0" err="1"/>
-              <a:t>Grüessech</a:t>
-            </a:r>
-            <a:r>
-              <a:rPr lang="de-CH" noProof="0" dirty="0"/>
-              <a:t>, HI! </a:t>
-            </a:r>
-          </a:p>
-        </p:txBody>
-      </p:sp>
-      <p:sp>
-        <p:nvSpPr>
-          <p:cNvPr id="5" name="Content Placeholder 4">
-            <a:extLst>
-              <a:ext uri="{FF2B5EF4-FFF2-40B4-BE49-F238E27FC236}">
-                <a16:creationId xmlns:a16="http://schemas.microsoft.com/office/drawing/2014/main" id="{2A9FE8E6-DB8B-6F24-C73F-78F673EC8BA0}"/>
-              </a:ext>
-            </a:extLst>
-          </p:cNvPr>
-          <p:cNvSpPr>
-            <a:spLocks noGrp="1"/>
-          </p:cNvSpPr>
-          <p:nvPr>
-            <p:ph sz="quarter" idx="12"/>
-          </p:nvPr>
-        </p:nvSpPr>
-        <p:spPr/>
-        <p:txBody>
-          <a:bodyPr/>
-          <a:lstStyle/>
-          <a:p>
-            <a:r>
-              <a:rPr lang="de-CH" noProof="0" dirty="0"/>
-              <a:t>Stefan Oehrli</a:t>
-            </a:r>
-          </a:p>
-        </p:txBody>
-      </p:sp>
-      <p:sp>
-        <p:nvSpPr>
-          <p:cNvPr id="6" name="Content Placeholder 5">
-            <a:extLst>
-              <a:ext uri="{FF2B5EF4-FFF2-40B4-BE49-F238E27FC236}">
-                <a16:creationId xmlns:a16="http://schemas.microsoft.com/office/drawing/2014/main" id="{8B4B3C5F-F6FC-C07A-9342-257411D44006}"/>
-              </a:ext>
-            </a:extLst>
-          </p:cNvPr>
-          <p:cNvSpPr>
-            <a:spLocks noGrp="1"/>
-          </p:cNvSpPr>
-          <p:nvPr>
-            <p:ph sz="quarter" idx="13"/>
-          </p:nvPr>
-        </p:nvSpPr>
-        <p:spPr/>
-        <p:txBody>
-          <a:bodyPr/>
-          <a:lstStyle/>
-          <a:p>
-            <a:r>
-              <a:rPr lang="de-CH" noProof="0" dirty="0"/>
-              <a:t>Data Engineering Manager</a:t>
-            </a:r>
-          </a:p>
-        </p:txBody>
-      </p:sp>
-      <p:sp>
-        <p:nvSpPr>
-          <p:cNvPr id="8" name="Content Placeholder 7">
-            <a:extLst>
-              <a:ext uri="{FF2B5EF4-FFF2-40B4-BE49-F238E27FC236}">
-                <a16:creationId xmlns:a16="http://schemas.microsoft.com/office/drawing/2014/main" id="{84430BE6-771A-3279-4403-3C1CCA3892F5}"/>
-              </a:ext>
-            </a:extLst>
-          </p:cNvPr>
-          <p:cNvSpPr>
-            <a:spLocks noGrp="1"/>
-          </p:cNvSpPr>
-          <p:nvPr>
-            <p:ph sz="quarter" idx="16"/>
-          </p:nvPr>
-        </p:nvSpPr>
-        <p:spPr/>
-        <p:txBody>
-          <a:bodyPr/>
-          <a:lstStyle/>
+              <a:t>Security assessments and reviews </a:t>
+            </a:r>
+          </a:p>
+          <a:p>
+            <a:pPr marL="639226" lvl="1" indent="-342900">
+              <a:buFont typeface="Courier New" panose="02070309020205020404" pitchFamily="49" charset="0"/>
+              <a:buChar char="o"/>
+            </a:pPr>
+            <a:r>
+              <a:rPr lang="en-GB" dirty="0"/>
+              <a:t>Database security concepts and their implementation</a:t>
+            </a:r>
+          </a:p>
+          <a:p>
+            <a:pPr marL="639226" lvl="1" indent="-342900">
+              <a:buFont typeface="Courier New" panose="02070309020205020404" pitchFamily="49" charset="0"/>
+              <a:buChar char="o"/>
+            </a:pPr>
+            <a:r>
+              <a:rPr lang="en-GB" dirty="0"/>
+              <a:t>Oracle Backup &amp; Recovery concepts and troubleshooting</a:t>
+            </a:r>
+          </a:p>
+          <a:p>
+            <a:pPr marL="639226" lvl="1" indent="-342900">
+              <a:buFont typeface="Courier New" panose="02070309020205020404" pitchFamily="49" charset="0"/>
+              <a:buChar char="o"/>
+            </a:pPr>
+            <a:r>
+              <a:rPr lang="en-GB" dirty="0"/>
+              <a:t>Oracle Enterprise User and Advanced Security, DB Vault, …</a:t>
+            </a:r>
+          </a:p>
+          <a:p>
+            <a:pPr marL="639226" lvl="1" indent="-342900">
+              <a:buFont typeface="Courier New" panose="02070309020205020404" pitchFamily="49" charset="0"/>
+              <a:buChar char="o"/>
+            </a:pPr>
+            <a:r>
+              <a:rPr lang="en-GB" dirty="0"/>
+              <a:t>Oracle Directory Services</a:t>
+            </a:r>
+          </a:p>
           <a:p>
             <a:pPr marL="342900" indent="-342900">
               <a:buFont typeface="Wingdings" pitchFamily="2" charset="2"/>
@@ -8123,86 +8488,6 @@
             </a:pPr>
             <a:r>
               <a:rPr lang="en-GB" dirty="0"/>
-              <a:t>Since 1997 active in various IT areas</a:t>
-            </a:r>
-          </a:p>
-          <a:p>
-            <a:pPr marL="342900" indent="-342900">
-              <a:buFont typeface="Wingdings" pitchFamily="2" charset="2"/>
-              <a:buChar char="§"/>
-            </a:pPr>
-            <a:r>
-              <a:rPr lang="en-GB" dirty="0"/>
-              <a:t>More than 24 years of experience in Oracle databases</a:t>
-            </a:r>
-          </a:p>
-          <a:p>
-            <a:pPr marL="342900" indent="-342900">
-              <a:buFont typeface="Wingdings" pitchFamily="2" charset="2"/>
-              <a:buChar char="§"/>
-            </a:pPr>
-            <a:r>
-              <a:rPr lang="en-GB" dirty="0"/>
-              <a:t>Focus: Protecting data and operating databases securely</a:t>
-            </a:r>
-          </a:p>
-          <a:p>
-            <a:pPr marL="639226" lvl="1" indent="-342900">
-              <a:buFont typeface="Courier New" panose="02070309020205020404" pitchFamily="49" charset="0"/>
-              <a:buChar char="o"/>
-            </a:pPr>
-            <a:r>
-              <a:rPr lang="en-GB" dirty="0"/>
-              <a:t>Security assessments and reviews </a:t>
-            </a:r>
-          </a:p>
-          <a:p>
-            <a:pPr marL="639226" lvl="1" indent="-342900">
-              <a:buFont typeface="Courier New" panose="02070309020205020404" pitchFamily="49" charset="0"/>
-              <a:buChar char="o"/>
-            </a:pPr>
-            <a:r>
-              <a:rPr lang="en-GB" dirty="0"/>
-              <a:t>Database security concepts and their implementation</a:t>
-            </a:r>
-          </a:p>
-          <a:p>
-            <a:pPr marL="639226" lvl="1" indent="-342900">
-              <a:buFont typeface="Courier New" panose="02070309020205020404" pitchFamily="49" charset="0"/>
-              <a:buChar char="o"/>
-            </a:pPr>
-            <a:r>
-              <a:rPr lang="en-GB" dirty="0"/>
-              <a:t>Oracle Backup &amp; Recovery concepts and troubleshooting</a:t>
-            </a:r>
-          </a:p>
-          <a:p>
-            <a:pPr marL="639226" lvl="1" indent="-342900">
-              <a:buFont typeface="Courier New" panose="02070309020205020404" pitchFamily="49" charset="0"/>
-              <a:buChar char="o"/>
-            </a:pPr>
-            <a:r>
-              <a:rPr lang="en-GB" dirty="0"/>
-              <a:t>Oracle Enterprise User and Advanced Security, DB Vault, …</a:t>
-            </a:r>
-          </a:p>
-          <a:p>
-            <a:pPr marL="639226" lvl="1" indent="-342900">
-              <a:buFont typeface="Courier New" panose="02070309020205020404" pitchFamily="49" charset="0"/>
-              <a:buChar char="o"/>
-            </a:pPr>
-            <a:r>
-              <a:rPr lang="en-GB" dirty="0"/>
-              <a:t>Oracle Directory Services</a:t>
-            </a:r>
-          </a:p>
-          <a:p>
-            <a:pPr marL="342900" indent="-342900">
-              <a:buFont typeface="Wingdings" pitchFamily="2" charset="2"/>
-              <a:buChar char="§"/>
-            </a:pPr>
-            <a:r>
-              <a:rPr lang="en-GB" dirty="0"/>
               <a:t>Co-author of the book The Oracle DBA (</a:t>
             </a:r>
             <a:r>
@@ -8211,13 +8496,8 @@
             </a:r>
             <a:r>
               <a:rPr lang="en-GB" dirty="0"/>
-              <a:t>, </a:t>
-            </a:r>
-            <a:r>
-              <a:rPr lang="en-GB"/>
-              <a:t>2016/07)</a:t>
-            </a:r>
-            <a:endParaRPr lang="en-GB" dirty="0"/>
+              <a:t>, 2016/07)</a:t>
+            </a:r>
           </a:p>
         </p:txBody>
       </p:sp>
@@ -8392,6 +8672,888 @@
     <p:extLst>
       <p:ext uri="{BB962C8B-B14F-4D97-AF65-F5344CB8AC3E}">
         <p14:creationId xmlns:p14="http://schemas.microsoft.com/office/powerpoint/2010/main" val="3038992085"/>
+      </p:ext>
+    </p:extLst>
+  </p:cSld>
+  <p:clrMapOvr>
+    <a:masterClrMapping/>
+  </p:clrMapOvr>
+</p:sld>
+</file>
+
+<file path=ppt/slides/slide3.xml><?xml version="1.0" encoding="utf-8"?>
+<p:sld xmlns:a="http://schemas.openxmlformats.org/drawingml/2006/main" xmlns:r="http://schemas.openxmlformats.org/officeDocument/2006/relationships" xmlns:p="http://schemas.openxmlformats.org/presentationml/2006/main">
+  <p:cSld>
+    <p:spTree>
+      <p:nvGrpSpPr>
+        <p:cNvPr id="1" name=""/>
+        <p:cNvGrpSpPr/>
+        <p:nvPr/>
+      </p:nvGrpSpPr>
+      <p:grpSpPr>
+        <a:xfrm>
+          <a:off x="0" y="0"/>
+          <a:ext cx="0" cy="0"/>
+          <a:chOff x="0" y="0"/>
+          <a:chExt cx="0" cy="0"/>
+        </a:xfrm>
+      </p:grpSpPr>
+      <p:sp>
+        <p:nvSpPr>
+          <p:cNvPr id="3" name="Title 2">
+            <a:extLst>
+              <a:ext uri="{FF2B5EF4-FFF2-40B4-BE49-F238E27FC236}">
+                <a16:creationId xmlns:a16="http://schemas.microsoft.com/office/drawing/2014/main" id="{F2899981-DE13-D142-ADB5-D0171DD553F5}"/>
+              </a:ext>
+            </a:extLst>
+          </p:cNvPr>
+          <p:cNvSpPr>
+            <a:spLocks noGrp="1"/>
+          </p:cNvSpPr>
+          <p:nvPr>
+            <p:ph type="title"/>
+          </p:nvPr>
+        </p:nvSpPr>
+        <p:spPr>
+          <a:xfrm>
+            <a:off x="1033671" y="382313"/>
+            <a:ext cx="10760765" cy="444481"/>
+          </a:xfrm>
+        </p:spPr>
+        <p:txBody>
+          <a:bodyPr/>
+          <a:lstStyle/>
+          <a:p>
+            <a:r>
+              <a:rPr lang="de-CH" dirty="0" err="1"/>
+              <a:t>Grüessech</a:t>
+            </a:r>
+            <a:r>
+              <a:rPr lang="de-CH" dirty="0"/>
+              <a:t> </a:t>
+            </a:r>
+            <a:r>
+              <a:rPr lang="de-CH" dirty="0" err="1"/>
+              <a:t>mitenang</a:t>
+            </a:r>
+            <a:endParaRPr lang="en-US" dirty="0"/>
+          </a:p>
+        </p:txBody>
+      </p:sp>
+      <p:sp>
+        <p:nvSpPr>
+          <p:cNvPr id="12" name="Content Placeholder 11">
+            <a:extLst>
+              <a:ext uri="{FF2B5EF4-FFF2-40B4-BE49-F238E27FC236}">
+                <a16:creationId xmlns:a16="http://schemas.microsoft.com/office/drawing/2014/main" id="{72DAC2E9-59C5-BE4C-828B-E52040C6880C}"/>
+              </a:ext>
+            </a:extLst>
+          </p:cNvPr>
+          <p:cNvSpPr>
+            <a:spLocks noGrp="1"/>
+          </p:cNvSpPr>
+          <p:nvPr>
+            <p:ph idx="1"/>
+          </p:nvPr>
+        </p:nvSpPr>
+        <p:spPr/>
+        <p:txBody>
+          <a:bodyPr/>
+          <a:lstStyle/>
+          <a:p>
+            <a:r>
+              <a:rPr lang="en-US" dirty="0" err="1"/>
+              <a:t>Kestenholz</a:t>
+            </a:r>
+            <a:r>
+              <a:rPr lang="en-US" dirty="0"/>
+              <a:t> / </a:t>
+            </a:r>
+            <a:r>
+              <a:rPr lang="en-US" dirty="0" err="1"/>
+              <a:t>Jurasüdfuss</a:t>
+            </a:r>
+            <a:r>
+              <a:rPr lang="en-US" dirty="0"/>
+              <a:t> / Switzerland</a:t>
+            </a:r>
+          </a:p>
+          <a:p>
+            <a:r>
+              <a:rPr lang="en-US" dirty="0"/>
+              <a:t>2 Junior-DBAs @ Home (</a:t>
+            </a:r>
+            <a:r>
+              <a:rPr lang="en-CH" dirty="0"/>
+              <a:t>7</a:t>
+            </a:r>
+            <a:r>
+              <a:rPr lang="en-US" dirty="0" err="1"/>
+              <a:t>yrs</a:t>
+            </a:r>
+            <a:r>
+              <a:rPr lang="en-US" dirty="0"/>
+              <a:t> &amp; </a:t>
+            </a:r>
+            <a:r>
+              <a:rPr lang="en-CH" dirty="0"/>
+              <a:t>9</a:t>
+            </a:r>
+            <a:r>
+              <a:rPr lang="en-US" dirty="0" err="1"/>
+              <a:t>yrs</a:t>
+            </a:r>
+            <a:r>
+              <a:rPr lang="en-US" dirty="0"/>
+              <a:t>)</a:t>
+            </a:r>
+          </a:p>
+          <a:p>
+            <a:r>
+              <a:rPr lang="en-US" dirty="0"/>
+              <a:t>Firefighter &amp; E-Biker</a:t>
+            </a:r>
+          </a:p>
+          <a:p>
+            <a:r>
+              <a:rPr lang="en-US" dirty="0"/>
+              <a:t>Loves his companies' cultural values:	</a:t>
+            </a:r>
+          </a:p>
+          <a:p>
+            <a:pPr lvl="1"/>
+            <a:r>
+              <a:rPr lang="en-US" dirty="0"/>
+              <a:t>curiosity, doers, network, space, and together</a:t>
+            </a:r>
+          </a:p>
+          <a:p>
+            <a:r>
+              <a:rPr lang="en-GB" dirty="0"/>
+              <a:t>Focus: </a:t>
+            </a:r>
+            <a:r>
+              <a:rPr lang="de-CH" dirty="0" err="1"/>
+              <a:t>Let’s</a:t>
+            </a:r>
+            <a:r>
+              <a:rPr lang="de-CH" dirty="0"/>
+              <a:t> </a:t>
+            </a:r>
+            <a:r>
+              <a:rPr lang="de-CH" dirty="0" err="1"/>
+              <a:t>go</a:t>
+            </a:r>
+            <a:r>
+              <a:rPr lang="de-CH" dirty="0"/>
+              <a:t> </a:t>
+            </a:r>
+            <a:r>
+              <a:rPr lang="de-CH" dirty="0" err="1"/>
+              <a:t>into</a:t>
+            </a:r>
+            <a:r>
+              <a:rPr lang="de-CH" dirty="0"/>
+              <a:t> </a:t>
+            </a:r>
+            <a:r>
+              <a:rPr lang="de-CH" dirty="0" err="1"/>
+              <a:t>the</a:t>
+            </a:r>
+            <a:r>
+              <a:rPr lang="de-CH" dirty="0"/>
+              <a:t> Cloud</a:t>
+            </a:r>
+            <a:endParaRPr lang="en-US" dirty="0"/>
+          </a:p>
+          <a:p>
+            <a:endParaRPr lang="en-US" dirty="0"/>
+          </a:p>
+          <a:p>
+            <a:endParaRPr lang="en-US" dirty="0"/>
+          </a:p>
+        </p:txBody>
+      </p:sp>
+      <p:pic>
+        <p:nvPicPr>
+          <p:cNvPr id="5" name="Picture Placeholder 4" descr="A person wearing glasses&#10;&#10;Description automatically generated with medium confidence">
+            <a:extLst>
+              <a:ext uri="{FF2B5EF4-FFF2-40B4-BE49-F238E27FC236}">
+                <a16:creationId xmlns:a16="http://schemas.microsoft.com/office/drawing/2014/main" id="{A19F4119-BD7B-4314-9A80-3C2AF066DC90}"/>
+              </a:ext>
+            </a:extLst>
+          </p:cNvPr>
+          <p:cNvPicPr>
+            <a:picLocks noGrp="1" noChangeAspect="1"/>
+          </p:cNvPicPr>
+          <p:nvPr>
+            <p:ph type="pic" sz="quarter" idx="15"/>
+          </p:nvPr>
+        </p:nvPicPr>
+        <p:blipFill>
+          <a:blip r:embed="rId2"/>
+          <a:srcRect t="791" b="791"/>
+          <a:stretch>
+            <a:fillRect/>
+          </a:stretch>
+        </p:blipFill>
+        <p:spPr/>
+      </p:pic>
+      <p:sp>
+        <p:nvSpPr>
+          <p:cNvPr id="13" name="Content Placeholder 12">
+            <a:extLst>
+              <a:ext uri="{FF2B5EF4-FFF2-40B4-BE49-F238E27FC236}">
+                <a16:creationId xmlns:a16="http://schemas.microsoft.com/office/drawing/2014/main" id="{605D747D-D90E-DC47-B0B4-BAFEDBB6F73D}"/>
+              </a:ext>
+            </a:extLst>
+          </p:cNvPr>
+          <p:cNvSpPr>
+            <a:spLocks noGrp="1"/>
+          </p:cNvSpPr>
+          <p:nvPr>
+            <p:ph sz="quarter" idx="12"/>
+          </p:nvPr>
+        </p:nvSpPr>
+        <p:spPr/>
+        <p:txBody>
+          <a:bodyPr/>
+          <a:lstStyle/>
+          <a:p>
+            <a:r>
+              <a:rPr lang="de-CH" dirty="0"/>
+              <a:t>M</a:t>
+            </a:r>
+            <a:r>
+              <a:rPr lang="en-CH" dirty="0" err="1"/>
+              <a:t>artin</a:t>
+            </a:r>
+            <a:r>
+              <a:rPr lang="en-CH" dirty="0"/>
+              <a:t> </a:t>
+            </a:r>
+            <a:r>
+              <a:rPr lang="en-CH" dirty="0" err="1"/>
+              <a:t>berger</a:t>
+            </a:r>
+            <a:endParaRPr lang="en-US" dirty="0"/>
+          </a:p>
+        </p:txBody>
+      </p:sp>
+      <p:sp>
+        <p:nvSpPr>
+          <p:cNvPr id="14" name="Content Placeholder 13">
+            <a:extLst>
+              <a:ext uri="{FF2B5EF4-FFF2-40B4-BE49-F238E27FC236}">
+                <a16:creationId xmlns:a16="http://schemas.microsoft.com/office/drawing/2014/main" id="{509711DB-C967-424D-A5E9-AEE4079FDC8A}"/>
+              </a:ext>
+            </a:extLst>
+          </p:cNvPr>
+          <p:cNvSpPr>
+            <a:spLocks noGrp="1"/>
+          </p:cNvSpPr>
+          <p:nvPr>
+            <p:ph sz="quarter" idx="13"/>
+          </p:nvPr>
+        </p:nvSpPr>
+        <p:spPr/>
+        <p:txBody>
+          <a:bodyPr/>
+          <a:lstStyle/>
+          <a:p>
+            <a:r>
+              <a:rPr lang="de-CH" noProof="0" dirty="0"/>
+              <a:t>Data Engineering Associate Manager</a:t>
+            </a:r>
+          </a:p>
+        </p:txBody>
+      </p:sp>
+      <p:pic>
+        <p:nvPicPr>
+          <p:cNvPr id="11" name="Picture 10">
+            <a:extLst>
+              <a:ext uri="{FF2B5EF4-FFF2-40B4-BE49-F238E27FC236}">
+                <a16:creationId xmlns:a16="http://schemas.microsoft.com/office/drawing/2014/main" id="{A804FF4E-9E8A-4FC8-BE0A-8DFACADDD268}"/>
+              </a:ext>
+            </a:extLst>
+          </p:cNvPr>
+          <p:cNvPicPr>
+            <a:picLocks noChangeAspect="1"/>
+          </p:cNvPicPr>
+          <p:nvPr/>
+        </p:nvPicPr>
+        <p:blipFill>
+          <a:blip r:embed="rId3"/>
+          <a:stretch>
+            <a:fillRect/>
+          </a:stretch>
+        </p:blipFill>
+        <p:spPr>
+          <a:xfrm>
+            <a:off x="10460009" y="244089"/>
+            <a:ext cx="1333596" cy="1477143"/>
+          </a:xfrm>
+          <a:prstGeom prst="rect">
+            <a:avLst/>
+          </a:prstGeom>
+        </p:spPr>
+      </p:pic>
+      <p:sp>
+        <p:nvSpPr>
+          <p:cNvPr id="16" name="Content Placeholder 11">
+            <a:extLst>
+              <a:ext uri="{FF2B5EF4-FFF2-40B4-BE49-F238E27FC236}">
+                <a16:creationId xmlns:a16="http://schemas.microsoft.com/office/drawing/2014/main" id="{9DE532CA-DA2A-48FC-A945-C4C9EB2A7134}"/>
+              </a:ext>
+            </a:extLst>
+          </p:cNvPr>
+          <p:cNvSpPr txBox="1">
+            <a:spLocks/>
+          </p:cNvSpPr>
+          <p:nvPr/>
+        </p:nvSpPr>
+        <p:spPr>
+          <a:xfrm>
+            <a:off x="3610693" y="6093291"/>
+            <a:ext cx="2485307" cy="414339"/>
+          </a:xfrm>
+          <a:prstGeom prst="rect">
+            <a:avLst/>
+          </a:prstGeom>
+        </p:spPr>
+        <p:txBody>
+          <a:bodyPr vert="horz" lIns="121920" tIns="60960" rIns="121920" bIns="60960" rtlCol="0">
+            <a:normAutofit/>
+          </a:bodyPr>
+          <a:lstStyle>
+            <a:lvl1pPr marL="257175" indent="-171450" algn="l" defTabSz="685800" rtl="0" eaLnBrk="1" latinLnBrk="0" hangingPunct="1">
+              <a:lnSpc>
+                <a:spcPct val="90000"/>
+              </a:lnSpc>
+              <a:spcBef>
+                <a:spcPts val="300"/>
+              </a:spcBef>
+              <a:spcAft>
+                <a:spcPts val="300"/>
+              </a:spcAft>
+              <a:buClr>
+                <a:srgbClr val="9600FF"/>
+              </a:buClr>
+              <a:buFont typeface="Wingdings" pitchFamily="2" charset="2"/>
+              <a:buChar char="§"/>
+              <a:defRPr lang="en-US" sz="1350" b="0" kern="1200" baseline="0" dirty="0" smtClean="0">
+                <a:solidFill>
+                  <a:srgbClr val="1E2846"/>
+                </a:solidFill>
+                <a:latin typeface="Open Sans Light" panose="020B0306030504020204" pitchFamily="34" charset="0"/>
+                <a:ea typeface="Open Sans Light" panose="020B0306030504020204" pitchFamily="34" charset="0"/>
+                <a:cs typeface="Open Sans Light" panose="020B0306030504020204" pitchFamily="34" charset="0"/>
+              </a:defRPr>
+            </a:lvl1pPr>
+            <a:lvl2pPr marL="557213" indent="-171450" algn="l" defTabSz="685800" rtl="0" eaLnBrk="1" latinLnBrk="0" hangingPunct="1">
+              <a:lnSpc>
+                <a:spcPct val="90000"/>
+              </a:lnSpc>
+              <a:spcBef>
+                <a:spcPts val="300"/>
+              </a:spcBef>
+              <a:spcAft>
+                <a:spcPts val="300"/>
+              </a:spcAft>
+              <a:buClr>
+                <a:srgbClr val="9600FF"/>
+              </a:buClr>
+              <a:buFont typeface="Courier New" panose="02070309020205020404" pitchFamily="49" charset="0"/>
+              <a:buChar char="o"/>
+              <a:defRPr lang="en-US" sz="1350" b="0" kern="1200" baseline="0" dirty="0" smtClean="0">
+                <a:solidFill>
+                  <a:srgbClr val="1E2846"/>
+                </a:solidFill>
+                <a:latin typeface="Open Sans Light" panose="020B0306030504020204" pitchFamily="34" charset="0"/>
+                <a:ea typeface="Open Sans Light" panose="020B0306030504020204" pitchFamily="34" charset="0"/>
+                <a:cs typeface="Open Sans Light" panose="020B0306030504020204" pitchFamily="34" charset="0"/>
+              </a:defRPr>
+            </a:lvl2pPr>
+            <a:lvl3pPr marL="857250" indent="-171450" algn="l" defTabSz="685800" rtl="0" eaLnBrk="1" latinLnBrk="0" hangingPunct="1">
+              <a:lnSpc>
+                <a:spcPct val="90000"/>
+              </a:lnSpc>
+              <a:spcBef>
+                <a:spcPts val="300"/>
+              </a:spcBef>
+              <a:spcAft>
+                <a:spcPts val="300"/>
+              </a:spcAft>
+              <a:buClr>
+                <a:srgbClr val="9600FF"/>
+              </a:buClr>
+              <a:buFont typeface="Courier New" panose="02070309020205020404" pitchFamily="49" charset="0"/>
+              <a:buChar char="o"/>
+              <a:defRPr lang="en-US" sz="1350" b="0" kern="1200" baseline="0" dirty="0" smtClean="0">
+                <a:solidFill>
+                  <a:srgbClr val="1E2846"/>
+                </a:solidFill>
+                <a:latin typeface="Open Sans Light" panose="020B0306030504020204" pitchFamily="34" charset="0"/>
+                <a:ea typeface="Open Sans Light" panose="020B0306030504020204" pitchFamily="34" charset="0"/>
+                <a:cs typeface="Open Sans Light" panose="020B0306030504020204" pitchFamily="34" charset="0"/>
+              </a:defRPr>
+            </a:lvl3pPr>
+            <a:lvl4pPr marL="1200150" indent="-171450" algn="l" defTabSz="685800" rtl="0" eaLnBrk="1" latinLnBrk="0" hangingPunct="1">
+              <a:lnSpc>
+                <a:spcPct val="90000"/>
+              </a:lnSpc>
+              <a:spcBef>
+                <a:spcPts val="300"/>
+              </a:spcBef>
+              <a:spcAft>
+                <a:spcPts val="300"/>
+              </a:spcAft>
+              <a:buClr>
+                <a:srgbClr val="9600FF"/>
+              </a:buClr>
+              <a:buFont typeface="Courier New" panose="02070309020205020404" pitchFamily="49" charset="0"/>
+              <a:buChar char="o"/>
+              <a:defRPr lang="en-US" sz="1350" b="0" kern="1200" baseline="0" dirty="0" smtClean="0">
+                <a:solidFill>
+                  <a:srgbClr val="1E2846"/>
+                </a:solidFill>
+                <a:latin typeface="Open Sans Light" panose="020B0306030504020204" pitchFamily="34" charset="0"/>
+                <a:ea typeface="Open Sans Light" panose="020B0306030504020204" pitchFamily="34" charset="0"/>
+                <a:cs typeface="Open Sans Light" panose="020B0306030504020204" pitchFamily="34" charset="0"/>
+              </a:defRPr>
+            </a:lvl4pPr>
+            <a:lvl5pPr marL="1543050" indent="-171450" algn="l" defTabSz="685800" rtl="0" eaLnBrk="1" latinLnBrk="0" hangingPunct="1">
+              <a:lnSpc>
+                <a:spcPct val="90000"/>
+              </a:lnSpc>
+              <a:spcBef>
+                <a:spcPts val="300"/>
+              </a:spcBef>
+              <a:spcAft>
+                <a:spcPts val="300"/>
+              </a:spcAft>
+              <a:buClr>
+                <a:srgbClr val="9600FF"/>
+              </a:buClr>
+              <a:buFont typeface="Courier New" panose="02070309020205020404" pitchFamily="49" charset="0"/>
+              <a:buChar char="o"/>
+              <a:defRPr lang="en-US" sz="1350" b="0" kern="1200" baseline="0" dirty="0">
+                <a:solidFill>
+                  <a:srgbClr val="1E2846"/>
+                </a:solidFill>
+                <a:latin typeface="Open Sans Light" panose="020B0306030504020204" pitchFamily="34" charset="0"/>
+                <a:ea typeface="Open Sans Light" panose="020B0306030504020204" pitchFamily="34" charset="0"/>
+                <a:cs typeface="Open Sans Light" panose="020B0306030504020204" pitchFamily="34" charset="0"/>
+              </a:defRPr>
+            </a:lvl5pPr>
+            <a:lvl6pPr marL="1885950" indent="-171450" algn="l" defTabSz="342900" rtl="0" eaLnBrk="1" latinLnBrk="0" hangingPunct="1">
+              <a:spcBef>
+                <a:spcPct val="20000"/>
+              </a:spcBef>
+              <a:buFont typeface="Arial"/>
+              <a:buChar char="•"/>
+              <a:defRPr sz="1500" kern="1200">
+                <a:solidFill>
+                  <a:schemeClr val="tx1"/>
+                </a:solidFill>
+                <a:latin typeface="+mn-lt"/>
+                <a:ea typeface="+mn-ea"/>
+                <a:cs typeface="+mn-cs"/>
+              </a:defRPr>
+            </a:lvl6pPr>
+            <a:lvl7pPr marL="2228850" indent="-171450" algn="l" defTabSz="342900" rtl="0" eaLnBrk="1" latinLnBrk="0" hangingPunct="1">
+              <a:spcBef>
+                <a:spcPct val="20000"/>
+              </a:spcBef>
+              <a:buFont typeface="Arial"/>
+              <a:buChar char="•"/>
+              <a:defRPr sz="1500" kern="1200">
+                <a:solidFill>
+                  <a:schemeClr val="tx1"/>
+                </a:solidFill>
+                <a:latin typeface="+mn-lt"/>
+                <a:ea typeface="+mn-ea"/>
+                <a:cs typeface="+mn-cs"/>
+              </a:defRPr>
+            </a:lvl7pPr>
+            <a:lvl8pPr marL="2571750" indent="-171450" algn="l" defTabSz="342900" rtl="0" eaLnBrk="1" latinLnBrk="0" hangingPunct="1">
+              <a:spcBef>
+                <a:spcPct val="20000"/>
+              </a:spcBef>
+              <a:buFont typeface="Arial"/>
+              <a:buChar char="•"/>
+              <a:defRPr sz="1500" kern="1200">
+                <a:solidFill>
+                  <a:schemeClr val="tx1"/>
+                </a:solidFill>
+                <a:latin typeface="+mn-lt"/>
+                <a:ea typeface="+mn-ea"/>
+                <a:cs typeface="+mn-cs"/>
+              </a:defRPr>
+            </a:lvl8pPr>
+            <a:lvl9pPr marL="2914650" indent="-171450" algn="l" defTabSz="342900" rtl="0" eaLnBrk="1" latinLnBrk="0" hangingPunct="1">
+              <a:spcBef>
+                <a:spcPct val="20000"/>
+              </a:spcBef>
+              <a:buFont typeface="Arial"/>
+              <a:buChar char="•"/>
+              <a:defRPr sz="1500" kern="1200">
+                <a:solidFill>
+                  <a:schemeClr val="tx1"/>
+                </a:solidFill>
+                <a:latin typeface="+mn-lt"/>
+                <a:ea typeface="+mn-ea"/>
+                <a:cs typeface="+mn-cs"/>
+              </a:defRPr>
+            </a:lvl9pPr>
+          </a:lstStyle>
+          <a:p>
+            <a:pPr marL="114297" indent="0">
+              <a:buNone/>
+            </a:pPr>
+            <a:r>
+              <a:rPr lang="de-CH" sz="1800"/>
+              <a:t>martinberger.com</a:t>
+            </a:r>
+          </a:p>
+          <a:p>
+            <a:endParaRPr lang="de-CH" sz="1800"/>
+          </a:p>
+        </p:txBody>
+      </p:sp>
+      <p:pic>
+        <p:nvPicPr>
+          <p:cNvPr id="17" name="Picture 16" descr="Logo, icon&#10;&#10;Description automatically generated">
+            <a:extLst>
+              <a:ext uri="{FF2B5EF4-FFF2-40B4-BE49-F238E27FC236}">
+                <a16:creationId xmlns:a16="http://schemas.microsoft.com/office/drawing/2014/main" id="{05EA0D80-4827-4465-A0C9-7BB9BA5FFEF7}"/>
+              </a:ext>
+            </a:extLst>
+          </p:cNvPr>
+          <p:cNvPicPr>
+            <a:picLocks noChangeAspect="1"/>
+          </p:cNvPicPr>
+          <p:nvPr/>
+        </p:nvPicPr>
+        <p:blipFill>
+          <a:blip r:embed="rId4"/>
+          <a:stretch>
+            <a:fillRect/>
+          </a:stretch>
+        </p:blipFill>
+        <p:spPr>
+          <a:xfrm>
+            <a:off x="477876" y="5998389"/>
+            <a:ext cx="453899" cy="453899"/>
+          </a:xfrm>
+          <a:prstGeom prst="rect">
+            <a:avLst/>
+          </a:prstGeom>
+        </p:spPr>
+      </p:pic>
+      <p:pic>
+        <p:nvPicPr>
+          <p:cNvPr id="18" name="Picture 17">
+            <a:extLst>
+              <a:ext uri="{FF2B5EF4-FFF2-40B4-BE49-F238E27FC236}">
+                <a16:creationId xmlns:a16="http://schemas.microsoft.com/office/drawing/2014/main" id="{C8631476-01FC-4A56-94CB-31B5F825B6FF}"/>
+              </a:ext>
+            </a:extLst>
+          </p:cNvPr>
+          <p:cNvPicPr>
+            <a:picLocks noChangeAspect="1"/>
+          </p:cNvPicPr>
+          <p:nvPr/>
+        </p:nvPicPr>
+        <p:blipFill>
+          <a:blip r:embed="rId5"/>
+          <a:stretch>
+            <a:fillRect/>
+          </a:stretch>
+        </p:blipFill>
+        <p:spPr>
+          <a:xfrm>
+            <a:off x="3131829" y="5970638"/>
+            <a:ext cx="548961" cy="548961"/>
+          </a:xfrm>
+          <a:prstGeom prst="rect">
+            <a:avLst/>
+          </a:prstGeom>
+        </p:spPr>
+      </p:pic>
+      <p:sp>
+        <p:nvSpPr>
+          <p:cNvPr id="19" name="Content Placeholder 11">
+            <a:extLst>
+              <a:ext uri="{FF2B5EF4-FFF2-40B4-BE49-F238E27FC236}">
+                <a16:creationId xmlns:a16="http://schemas.microsoft.com/office/drawing/2014/main" id="{0BB9D21E-55BB-497D-9C7C-2C1A60E7B0DF}"/>
+              </a:ext>
+            </a:extLst>
+          </p:cNvPr>
+          <p:cNvSpPr txBox="1">
+            <a:spLocks/>
+          </p:cNvSpPr>
+          <p:nvPr/>
+        </p:nvSpPr>
+        <p:spPr>
+          <a:xfrm>
+            <a:off x="921003" y="6071135"/>
+            <a:ext cx="2485307" cy="414339"/>
+          </a:xfrm>
+          <a:prstGeom prst="rect">
+            <a:avLst/>
+          </a:prstGeom>
+        </p:spPr>
+        <p:txBody>
+          <a:bodyPr vert="horz" lIns="121920" tIns="60960" rIns="121920" bIns="60960" rtlCol="0">
+            <a:normAutofit/>
+          </a:bodyPr>
+          <a:lstStyle>
+            <a:lvl1pPr marL="257175" indent="-171450" algn="l" defTabSz="685800" rtl="0" eaLnBrk="1" latinLnBrk="0" hangingPunct="1">
+              <a:lnSpc>
+                <a:spcPct val="90000"/>
+              </a:lnSpc>
+              <a:spcBef>
+                <a:spcPts val="300"/>
+              </a:spcBef>
+              <a:spcAft>
+                <a:spcPts val="300"/>
+              </a:spcAft>
+              <a:buClr>
+                <a:srgbClr val="9600FF"/>
+              </a:buClr>
+              <a:buFont typeface="Wingdings" pitchFamily="2" charset="2"/>
+              <a:buChar char="§"/>
+              <a:defRPr lang="en-US" sz="1350" b="0" kern="1200" baseline="0" dirty="0" smtClean="0">
+                <a:solidFill>
+                  <a:srgbClr val="1E2846"/>
+                </a:solidFill>
+                <a:latin typeface="Open Sans Light" panose="020B0306030504020204" pitchFamily="34" charset="0"/>
+                <a:ea typeface="Open Sans Light" panose="020B0306030504020204" pitchFamily="34" charset="0"/>
+                <a:cs typeface="Open Sans Light" panose="020B0306030504020204" pitchFamily="34" charset="0"/>
+              </a:defRPr>
+            </a:lvl1pPr>
+            <a:lvl2pPr marL="557213" indent="-171450" algn="l" defTabSz="685800" rtl="0" eaLnBrk="1" latinLnBrk="0" hangingPunct="1">
+              <a:lnSpc>
+                <a:spcPct val="90000"/>
+              </a:lnSpc>
+              <a:spcBef>
+                <a:spcPts val="300"/>
+              </a:spcBef>
+              <a:spcAft>
+                <a:spcPts val="300"/>
+              </a:spcAft>
+              <a:buClr>
+                <a:srgbClr val="9600FF"/>
+              </a:buClr>
+              <a:buFont typeface="Courier New" panose="02070309020205020404" pitchFamily="49" charset="0"/>
+              <a:buChar char="o"/>
+              <a:defRPr lang="en-US" sz="1350" b="0" kern="1200" baseline="0" dirty="0" smtClean="0">
+                <a:solidFill>
+                  <a:srgbClr val="1E2846"/>
+                </a:solidFill>
+                <a:latin typeface="Open Sans Light" panose="020B0306030504020204" pitchFamily="34" charset="0"/>
+                <a:ea typeface="Open Sans Light" panose="020B0306030504020204" pitchFamily="34" charset="0"/>
+                <a:cs typeface="Open Sans Light" panose="020B0306030504020204" pitchFamily="34" charset="0"/>
+              </a:defRPr>
+            </a:lvl2pPr>
+            <a:lvl3pPr marL="857250" indent="-171450" algn="l" defTabSz="685800" rtl="0" eaLnBrk="1" latinLnBrk="0" hangingPunct="1">
+              <a:lnSpc>
+                <a:spcPct val="90000"/>
+              </a:lnSpc>
+              <a:spcBef>
+                <a:spcPts val="300"/>
+              </a:spcBef>
+              <a:spcAft>
+                <a:spcPts val="300"/>
+              </a:spcAft>
+              <a:buClr>
+                <a:srgbClr val="9600FF"/>
+              </a:buClr>
+              <a:buFont typeface="Courier New" panose="02070309020205020404" pitchFamily="49" charset="0"/>
+              <a:buChar char="o"/>
+              <a:defRPr lang="en-US" sz="1350" b="0" kern="1200" baseline="0" dirty="0" smtClean="0">
+                <a:solidFill>
+                  <a:srgbClr val="1E2846"/>
+                </a:solidFill>
+                <a:latin typeface="Open Sans Light" panose="020B0306030504020204" pitchFamily="34" charset="0"/>
+                <a:ea typeface="Open Sans Light" panose="020B0306030504020204" pitchFamily="34" charset="0"/>
+                <a:cs typeface="Open Sans Light" panose="020B0306030504020204" pitchFamily="34" charset="0"/>
+              </a:defRPr>
+            </a:lvl3pPr>
+            <a:lvl4pPr marL="1200150" indent="-171450" algn="l" defTabSz="685800" rtl="0" eaLnBrk="1" latinLnBrk="0" hangingPunct="1">
+              <a:lnSpc>
+                <a:spcPct val="90000"/>
+              </a:lnSpc>
+              <a:spcBef>
+                <a:spcPts val="300"/>
+              </a:spcBef>
+              <a:spcAft>
+                <a:spcPts val="300"/>
+              </a:spcAft>
+              <a:buClr>
+                <a:srgbClr val="9600FF"/>
+              </a:buClr>
+              <a:buFont typeface="Courier New" panose="02070309020205020404" pitchFamily="49" charset="0"/>
+              <a:buChar char="o"/>
+              <a:defRPr lang="en-US" sz="1350" b="0" kern="1200" baseline="0" dirty="0" smtClean="0">
+                <a:solidFill>
+                  <a:srgbClr val="1E2846"/>
+                </a:solidFill>
+                <a:latin typeface="Open Sans Light" panose="020B0306030504020204" pitchFamily="34" charset="0"/>
+                <a:ea typeface="Open Sans Light" panose="020B0306030504020204" pitchFamily="34" charset="0"/>
+                <a:cs typeface="Open Sans Light" panose="020B0306030504020204" pitchFamily="34" charset="0"/>
+              </a:defRPr>
+            </a:lvl4pPr>
+            <a:lvl5pPr marL="1543050" indent="-171450" algn="l" defTabSz="685800" rtl="0" eaLnBrk="1" latinLnBrk="0" hangingPunct="1">
+              <a:lnSpc>
+                <a:spcPct val="90000"/>
+              </a:lnSpc>
+              <a:spcBef>
+                <a:spcPts val="300"/>
+              </a:spcBef>
+              <a:spcAft>
+                <a:spcPts val="300"/>
+              </a:spcAft>
+              <a:buClr>
+                <a:srgbClr val="9600FF"/>
+              </a:buClr>
+              <a:buFont typeface="Courier New" panose="02070309020205020404" pitchFamily="49" charset="0"/>
+              <a:buChar char="o"/>
+              <a:defRPr lang="en-US" sz="1350" b="0" kern="1200" baseline="0" dirty="0">
+                <a:solidFill>
+                  <a:srgbClr val="1E2846"/>
+                </a:solidFill>
+                <a:latin typeface="Open Sans Light" panose="020B0306030504020204" pitchFamily="34" charset="0"/>
+                <a:ea typeface="Open Sans Light" panose="020B0306030504020204" pitchFamily="34" charset="0"/>
+                <a:cs typeface="Open Sans Light" panose="020B0306030504020204" pitchFamily="34" charset="0"/>
+              </a:defRPr>
+            </a:lvl5pPr>
+            <a:lvl6pPr marL="1885950" indent="-171450" algn="l" defTabSz="342900" rtl="0" eaLnBrk="1" latinLnBrk="0" hangingPunct="1">
+              <a:spcBef>
+                <a:spcPct val="20000"/>
+              </a:spcBef>
+              <a:buFont typeface="Arial"/>
+              <a:buChar char="•"/>
+              <a:defRPr sz="1500" kern="1200">
+                <a:solidFill>
+                  <a:schemeClr val="tx1"/>
+                </a:solidFill>
+                <a:latin typeface="+mn-lt"/>
+                <a:ea typeface="+mn-ea"/>
+                <a:cs typeface="+mn-cs"/>
+              </a:defRPr>
+            </a:lvl6pPr>
+            <a:lvl7pPr marL="2228850" indent="-171450" algn="l" defTabSz="342900" rtl="0" eaLnBrk="1" latinLnBrk="0" hangingPunct="1">
+              <a:spcBef>
+                <a:spcPct val="20000"/>
+              </a:spcBef>
+              <a:buFont typeface="Arial"/>
+              <a:buChar char="•"/>
+              <a:defRPr sz="1500" kern="1200">
+                <a:solidFill>
+                  <a:schemeClr val="tx1"/>
+                </a:solidFill>
+                <a:latin typeface="+mn-lt"/>
+                <a:ea typeface="+mn-ea"/>
+                <a:cs typeface="+mn-cs"/>
+              </a:defRPr>
+            </a:lvl7pPr>
+            <a:lvl8pPr marL="2571750" indent="-171450" algn="l" defTabSz="342900" rtl="0" eaLnBrk="1" latinLnBrk="0" hangingPunct="1">
+              <a:spcBef>
+                <a:spcPct val="20000"/>
+              </a:spcBef>
+              <a:buFont typeface="Arial"/>
+              <a:buChar char="•"/>
+              <a:defRPr sz="1500" kern="1200">
+                <a:solidFill>
+                  <a:schemeClr val="tx1"/>
+                </a:solidFill>
+                <a:latin typeface="+mn-lt"/>
+                <a:ea typeface="+mn-ea"/>
+                <a:cs typeface="+mn-cs"/>
+              </a:defRPr>
+            </a:lvl8pPr>
+            <a:lvl9pPr marL="2914650" indent="-171450" algn="l" defTabSz="342900" rtl="0" eaLnBrk="1" latinLnBrk="0" hangingPunct="1">
+              <a:spcBef>
+                <a:spcPct val="20000"/>
+              </a:spcBef>
+              <a:buFont typeface="Arial"/>
+              <a:buChar char="•"/>
+              <a:defRPr sz="1500" kern="1200">
+                <a:solidFill>
+                  <a:schemeClr val="tx1"/>
+                </a:solidFill>
+                <a:latin typeface="+mn-lt"/>
+                <a:ea typeface="+mn-ea"/>
+                <a:cs typeface="+mn-cs"/>
+              </a:defRPr>
+            </a:lvl9pPr>
+          </a:lstStyle>
+          <a:p>
+            <a:pPr marL="114297" indent="0">
+              <a:buNone/>
+            </a:pPr>
+            <a:r>
+              <a:rPr lang="de-CH" sz="1800" dirty="0"/>
+              <a:t>martinberger_ch</a:t>
+            </a:r>
+          </a:p>
+          <a:p>
+            <a:endParaRPr lang="de-CH" sz="1800" dirty="0"/>
+          </a:p>
+        </p:txBody>
+      </p:sp>
+      <p:pic>
+        <p:nvPicPr>
+          <p:cNvPr id="2" name="Picture 1" descr="A black background with white text&#10;&#10;Description automatically generated with low confidence">
+            <a:extLst>
+              <a:ext uri="{FF2B5EF4-FFF2-40B4-BE49-F238E27FC236}">
+                <a16:creationId xmlns:a16="http://schemas.microsoft.com/office/drawing/2014/main" id="{05F5BD77-5E52-A75A-A95B-3CEB10FA463B}"/>
+              </a:ext>
+            </a:extLst>
+          </p:cNvPr>
+          <p:cNvPicPr>
+            <a:picLocks noChangeAspect="1"/>
+          </p:cNvPicPr>
+          <p:nvPr/>
+        </p:nvPicPr>
+        <p:blipFill>
+          <a:blip r:embed="rId6">
+            <a:extLst>
+              <a:ext uri="{28A0092B-C50C-407E-A947-70E740481C1C}">
+                <a14:useLocalDpi xmlns:a14="http://schemas.microsoft.com/office/drawing/2010/main" val="0"/>
+              </a:ext>
+            </a:extLst>
+          </a:blip>
+          <a:stretch>
+            <a:fillRect/>
+          </a:stretch>
+        </p:blipFill>
+        <p:spPr>
+          <a:xfrm>
+            <a:off x="7851089" y="453315"/>
+            <a:ext cx="2399080" cy="945092"/>
+          </a:xfrm>
+          <a:prstGeom prst="rect">
+            <a:avLst/>
+          </a:prstGeom>
+          <a:ln>
+            <a:noFill/>
+          </a:ln>
+          <a:effectLst>
+            <a:outerShdw blurRad="292100" dist="139700" dir="2700000" algn="tl" rotWithShape="0">
+              <a:srgbClr val="333333">
+                <a:alpha val="65000"/>
+              </a:srgbClr>
+            </a:outerShdw>
+          </a:effectLst>
+        </p:spPr>
+      </p:pic>
+    </p:spTree>
+    <p:extLst>
+      <p:ext uri="{BB962C8B-B14F-4D97-AF65-F5344CB8AC3E}">
+        <p14:creationId xmlns:p14="http://schemas.microsoft.com/office/powerpoint/2010/main" val="184408605"/>
       </p:ext>
     </p:extLst>
   </p:cSld>
@@ -9964,6 +11126,31 @@
 </file>
 
 <file path=customXml/item1.xml><?xml version="1.0" encoding="utf-8"?>
+<?mso-contentType ?>
+<FormTemplates xmlns="http://schemas.microsoft.com/sharepoint/v3/contenttype/forms">
+  <Display>DocumentLibraryForm</Display>
+  <Edit>DocumentLibraryForm</Edit>
+  <New>DocumentLibraryForm</New>
+</FormTemplates>
+</file>
+
+<file path=customXml/item2.xml><?xml version="1.0" encoding="utf-8"?>
+<p:properties xmlns:p="http://schemas.microsoft.com/office/2006/metadata/properties" xmlns:xsi="http://www.w3.org/2001/XMLSchema-instance" xmlns:pc="http://schemas.microsoft.com/office/infopath/2007/PartnerControls">
+  <documentManagement>
+    <Responsible xmlns="49d9e7ef-5d44-4367-90d6-2cc1a328c29d">
+      <UserInfo>
+        <DisplayName/>
+        <AccountId xsi:nil="true"/>
+        <AccountType/>
+      </UserInfo>
+    </Responsible>
+    <SecurityLevel xmlns="49d9e7ef-5d44-4367-90d6-2cc1a328c29d">internal</SecurityLevel>
+    <ValidTo xmlns="49d9e7ef-5d44-4367-90d6-2cc1a328c29d" xsi:nil="true"/>
+  </documentManagement>
+</p:properties>
+</file>
+
+<file path=customXml/item3.xml><?xml version="1.0" encoding="utf-8"?>
 <ct:contentTypeSchema xmlns:ct="http://schemas.microsoft.com/office/2006/metadata/contentType" xmlns:ma="http://schemas.microsoft.com/office/2006/metadata/properties/metaAttributes" ct:_="" ma:_="" ma:contentTypeName="GeneralDocType" ma:contentTypeID="0x0101001637CE4A8E76C4448E317F64D25C51140053B0137A43F09C44846777061E0F056A" ma:contentTypeVersion="44" ma:contentTypeDescription="" ma:contentTypeScope="" ma:versionID="2a2d05d53e7b3be4547158bc9b43f65d">
   <xsd:schema xmlns:xsd="http://www.w3.org/2001/XMLSchema" xmlns:xs="http://www.w3.org/2001/XMLSchema" xmlns:p="http://schemas.microsoft.com/office/2006/metadata/properties" xmlns:ns2="49d9e7ef-5d44-4367-90d6-2cc1a328c29d" xmlns:ns3="bd04218d-e560-4a5d-ad18-c196d2420a14" targetNamespace="http://schemas.microsoft.com/office/2006/metadata/properties" ma:root="true" ma:fieldsID="e20b88565520550da69d37cab28b1173" ns2:_="" ns3:_="">
     <xsd:import namespace="49d9e7ef-5d44-4367-90d6-2cc1a328c29d"/>
@@ -10217,46 +11404,10 @@
 </ct:contentTypeSchema>
 </file>
 
-<file path=customXml/item2.xml><?xml version="1.0" encoding="utf-8"?>
-<p:properties xmlns:p="http://schemas.microsoft.com/office/2006/metadata/properties" xmlns:xsi="http://www.w3.org/2001/XMLSchema-instance" xmlns:pc="http://schemas.microsoft.com/office/infopath/2007/PartnerControls">
-  <documentManagement>
-    <Responsible xmlns="49d9e7ef-5d44-4367-90d6-2cc1a328c29d">
-      <UserInfo>
-        <DisplayName/>
-        <AccountId xsi:nil="true"/>
-        <AccountType/>
-      </UserInfo>
-    </Responsible>
-    <SecurityLevel xmlns="49d9e7ef-5d44-4367-90d6-2cc1a328c29d">internal</SecurityLevel>
-    <ValidTo xmlns="49d9e7ef-5d44-4367-90d6-2cc1a328c29d" xsi:nil="true"/>
-  </documentManagement>
-</p:properties>
-</file>
-
-<file path=customXml/item3.xml><?xml version="1.0" encoding="utf-8"?>
-<?mso-contentType ?>
-<FormTemplates xmlns="http://schemas.microsoft.com/sharepoint/v3/contenttype/forms">
-  <Display>DocumentLibraryForm</Display>
-  <Edit>DocumentLibraryForm</Edit>
-  <New>DocumentLibraryForm</New>
-</FormTemplates>
-</file>
-
 <file path=customXml/itemProps1.xml><?xml version="1.0" encoding="utf-8"?>
-<ds:datastoreItem xmlns:ds="http://schemas.openxmlformats.org/officeDocument/2006/customXml" ds:itemID="{3E992F7D-77EB-45D8-83EA-D9433BE24725}">
+<ds:datastoreItem xmlns:ds="http://schemas.openxmlformats.org/officeDocument/2006/customXml" ds:itemID="{FB963054-8648-43A2-92C9-BA1FDBC93AF4}">
   <ds:schemaRefs>
-    <ds:schemaRef ds:uri="http://schemas.microsoft.com/office/2006/metadata/contentType"/>
-    <ds:schemaRef ds:uri="http://schemas.microsoft.com/office/2006/metadata/properties/metaAttributes"/>
-    <ds:schemaRef ds:uri="http://www.w3.org/2001/XMLSchema"/>
-    <ds:schemaRef ds:uri="http://schemas.microsoft.com/office/2006/metadata/properties"/>
-    <ds:schemaRef ds:uri="49d9e7ef-5d44-4367-90d6-2cc1a328c29d"/>
-    <ds:schemaRef ds:uri="bd04218d-e560-4a5d-ad18-c196d2420a14"/>
-    <ds:schemaRef ds:uri="http://schemas.microsoft.com/office/2006/documentManagement/types"/>
-    <ds:schemaRef ds:uri="http://schemas.microsoft.com/office/infopath/2007/PartnerControls"/>
-    <ds:schemaRef ds:uri="http://schemas.openxmlformats.org/package/2006/metadata/core-properties"/>
-    <ds:schemaRef ds:uri="http://purl.org/dc/elements/1.1/"/>
-    <ds:schemaRef ds:uri="http://purl.org/dc/terms/"/>
-    <ds:schemaRef ds:uri="http://schemas.microsoft.com/internal/obd"/>
+    <ds:schemaRef ds:uri="http://schemas.microsoft.com/sharepoint/v3/contenttype/forms"/>
   </ds:schemaRefs>
 </ds:datastoreItem>
 </file>
@@ -10279,9 +11430,20 @@
 </file>
 
 <file path=customXml/itemProps3.xml><?xml version="1.0" encoding="utf-8"?>
-<ds:datastoreItem xmlns:ds="http://schemas.openxmlformats.org/officeDocument/2006/customXml" ds:itemID="{FB963054-8648-43A2-92C9-BA1FDBC93AF4}">
+<ds:datastoreItem xmlns:ds="http://schemas.openxmlformats.org/officeDocument/2006/customXml" ds:itemID="{3E992F7D-77EB-45D8-83EA-D9433BE24725}">
   <ds:schemaRefs>
-    <ds:schemaRef ds:uri="http://schemas.microsoft.com/sharepoint/v3/contenttype/forms"/>
+    <ds:schemaRef ds:uri="http://schemas.microsoft.com/office/2006/metadata/contentType"/>
+    <ds:schemaRef ds:uri="http://schemas.microsoft.com/office/2006/metadata/properties/metaAttributes"/>
+    <ds:schemaRef ds:uri="http://www.w3.org/2001/XMLSchema"/>
+    <ds:schemaRef ds:uri="http://schemas.microsoft.com/office/2006/metadata/properties"/>
+    <ds:schemaRef ds:uri="49d9e7ef-5d44-4367-90d6-2cc1a328c29d"/>
+    <ds:schemaRef ds:uri="bd04218d-e560-4a5d-ad18-c196d2420a14"/>
+    <ds:schemaRef ds:uri="http://schemas.microsoft.com/office/2006/documentManagement/types"/>
+    <ds:schemaRef ds:uri="http://schemas.microsoft.com/office/infopath/2007/PartnerControls"/>
+    <ds:schemaRef ds:uri="http://schemas.openxmlformats.org/package/2006/metadata/core-properties"/>
+    <ds:schemaRef ds:uri="http://purl.org/dc/elements/1.1/"/>
+    <ds:schemaRef ds:uri="http://purl.org/dc/terms/"/>
+    <ds:schemaRef ds:uri="http://schemas.microsoft.com/internal/obd"/>
   </ds:schemaRefs>
 </ds:datastoreItem>
 </file>

--- a/ppt/00_KursAgenda.pptx
+++ b/ppt/00_KursAgenda.pptx
@@ -5,24 +5,25 @@
     <p:sldMasterId id="2147483663" r:id="rId4"/>
   </p:sldMasterIdLst>
   <p:notesMasterIdLst>
-    <p:notesMasterId r:id="rId12"/>
+    <p:notesMasterId r:id="rId13"/>
   </p:notesMasterIdLst>
   <p:handoutMasterIdLst>
-    <p:handoutMasterId r:id="rId13"/>
+    <p:handoutMasterId r:id="rId14"/>
   </p:handoutMasterIdLst>
   <p:sldIdLst>
     <p:sldId id="343" r:id="rId5"/>
-    <p:sldId id="346" r:id="rId6"/>
-    <p:sldId id="262" r:id="rId7"/>
-    <p:sldId id="344" r:id="rId8"/>
-    <p:sldId id="347" r:id="rId9"/>
-    <p:sldId id="351" r:id="rId10"/>
-    <p:sldId id="350" r:id="rId11"/>
+    <p:sldId id="345" r:id="rId6"/>
+    <p:sldId id="346" r:id="rId7"/>
+    <p:sldId id="352" r:id="rId8"/>
+    <p:sldId id="344" r:id="rId9"/>
+    <p:sldId id="347" r:id="rId10"/>
+    <p:sldId id="351" r:id="rId11"/>
+    <p:sldId id="350" r:id="rId12"/>
   </p:sldIdLst>
   <p:sldSz cx="12192000" cy="6858000"/>
   <p:notesSz cx="6834188" cy="9979025"/>
   <p:custDataLst>
-    <p:tags r:id="rId14"/>
+    <p:tags r:id="rId15"/>
   </p:custDataLst>
   <p:defaultTextStyle>
     <a:defPPr>
@@ -156,14 +157,148 @@
 <file path=ppt/revisionInfo.xml><?xml version="1.0" encoding="utf-8"?>
 <p1510:revInfo xmlns:a="http://schemas.openxmlformats.org/drawingml/2006/main" xmlns:r="http://schemas.openxmlformats.org/officeDocument/2006/relationships" xmlns:p1510="http://schemas.microsoft.com/office/powerpoint/2015/10/main">
   <p1510:revLst>
-    <p1510:client id="{32ED479B-22B5-6A4C-875D-D77D05C18DF2}" v="4" dt="2022-09-20T08:31:27.641"/>
-    <p1510:client id="{74804094-9D1F-4D87-B3AC-2AADDF82ABB0}" v="3" dt="2022-09-21T04:55:28.336"/>
+    <p1510:client id="{1BB8610C-5B77-4C75-8B2B-9EF4F3D145FC}" v="9" dt="2022-09-21T14:33:10.021"/>
   </p1510:revLst>
 </p1510:revInfo>
 </file>
 
 <file path=ppt/changesInfos/changesInfo1.xml><?xml version="1.0" encoding="utf-8"?>
 <pc:chgInfo xmlns:a="http://schemas.openxmlformats.org/drawingml/2006/main" xmlns:r="http://schemas.openxmlformats.org/officeDocument/2006/relationships" xmlns:ac="http://schemas.microsoft.com/office/drawing/2013/main/command" xmlns:pc="http://schemas.microsoft.com/office/powerpoint/2013/main/command">
+  <pc:docChgLst>
+    <pc:chgData name="Berger, Martin" userId="2dce5e24-1af4-4f49-bc50-80b59c8dc36b" providerId="ADAL" clId="{1BB8610C-5B77-4C75-8B2B-9EF4F3D145FC}"/>
+    <pc:docChg chg="custSel addSld modSld">
+      <pc:chgData name="Berger, Martin" userId="2dce5e24-1af4-4f49-bc50-80b59c8dc36b" providerId="ADAL" clId="{1BB8610C-5B77-4C75-8B2B-9EF4F3D145FC}" dt="2022-09-21T14:33:11.939" v="298" actId="478"/>
+      <pc:docMkLst>
+        <pc:docMk/>
+      </pc:docMkLst>
+      <pc:sldChg chg="addSp delSp modSp mod">
+        <pc:chgData name="Berger, Martin" userId="2dce5e24-1af4-4f49-bc50-80b59c8dc36b" providerId="ADAL" clId="{1BB8610C-5B77-4C75-8B2B-9EF4F3D145FC}" dt="2022-09-21T14:33:11.939" v="298" actId="478"/>
+        <pc:sldMkLst>
+          <pc:docMk/>
+          <pc:sldMk cId="2400712817" sldId="350"/>
+        </pc:sldMkLst>
+        <pc:spChg chg="add del mod">
+          <ac:chgData name="Berger, Martin" userId="2dce5e24-1af4-4f49-bc50-80b59c8dc36b" providerId="ADAL" clId="{1BB8610C-5B77-4C75-8B2B-9EF4F3D145FC}" dt="2022-09-21T14:33:11.939" v="298" actId="478"/>
+          <ac:spMkLst>
+            <pc:docMk/>
+            <pc:sldMk cId="2400712817" sldId="350"/>
+            <ac:spMk id="4" creationId="{58DF1535-49D5-1C56-E35A-7FEC21AD7E54}"/>
+          </ac:spMkLst>
+        </pc:spChg>
+        <pc:picChg chg="del">
+          <ac:chgData name="Berger, Martin" userId="2dce5e24-1af4-4f49-bc50-80b59c8dc36b" providerId="ADAL" clId="{1BB8610C-5B77-4C75-8B2B-9EF4F3D145FC}" dt="2022-09-21T14:33:02.759" v="295" actId="478"/>
+          <ac:picMkLst>
+            <pc:docMk/>
+            <pc:sldMk cId="2400712817" sldId="350"/>
+            <ac:picMk id="7" creationId="{8C4C05CB-9B6F-BFE1-AE92-3985A70ADD07}"/>
+          </ac:picMkLst>
+        </pc:picChg>
+        <pc:picChg chg="add mod">
+          <ac:chgData name="Berger, Martin" userId="2dce5e24-1af4-4f49-bc50-80b59c8dc36b" providerId="ADAL" clId="{1BB8610C-5B77-4C75-8B2B-9EF4F3D145FC}" dt="2022-09-21T14:33:10.020" v="297" actId="1076"/>
+          <ac:picMkLst>
+            <pc:docMk/>
+            <pc:sldMk cId="2400712817" sldId="350"/>
+            <ac:picMk id="2050" creationId="{EFDDD871-F28B-B705-E343-17F6EC2BB273}"/>
+          </ac:picMkLst>
+        </pc:picChg>
+      </pc:sldChg>
+      <pc:sldChg chg="addSp delSp modSp new mod modClrScheme chgLayout">
+        <pc:chgData name="Berger, Martin" userId="2dce5e24-1af4-4f49-bc50-80b59c8dc36b" providerId="ADAL" clId="{1BB8610C-5B77-4C75-8B2B-9EF4F3D145FC}" dt="2022-09-21T14:32:32.471" v="294" actId="20577"/>
+        <pc:sldMkLst>
+          <pc:docMk/>
+          <pc:sldMk cId="981076338" sldId="352"/>
+        </pc:sldMkLst>
+        <pc:spChg chg="del mod ord">
+          <ac:chgData name="Berger, Martin" userId="2dce5e24-1af4-4f49-bc50-80b59c8dc36b" providerId="ADAL" clId="{1BB8610C-5B77-4C75-8B2B-9EF4F3D145FC}" dt="2022-09-21T13:58:22.600" v="1" actId="700"/>
+          <ac:spMkLst>
+            <pc:docMk/>
+            <pc:sldMk cId="981076338" sldId="352"/>
+            <ac:spMk id="2" creationId="{2DA1A19F-6717-67B3-144E-F64066ECE7F6}"/>
+          </ac:spMkLst>
+        </pc:spChg>
+        <pc:spChg chg="del">
+          <ac:chgData name="Berger, Martin" userId="2dce5e24-1af4-4f49-bc50-80b59c8dc36b" providerId="ADAL" clId="{1BB8610C-5B77-4C75-8B2B-9EF4F3D145FC}" dt="2022-09-21T13:58:22.600" v="1" actId="700"/>
+          <ac:spMkLst>
+            <pc:docMk/>
+            <pc:sldMk cId="981076338" sldId="352"/>
+            <ac:spMk id="3" creationId="{BD2E7B06-3ED1-A05E-4444-811E9300BA6C}"/>
+          </ac:spMkLst>
+        </pc:spChg>
+        <pc:spChg chg="del mod ord">
+          <ac:chgData name="Berger, Martin" userId="2dce5e24-1af4-4f49-bc50-80b59c8dc36b" providerId="ADAL" clId="{1BB8610C-5B77-4C75-8B2B-9EF4F3D145FC}" dt="2022-09-21T13:58:22.600" v="1" actId="700"/>
+          <ac:spMkLst>
+            <pc:docMk/>
+            <pc:sldMk cId="981076338" sldId="352"/>
+            <ac:spMk id="4" creationId="{B951AE74-CF49-8CC4-F500-BA32BB6E0CF8}"/>
+          </ac:spMkLst>
+        </pc:spChg>
+        <pc:spChg chg="del">
+          <ac:chgData name="Berger, Martin" userId="2dce5e24-1af4-4f49-bc50-80b59c8dc36b" providerId="ADAL" clId="{1BB8610C-5B77-4C75-8B2B-9EF4F3D145FC}" dt="2022-09-21T13:58:22.600" v="1" actId="700"/>
+          <ac:spMkLst>
+            <pc:docMk/>
+            <pc:sldMk cId="981076338" sldId="352"/>
+            <ac:spMk id="5" creationId="{4B61E57B-74CF-0949-9566-3DCB46B4B611}"/>
+          </ac:spMkLst>
+        </pc:spChg>
+        <pc:spChg chg="del">
+          <ac:chgData name="Berger, Martin" userId="2dce5e24-1af4-4f49-bc50-80b59c8dc36b" providerId="ADAL" clId="{1BB8610C-5B77-4C75-8B2B-9EF4F3D145FC}" dt="2022-09-21T13:58:22.600" v="1" actId="700"/>
+          <ac:spMkLst>
+            <pc:docMk/>
+            <pc:sldMk cId="981076338" sldId="352"/>
+            <ac:spMk id="6" creationId="{3E9C51DD-3D37-0172-CF85-9640B8F4686B}"/>
+          </ac:spMkLst>
+        </pc:spChg>
+        <pc:spChg chg="add del mod ord">
+          <ac:chgData name="Berger, Martin" userId="2dce5e24-1af4-4f49-bc50-80b59c8dc36b" providerId="ADAL" clId="{1BB8610C-5B77-4C75-8B2B-9EF4F3D145FC}" dt="2022-09-21T13:58:25.157" v="2" actId="700"/>
+          <ac:spMkLst>
+            <pc:docMk/>
+            <pc:sldMk cId="981076338" sldId="352"/>
+            <ac:spMk id="7" creationId="{70682748-F72A-FE21-8948-32F33F419553}"/>
+          </ac:spMkLst>
+        </pc:spChg>
+        <pc:spChg chg="add del mod ord">
+          <ac:chgData name="Berger, Martin" userId="2dce5e24-1af4-4f49-bc50-80b59c8dc36b" providerId="ADAL" clId="{1BB8610C-5B77-4C75-8B2B-9EF4F3D145FC}" dt="2022-09-21T13:58:25.157" v="2" actId="700"/>
+          <ac:spMkLst>
+            <pc:docMk/>
+            <pc:sldMk cId="981076338" sldId="352"/>
+            <ac:spMk id="8" creationId="{695D51AD-11DC-94B4-5B78-24C5A1DFEA97}"/>
+          </ac:spMkLst>
+        </pc:spChg>
+        <pc:spChg chg="add mod ord">
+          <ac:chgData name="Berger, Martin" userId="2dce5e24-1af4-4f49-bc50-80b59c8dc36b" providerId="ADAL" clId="{1BB8610C-5B77-4C75-8B2B-9EF4F3D145FC}" dt="2022-09-21T13:58:27.880" v="14" actId="20577"/>
+          <ac:spMkLst>
+            <pc:docMk/>
+            <pc:sldMk cId="981076338" sldId="352"/>
+            <ac:spMk id="9" creationId="{1F043EC0-F3FA-7107-C15C-829A608E55DC}"/>
+          </ac:spMkLst>
+        </pc:spChg>
+        <pc:spChg chg="add mod ord">
+          <ac:chgData name="Berger, Martin" userId="2dce5e24-1af4-4f49-bc50-80b59c8dc36b" providerId="ADAL" clId="{1BB8610C-5B77-4C75-8B2B-9EF4F3D145FC}" dt="2022-09-21T14:00:10.508" v="212" actId="20577"/>
+          <ac:spMkLst>
+            <pc:docMk/>
+            <pc:sldMk cId="981076338" sldId="352"/>
+            <ac:spMk id="10" creationId="{B3F44047-D1D4-A54B-F9E8-8EC26674E939}"/>
+          </ac:spMkLst>
+        </pc:spChg>
+        <pc:spChg chg="add mod">
+          <ac:chgData name="Berger, Martin" userId="2dce5e24-1af4-4f49-bc50-80b59c8dc36b" providerId="ADAL" clId="{1BB8610C-5B77-4C75-8B2B-9EF4F3D145FC}" dt="2022-09-21T14:32:32.471" v="294" actId="20577"/>
+          <ac:spMkLst>
+            <pc:docMk/>
+            <pc:sldMk cId="981076338" sldId="352"/>
+            <ac:spMk id="11" creationId="{C52E36CC-F7DC-CDBA-62BD-84663661BD60}"/>
+          </ac:spMkLst>
+        </pc:spChg>
+        <pc:picChg chg="add mod">
+          <ac:chgData name="Berger, Martin" userId="2dce5e24-1af4-4f49-bc50-80b59c8dc36b" providerId="ADAL" clId="{1BB8610C-5B77-4C75-8B2B-9EF4F3D145FC}" dt="2022-09-21T14:32:25.329" v="284" actId="1076"/>
+          <ac:picMkLst>
+            <pc:docMk/>
+            <pc:sldMk cId="981076338" sldId="352"/>
+            <ac:picMk id="1026" creationId="{31E7672B-71A2-D73D-8F72-F25C079D64A9}"/>
+          </ac:picMkLst>
+        </pc:picChg>
+      </pc:sldChg>
+    </pc:docChg>
+  </pc:docChgLst>
   <pc:docChgLst>
     <pc:chgData name="Oehrli, Stefan" userId="3f36891e-f853-43e7-bcbc-2879a2513833" providerId="ADAL" clId="{32ED479B-22B5-6A4C-875D-D77D05C18DF2}"/>
     <pc:docChg chg="undo custSel delSld modSld">
@@ -253,100 +388,6 @@
           <pc:docMk/>
           <pc:sldMk cId="1458509171" sldId="352"/>
         </pc:sldMkLst>
-      </pc:sldChg>
-    </pc:docChg>
-  </pc:docChgLst>
-  <pc:docChgLst>
-    <pc:chgData name="Berger, Martin" userId="2dce5e24-1af4-4f49-bc50-80b59c8dc36b" providerId="ADAL" clId="{74804094-9D1F-4D87-B3AC-2AADDF82ABB0}"/>
-    <pc:docChg chg="custSel addSld delSld modSld">
-      <pc:chgData name="Berger, Martin" userId="2dce5e24-1af4-4f49-bc50-80b59c8dc36b" providerId="ADAL" clId="{74804094-9D1F-4D87-B3AC-2AADDF82ABB0}" dt="2022-09-21T04:55:39.062" v="112" actId="20577"/>
-      <pc:docMkLst>
-        <pc:docMk/>
-      </pc:docMkLst>
-      <pc:sldChg chg="addSp delSp modSp add mod">
-        <pc:chgData name="Berger, Martin" userId="2dce5e24-1af4-4f49-bc50-80b59c8dc36b" providerId="ADAL" clId="{74804094-9D1F-4D87-B3AC-2AADDF82ABB0}" dt="2022-09-21T04:55:39.062" v="112" actId="20577"/>
-        <pc:sldMkLst>
-          <pc:docMk/>
-          <pc:sldMk cId="184408605" sldId="262"/>
-        </pc:sldMkLst>
-        <pc:spChg chg="mod">
-          <ac:chgData name="Berger, Martin" userId="2dce5e24-1af4-4f49-bc50-80b59c8dc36b" providerId="ADAL" clId="{74804094-9D1F-4D87-B3AC-2AADDF82ABB0}" dt="2022-09-21T04:55:39.062" v="112" actId="20577"/>
-          <ac:spMkLst>
-            <pc:docMk/>
-            <pc:sldMk cId="184408605" sldId="262"/>
-            <ac:spMk id="3" creationId="{F2899981-DE13-D142-ADB5-D0171DD553F5}"/>
-          </ac:spMkLst>
-        </pc:spChg>
-        <pc:spChg chg="mod">
-          <ac:chgData name="Berger, Martin" userId="2dce5e24-1af4-4f49-bc50-80b59c8dc36b" providerId="ADAL" clId="{74804094-9D1F-4D87-B3AC-2AADDF82ABB0}" dt="2022-09-21T04:54:43.705" v="82" actId="20577"/>
-          <ac:spMkLst>
-            <pc:docMk/>
-            <pc:sldMk cId="184408605" sldId="262"/>
-            <ac:spMk id="12" creationId="{72DAC2E9-59C5-BE4C-828B-E52040C6880C}"/>
-          </ac:spMkLst>
-        </pc:spChg>
-        <pc:spChg chg="mod">
-          <ac:chgData name="Berger, Martin" userId="2dce5e24-1af4-4f49-bc50-80b59c8dc36b" providerId="ADAL" clId="{74804094-9D1F-4D87-B3AC-2AADDF82ABB0}" dt="2022-09-21T04:53:55.818" v="30" actId="20577"/>
-          <ac:spMkLst>
-            <pc:docMk/>
-            <pc:sldMk cId="184408605" sldId="262"/>
-            <ac:spMk id="14" creationId="{509711DB-C967-424D-A5E9-AEE4079FDC8A}"/>
-          </ac:spMkLst>
-        </pc:spChg>
-        <pc:spChg chg="mod">
-          <ac:chgData name="Berger, Martin" userId="2dce5e24-1af4-4f49-bc50-80b59c8dc36b" providerId="ADAL" clId="{74804094-9D1F-4D87-B3AC-2AADDF82ABB0}" dt="2022-09-21T04:52:25.735" v="2" actId="27636"/>
-          <ac:spMkLst>
-            <pc:docMk/>
-            <pc:sldMk cId="184408605" sldId="262"/>
-            <ac:spMk id="16" creationId="{9DE532CA-DA2A-48FC-A945-C4C9EB2A7134}"/>
-          </ac:spMkLst>
-        </pc:spChg>
-        <pc:spChg chg="mod">
-          <ac:chgData name="Berger, Martin" userId="2dce5e24-1af4-4f49-bc50-80b59c8dc36b" providerId="ADAL" clId="{74804094-9D1F-4D87-B3AC-2AADDF82ABB0}" dt="2022-09-21T04:52:25.734" v="1" actId="27636"/>
-          <ac:spMkLst>
-            <pc:docMk/>
-            <pc:sldMk cId="184408605" sldId="262"/>
-            <ac:spMk id="19" creationId="{0BB9D21E-55BB-497D-9C7C-2C1A60E7B0DF}"/>
-          </ac:spMkLst>
-        </pc:spChg>
-        <pc:picChg chg="add mod">
-          <ac:chgData name="Berger, Martin" userId="2dce5e24-1af4-4f49-bc50-80b59c8dc36b" providerId="ADAL" clId="{74804094-9D1F-4D87-B3AC-2AADDF82ABB0}" dt="2022-09-21T04:55:30.467" v="101" actId="1076"/>
-          <ac:picMkLst>
-            <pc:docMk/>
-            <pc:sldMk cId="184408605" sldId="262"/>
-            <ac:picMk id="2" creationId="{05F5BD77-5E52-A75A-A95B-3CEB10FA463B}"/>
-          </ac:picMkLst>
-        </pc:picChg>
-        <pc:picChg chg="del">
-          <ac:chgData name="Berger, Martin" userId="2dce5e24-1af4-4f49-bc50-80b59c8dc36b" providerId="ADAL" clId="{74804094-9D1F-4D87-B3AC-2AADDF82ABB0}" dt="2022-09-21T04:55:28.095" v="99" actId="478"/>
-          <ac:picMkLst>
-            <pc:docMk/>
-            <pc:sldMk cId="184408605" sldId="262"/>
-            <ac:picMk id="10" creationId="{281003D0-D7E1-419C-8E63-9C1EE4EEEABF}"/>
-          </ac:picMkLst>
-        </pc:picChg>
-      </pc:sldChg>
-      <pc:sldChg chg="del">
-        <pc:chgData name="Berger, Martin" userId="2dce5e24-1af4-4f49-bc50-80b59c8dc36b" providerId="ADAL" clId="{74804094-9D1F-4D87-B3AC-2AADDF82ABB0}" dt="2022-09-21T04:54:05.232" v="32" actId="47"/>
-        <pc:sldMkLst>
-          <pc:docMk/>
-          <pc:sldMk cId="316565560" sldId="345"/>
-        </pc:sldMkLst>
-      </pc:sldChg>
-      <pc:sldChg chg="modSp new del mod">
-        <pc:chgData name="Berger, Martin" userId="2dce5e24-1af4-4f49-bc50-80b59c8dc36b" providerId="ADAL" clId="{74804094-9D1F-4D87-B3AC-2AADDF82ABB0}" dt="2022-09-21T04:55:16.948" v="98" actId="47"/>
-        <pc:sldMkLst>
-          <pc:docMk/>
-          <pc:sldMk cId="113958917" sldId="352"/>
-        </pc:sldMkLst>
-        <pc:spChg chg="mod">
-          <ac:chgData name="Berger, Martin" userId="2dce5e24-1af4-4f49-bc50-80b59c8dc36b" providerId="ADAL" clId="{74804094-9D1F-4D87-B3AC-2AADDF82ABB0}" dt="2022-09-21T04:54:56.233" v="97" actId="20577"/>
-          <ac:spMkLst>
-            <pc:docMk/>
-            <pc:sldMk cId="113958917" sldId="352"/>
-            <ac:spMk id="5" creationId="{38240B75-2955-4D35-4514-114A06AF6D57}"/>
-          </ac:spMkLst>
-        </pc:spChg>
       </pc:sldChg>
     </pc:docChg>
   </pc:docChgLst>
@@ -1032,7 +1073,7 @@
     </p:spTree>
     <p:extLst>
       <p:ext uri="{BB962C8B-B14F-4D97-AF65-F5344CB8AC3E}">
-        <p14:creationId xmlns:p14="http://schemas.microsoft.com/office/powerpoint/2010/main" val="1907341612"/>
+        <p14:creationId xmlns:p14="http://schemas.microsoft.com/office/powerpoint/2010/main" val="3383678106"/>
       </p:ext>
     </p:extLst>
   </p:cSld>
@@ -1113,7 +1154,97 @@
             <a:fld id="{F7608432-0240-4102-B75D-1C8A47998186}" type="slidenum">
               <a:rPr lang="de-DE" smtClean="0"/>
               <a:pPr/>
-              <a:t>4</a:t>
+              <a:t>3</a:t>
+            </a:fld>
+            <a:endParaRPr lang="de-DE"/>
+          </a:p>
+        </p:txBody>
+      </p:sp>
+    </p:spTree>
+    <p:extLst>
+      <p:ext uri="{BB962C8B-B14F-4D97-AF65-F5344CB8AC3E}">
+        <p14:creationId xmlns:p14="http://schemas.microsoft.com/office/powerpoint/2010/main" val="1907341612"/>
+      </p:ext>
+    </p:extLst>
+  </p:cSld>
+  <p:clrMapOvr>
+    <a:masterClrMapping/>
+  </p:clrMapOvr>
+</p:notes>
+</file>
+
+<file path=ppt/notesSlides/notesSlide4.xml><?xml version="1.0" encoding="utf-8"?>
+<p:notes xmlns:a="http://schemas.openxmlformats.org/drawingml/2006/main" xmlns:r="http://schemas.openxmlformats.org/officeDocument/2006/relationships" xmlns:p="http://schemas.openxmlformats.org/presentationml/2006/main">
+  <p:cSld>
+    <p:spTree>
+      <p:nvGrpSpPr>
+        <p:cNvPr id="1" name=""/>
+        <p:cNvGrpSpPr/>
+        <p:nvPr/>
+      </p:nvGrpSpPr>
+      <p:grpSpPr>
+        <a:xfrm>
+          <a:off x="0" y="0"/>
+          <a:ext cx="0" cy="0"/>
+          <a:chOff x="0" y="0"/>
+          <a:chExt cx="0" cy="0"/>
+        </a:xfrm>
+      </p:grpSpPr>
+      <p:sp>
+        <p:nvSpPr>
+          <p:cNvPr id="2" name="Slide Image Placeholder 1"/>
+          <p:cNvSpPr>
+            <a:spLocks noGrp="1" noRot="1" noChangeAspect="1"/>
+          </p:cNvSpPr>
+          <p:nvPr>
+            <p:ph type="sldImg"/>
+          </p:nvPr>
+        </p:nvSpPr>
+        <p:spPr>
+          <a:xfrm>
+            <a:off x="25400" y="657225"/>
+            <a:ext cx="6765925" cy="3806825"/>
+          </a:xfrm>
+        </p:spPr>
+      </p:sp>
+      <p:sp>
+        <p:nvSpPr>
+          <p:cNvPr id="3" name="Notes Placeholder 2"/>
+          <p:cNvSpPr>
+            <a:spLocks noGrp="1"/>
+          </p:cNvSpPr>
+          <p:nvPr>
+            <p:ph type="body" idx="1"/>
+          </p:nvPr>
+        </p:nvSpPr>
+        <p:spPr/>
+        <p:txBody>
+          <a:bodyPr/>
+          <a:lstStyle/>
+          <a:p>
+            <a:endParaRPr lang="en-CH"/>
+          </a:p>
+        </p:txBody>
+      </p:sp>
+      <p:sp>
+        <p:nvSpPr>
+          <p:cNvPr id="4" name="Slide Number Placeholder 3"/>
+          <p:cNvSpPr>
+            <a:spLocks noGrp="1"/>
+          </p:cNvSpPr>
+          <p:nvPr>
+            <p:ph type="sldNum" sz="quarter" idx="5"/>
+          </p:nvPr>
+        </p:nvSpPr>
+        <p:spPr/>
+        <p:txBody>
+          <a:bodyPr/>
+          <a:lstStyle/>
+          <a:p>
+            <a:fld id="{F7608432-0240-4102-B75D-1C8A47998186}" type="slidenum">
+              <a:rPr lang="de-DE" smtClean="0"/>
+              <a:pPr/>
+              <a:t>5</a:t>
             </a:fld>
             <a:endParaRPr lang="de-DE"/>
           </a:p>
@@ -3099,541 +3230,6 @@
 </p:sldLayout>
 </file>
 
-<file path=ppt/slideLayouts/slideLayout17.xml><?xml version="1.0" encoding="utf-8"?>
-<p:sldLayout xmlns:a="http://schemas.openxmlformats.org/drawingml/2006/main" xmlns:r="http://schemas.openxmlformats.org/officeDocument/2006/relationships" xmlns:p="http://schemas.openxmlformats.org/presentationml/2006/main" userDrawn="1">
-  <p:cSld name="Contact Slide">
-    <p:spTree>
-      <p:nvGrpSpPr>
-        <p:cNvPr id="1" name=""/>
-        <p:cNvGrpSpPr/>
-        <p:nvPr/>
-      </p:nvGrpSpPr>
-      <p:grpSpPr>
-        <a:xfrm>
-          <a:off x="0" y="0"/>
-          <a:ext cx="0" cy="0"/>
-          <a:chOff x="0" y="0"/>
-          <a:chExt cx="0" cy="0"/>
-        </a:xfrm>
-      </p:grpSpPr>
-      <p:sp>
-        <p:nvSpPr>
-          <p:cNvPr id="2" name="Title 1"/>
-          <p:cNvSpPr>
-            <a:spLocks noGrp="1"/>
-          </p:cNvSpPr>
-          <p:nvPr>
-            <p:ph type="title"/>
-          </p:nvPr>
-        </p:nvSpPr>
-        <p:spPr>
-          <a:xfrm>
-            <a:off x="1033671" y="391750"/>
-            <a:ext cx="10760765" cy="444481"/>
-          </a:xfrm>
-        </p:spPr>
-        <p:txBody>
-          <a:bodyPr>
-            <a:noAutofit/>
-          </a:bodyPr>
-          <a:lstStyle>
-            <a:lvl1pPr algn="l">
-              <a:defRPr sz="2400" cap="all" baseline="0"/>
-            </a:lvl1pPr>
-          </a:lstStyle>
-          <a:p>
-            <a:r>
-              <a:rPr lang="en-US"/>
-              <a:t>Click to edit Master title style</a:t>
-            </a:r>
-            <a:endParaRPr lang="en-US" dirty="0"/>
-          </a:p>
-        </p:txBody>
-      </p:sp>
-      <p:sp>
-        <p:nvSpPr>
-          <p:cNvPr id="3" name="Content Placeholder 2"/>
-          <p:cNvSpPr>
-            <a:spLocks noGrp="1"/>
-          </p:cNvSpPr>
-          <p:nvPr>
-            <p:ph idx="1"/>
-          </p:nvPr>
-        </p:nvSpPr>
-        <p:spPr>
-          <a:xfrm>
-            <a:off x="4280453" y="2617160"/>
-            <a:ext cx="7513983" cy="3359571"/>
-          </a:xfrm>
-        </p:spPr>
-        <p:txBody>
-          <a:bodyPr>
-            <a:normAutofit/>
-          </a:bodyPr>
-          <a:lstStyle>
-            <a:lvl1pPr marL="342891" indent="-228594" algn="l" defTabSz="914377" rtl="0" eaLnBrk="1" latinLnBrk="0" hangingPunct="1">
-              <a:lnSpc>
-                <a:spcPct val="90000"/>
-              </a:lnSpc>
-              <a:buClr>
-                <a:srgbClr val="9600FF"/>
-              </a:buClr>
-              <a:buFont typeface="Wingdings" pitchFamily="2" charset="2"/>
-              <a:buChar char="§"/>
-              <a:defRPr lang="en-US" sz="1800" b="0" kern="1200" baseline="0" dirty="0" smtClean="0">
-                <a:solidFill>
-                  <a:srgbClr val="1E2846"/>
-                </a:solidFill>
-                <a:latin typeface="Open Sans Light" panose="020B0306030504020204" pitchFamily="34" charset="0"/>
-                <a:ea typeface="Open Sans Light" panose="020B0306030504020204" pitchFamily="34" charset="0"/>
-                <a:cs typeface="Open Sans Light" panose="020B0306030504020204" pitchFamily="34" charset="0"/>
-              </a:defRPr>
-            </a:lvl1pPr>
-            <a:lvl2pPr marL="742932" indent="-228594" algn="l" defTabSz="914377" rtl="0" eaLnBrk="1" latinLnBrk="0" hangingPunct="1">
-              <a:lnSpc>
-                <a:spcPct val="90000"/>
-              </a:lnSpc>
-              <a:buClr>
-                <a:srgbClr val="9600FF"/>
-              </a:buClr>
-              <a:buFont typeface="Courier New" panose="02070309020205020404" pitchFamily="49" charset="0"/>
-              <a:buChar char="o"/>
-              <a:defRPr lang="en-US" sz="1800" b="0" kern="1200" baseline="0" dirty="0" smtClean="0">
-                <a:solidFill>
-                  <a:srgbClr val="1E2846"/>
-                </a:solidFill>
-                <a:latin typeface="Open Sans Light" panose="020B0306030504020204" pitchFamily="34" charset="0"/>
-                <a:ea typeface="Open Sans Light" panose="020B0306030504020204" pitchFamily="34" charset="0"/>
-                <a:cs typeface="Open Sans Light" panose="020B0306030504020204" pitchFamily="34" charset="0"/>
-              </a:defRPr>
-            </a:lvl2pPr>
-            <a:lvl3pPr marL="1142971" indent="-228594" algn="l" defTabSz="914377" rtl="0" eaLnBrk="1" latinLnBrk="0" hangingPunct="1">
-              <a:lnSpc>
-                <a:spcPct val="90000"/>
-              </a:lnSpc>
-              <a:buClr>
-                <a:srgbClr val="9600FF"/>
-              </a:buClr>
-              <a:buFont typeface="Courier New" panose="02070309020205020404" pitchFamily="49" charset="0"/>
-              <a:buChar char="o"/>
-              <a:defRPr lang="en-US" sz="1800" b="0" kern="1200" baseline="0" dirty="0" smtClean="0">
-                <a:solidFill>
-                  <a:srgbClr val="1E2846"/>
-                </a:solidFill>
-                <a:latin typeface="Open Sans Light" panose="020B0306030504020204" pitchFamily="34" charset="0"/>
-                <a:ea typeface="Open Sans Light" panose="020B0306030504020204" pitchFamily="34" charset="0"/>
-                <a:cs typeface="Open Sans Light" panose="020B0306030504020204" pitchFamily="34" charset="0"/>
-              </a:defRPr>
-            </a:lvl3pPr>
-            <a:lvl4pPr marL="1600160" indent="-228594" algn="l" defTabSz="914377" rtl="0" eaLnBrk="1" latinLnBrk="0" hangingPunct="1">
-              <a:lnSpc>
-                <a:spcPct val="90000"/>
-              </a:lnSpc>
-              <a:buClr>
-                <a:srgbClr val="9600FF"/>
-              </a:buClr>
-              <a:buFont typeface="Courier New" panose="02070309020205020404" pitchFamily="49" charset="0"/>
-              <a:buChar char="o"/>
-              <a:defRPr lang="en-US" sz="1800" b="0" kern="1200" baseline="0" dirty="0" smtClean="0">
-                <a:solidFill>
-                  <a:srgbClr val="1E2846"/>
-                </a:solidFill>
-                <a:latin typeface="Open Sans Light" panose="020B0306030504020204" pitchFamily="34" charset="0"/>
-                <a:ea typeface="Open Sans Light" panose="020B0306030504020204" pitchFamily="34" charset="0"/>
-                <a:cs typeface="Open Sans Light" panose="020B0306030504020204" pitchFamily="34" charset="0"/>
-              </a:defRPr>
-            </a:lvl4pPr>
-            <a:lvl5pPr marL="2057349" indent="-228594" algn="l" defTabSz="914377" rtl="0" eaLnBrk="1" latinLnBrk="0" hangingPunct="1">
-              <a:lnSpc>
-                <a:spcPct val="90000"/>
-              </a:lnSpc>
-              <a:buClr>
-                <a:srgbClr val="9600FF"/>
-              </a:buClr>
-              <a:buFont typeface="Courier New" panose="02070309020205020404" pitchFamily="49" charset="0"/>
-              <a:buChar char="o"/>
-              <a:defRPr lang="en-US" sz="1800" b="0" kern="1200" baseline="0" dirty="0">
-                <a:solidFill>
-                  <a:srgbClr val="1E2846"/>
-                </a:solidFill>
-                <a:latin typeface="Open Sans Light" panose="020B0306030504020204" pitchFamily="34" charset="0"/>
-                <a:ea typeface="Open Sans Light" panose="020B0306030504020204" pitchFamily="34" charset="0"/>
-                <a:cs typeface="Open Sans Light" panose="020B0306030504020204" pitchFamily="34" charset="0"/>
-              </a:defRPr>
-            </a:lvl5pPr>
-          </a:lstStyle>
-          <a:p>
-            <a:pPr lvl="0"/>
-            <a:r>
-              <a:rPr lang="en-US"/>
-              <a:t>Click to edit Master text styles</a:t>
-            </a:r>
-          </a:p>
-        </p:txBody>
-      </p:sp>
-      <p:sp>
-        <p:nvSpPr>
-          <p:cNvPr id="5" name="Slide Number Placeholder 5">
-            <a:extLst>
-              <a:ext uri="{FF2B5EF4-FFF2-40B4-BE49-F238E27FC236}">
-                <a16:creationId xmlns:a16="http://schemas.microsoft.com/office/drawing/2014/main" id="{6370B13A-601D-2141-81B9-08398F1C9740}"/>
-              </a:ext>
-            </a:extLst>
-          </p:cNvPr>
-          <p:cNvSpPr txBox="1">
-            <a:spLocks/>
-          </p:cNvSpPr>
-          <p:nvPr userDrawn="1"/>
-        </p:nvSpPr>
-        <p:spPr>
-          <a:xfrm>
-            <a:off x="454551" y="391749"/>
-            <a:ext cx="579120" cy="432595"/>
-          </a:xfrm>
-          <a:prstGeom prst="rect">
-            <a:avLst/>
-          </a:prstGeom>
-        </p:spPr>
-        <p:txBody>
-          <a:bodyPr vert="horz" lIns="91440" tIns="45720" rIns="91440" bIns="45720" rtlCol="0" anchor="ctr"/>
-          <a:lstStyle>
-            <a:defPPr>
-              <a:defRPr lang="en-US"/>
-            </a:defPPr>
-            <a:lvl1pPr marL="0" algn="r" defTabSz="457200" rtl="0" eaLnBrk="1" latinLnBrk="0" hangingPunct="1">
-              <a:defRPr sz="2000" b="1" i="0" kern="1200">
-                <a:solidFill>
-                  <a:srgbClr val="9601FF"/>
-                </a:solidFill>
-                <a:latin typeface="Montserrat" pitchFamily="2" charset="77"/>
-                <a:ea typeface="+mn-ea"/>
-                <a:cs typeface="+mn-cs"/>
-              </a:defRPr>
-            </a:lvl1pPr>
-            <a:lvl2pPr marL="457200" algn="l" defTabSz="457200" rtl="0" eaLnBrk="1" latinLnBrk="0" hangingPunct="1">
-              <a:defRPr sz="1800" kern="1200">
-                <a:solidFill>
-                  <a:schemeClr val="tx1"/>
-                </a:solidFill>
-                <a:latin typeface="+mn-lt"/>
-                <a:ea typeface="+mn-ea"/>
-                <a:cs typeface="+mn-cs"/>
-              </a:defRPr>
-            </a:lvl2pPr>
-            <a:lvl3pPr marL="914400" algn="l" defTabSz="457200" rtl="0" eaLnBrk="1" latinLnBrk="0" hangingPunct="1">
-              <a:defRPr sz="1800" kern="1200">
-                <a:solidFill>
-                  <a:schemeClr val="tx1"/>
-                </a:solidFill>
-                <a:latin typeface="+mn-lt"/>
-                <a:ea typeface="+mn-ea"/>
-                <a:cs typeface="+mn-cs"/>
-              </a:defRPr>
-            </a:lvl3pPr>
-            <a:lvl4pPr marL="1371600" algn="l" defTabSz="457200" rtl="0" eaLnBrk="1" latinLnBrk="0" hangingPunct="1">
-              <a:defRPr sz="1800" kern="1200">
-                <a:solidFill>
-                  <a:schemeClr val="tx1"/>
-                </a:solidFill>
-                <a:latin typeface="+mn-lt"/>
-                <a:ea typeface="+mn-ea"/>
-                <a:cs typeface="+mn-cs"/>
-              </a:defRPr>
-            </a:lvl4pPr>
-            <a:lvl5pPr marL="1828800" algn="l" defTabSz="457200" rtl="0" eaLnBrk="1" latinLnBrk="0" hangingPunct="1">
-              <a:defRPr sz="1800" kern="1200">
-                <a:solidFill>
-                  <a:schemeClr val="tx1"/>
-                </a:solidFill>
-                <a:latin typeface="+mn-lt"/>
-                <a:ea typeface="+mn-ea"/>
-                <a:cs typeface="+mn-cs"/>
-              </a:defRPr>
-            </a:lvl5pPr>
-            <a:lvl6pPr marL="2286000" algn="l" defTabSz="457200" rtl="0" eaLnBrk="1" latinLnBrk="0" hangingPunct="1">
-              <a:defRPr sz="1800" kern="1200">
-                <a:solidFill>
-                  <a:schemeClr val="tx1"/>
-                </a:solidFill>
-                <a:latin typeface="+mn-lt"/>
-                <a:ea typeface="+mn-ea"/>
-                <a:cs typeface="+mn-cs"/>
-              </a:defRPr>
-            </a:lvl6pPr>
-            <a:lvl7pPr marL="2743200" algn="l" defTabSz="457200" rtl="0" eaLnBrk="1" latinLnBrk="0" hangingPunct="1">
-              <a:defRPr sz="1800" kern="1200">
-                <a:solidFill>
-                  <a:schemeClr val="tx1"/>
-                </a:solidFill>
-                <a:latin typeface="+mn-lt"/>
-                <a:ea typeface="+mn-ea"/>
-                <a:cs typeface="+mn-cs"/>
-              </a:defRPr>
-            </a:lvl7pPr>
-            <a:lvl8pPr marL="3200400" algn="l" defTabSz="457200" rtl="0" eaLnBrk="1" latinLnBrk="0" hangingPunct="1">
-              <a:defRPr sz="1800" kern="1200">
-                <a:solidFill>
-                  <a:schemeClr val="tx1"/>
-                </a:solidFill>
-                <a:latin typeface="+mn-lt"/>
-                <a:ea typeface="+mn-ea"/>
-                <a:cs typeface="+mn-cs"/>
-              </a:defRPr>
-            </a:lvl8pPr>
-            <a:lvl9pPr marL="3657600" algn="l" defTabSz="457200" rtl="0" eaLnBrk="1" latinLnBrk="0" hangingPunct="1">
-              <a:defRPr sz="1800" kern="1200">
-                <a:solidFill>
-                  <a:schemeClr val="tx1"/>
-                </a:solidFill>
-                <a:latin typeface="+mn-lt"/>
-                <a:ea typeface="+mn-ea"/>
-                <a:cs typeface="+mn-cs"/>
-              </a:defRPr>
-            </a:lvl9pPr>
-          </a:lstStyle>
-          <a:p>
-            <a:fld id="{C5EF2332-01BF-834F-8236-50238282D533}" type="slidenum">
-              <a:rPr lang="en-US" sz="2000" smtClean="0"/>
-              <a:pPr/>
-              <a:t>‹#›</a:t>
-            </a:fld>
-            <a:endParaRPr lang="en-US" sz="2000" dirty="0"/>
-          </a:p>
-        </p:txBody>
-      </p:sp>
-      <p:pic>
-        <p:nvPicPr>
-          <p:cNvPr id="9" name="Bild 12">
-            <a:extLst>
-              <a:ext uri="{FF2B5EF4-FFF2-40B4-BE49-F238E27FC236}">
-                <a16:creationId xmlns:a16="http://schemas.microsoft.com/office/drawing/2014/main" id="{DA17B1D5-6FDF-124E-BAB8-4FC671330C9A}"/>
-              </a:ext>
-            </a:extLst>
-          </p:cNvPr>
-          <p:cNvPicPr>
-            <a:picLocks noChangeAspect="1"/>
-          </p:cNvPicPr>
-          <p:nvPr userDrawn="1"/>
-        </p:nvPicPr>
-        <p:blipFill>
-          <a:blip r:embed="rId2">
-            <a:extLst>
-              <a:ext uri="{28A0092B-C50C-407E-A947-70E740481C1C}">
-                <a14:useLocalDpi xmlns:a14="http://schemas.microsoft.com/office/drawing/2010/main" val="0"/>
-              </a:ext>
-            </a:extLst>
-          </a:blip>
-          <a:stretch>
-            <a:fillRect/>
-          </a:stretch>
-        </p:blipFill>
-        <p:spPr>
-          <a:xfrm>
-            <a:off x="8266041" y="6081581"/>
-            <a:ext cx="3528395" cy="393743"/>
-          </a:xfrm>
-          <a:prstGeom prst="rect">
-            <a:avLst/>
-          </a:prstGeom>
-        </p:spPr>
-      </p:pic>
-      <p:sp>
-        <p:nvSpPr>
-          <p:cNvPr id="10" name="Textfeld 24">
-            <a:hlinkClick r:id="rId3"/>
-            <a:extLst>
-              <a:ext uri="{FF2B5EF4-FFF2-40B4-BE49-F238E27FC236}">
-                <a16:creationId xmlns:a16="http://schemas.microsoft.com/office/drawing/2014/main" id="{6BA97247-CC03-E34A-BB9A-F424D705D3A4}"/>
-              </a:ext>
-            </a:extLst>
-          </p:cNvPr>
-          <p:cNvSpPr txBox="1"/>
-          <p:nvPr userDrawn="1"/>
-        </p:nvSpPr>
-        <p:spPr>
-          <a:xfrm>
-            <a:off x="9979118" y="6153645"/>
-            <a:ext cx="1609815" cy="300210"/>
-          </a:xfrm>
-          <a:prstGeom prst="rect">
-            <a:avLst/>
-          </a:prstGeom>
-          <a:noFill/>
-        </p:spPr>
-        <p:txBody>
-          <a:bodyPr wrap="square" rtlCol="0">
-            <a:spAutoFit/>
-          </a:bodyPr>
-          <a:lstStyle/>
-          <a:p>
-            <a:endParaRPr lang="en-US" sz="1351" noProof="0"/>
-          </a:p>
-        </p:txBody>
-      </p:sp>
-      <p:sp>
-        <p:nvSpPr>
-          <p:cNvPr id="12" name="Bildplatzhalter 30">
-            <a:extLst>
-              <a:ext uri="{FF2B5EF4-FFF2-40B4-BE49-F238E27FC236}">
-                <a16:creationId xmlns:a16="http://schemas.microsoft.com/office/drawing/2014/main" id="{85D9BFAE-4C96-D245-BE23-B4588990D01F}"/>
-              </a:ext>
-            </a:extLst>
-          </p:cNvPr>
-          <p:cNvSpPr>
-            <a:spLocks noGrp="1"/>
-          </p:cNvSpPr>
-          <p:nvPr>
-            <p:ph type="pic" sz="quarter" idx="15" hasCustomPrompt="1"/>
-          </p:nvPr>
-        </p:nvSpPr>
-        <p:spPr>
-          <a:xfrm>
-            <a:off x="397566" y="1736035"/>
-            <a:ext cx="3631095" cy="3697357"/>
-          </a:xfrm>
-          <a:prstGeom prst="flowChartConnector">
-            <a:avLst/>
-          </a:prstGeom>
-        </p:spPr>
-        <p:txBody>
-          <a:bodyPr/>
-          <a:lstStyle>
-            <a:lvl1pPr marL="0" indent="0">
-              <a:buNone/>
-              <a:defRPr lang="de-CH" sz="1800" b="1" kern="1200" baseline="0" dirty="0">
-                <a:solidFill>
-                  <a:schemeClr val="bg1"/>
-                </a:solidFill>
-                <a:latin typeface="Open Sans Light"/>
-                <a:ea typeface="Open Sans" panose="020B0606030504020204" pitchFamily="34" charset="0"/>
-                <a:cs typeface="Open Sans Light"/>
-              </a:defRPr>
-            </a:lvl1pPr>
-          </a:lstStyle>
-          <a:p>
-            <a:r>
-              <a:rPr lang="en-US" noProof="0" dirty="0"/>
-              <a:t>Bild</a:t>
-            </a:r>
-          </a:p>
-        </p:txBody>
-      </p:sp>
-      <p:sp>
-        <p:nvSpPr>
-          <p:cNvPr id="19" name="Inhaltsplatzhalter 19">
-            <a:extLst>
-              <a:ext uri="{FF2B5EF4-FFF2-40B4-BE49-F238E27FC236}">
-                <a16:creationId xmlns:a16="http://schemas.microsoft.com/office/drawing/2014/main" id="{60F18873-CF3B-5C4A-B416-5EE745E6B152}"/>
-              </a:ext>
-            </a:extLst>
-          </p:cNvPr>
-          <p:cNvSpPr>
-            <a:spLocks noGrp="1"/>
-          </p:cNvSpPr>
-          <p:nvPr>
-            <p:ph sz="quarter" idx="12" hasCustomPrompt="1"/>
-          </p:nvPr>
-        </p:nvSpPr>
-        <p:spPr>
-          <a:xfrm>
-            <a:off x="4280451" y="1737834"/>
-            <a:ext cx="7513983" cy="359719"/>
-          </a:xfrm>
-          <a:prstGeom prst="rect">
-            <a:avLst/>
-          </a:prstGeom>
-        </p:spPr>
-        <p:txBody>
-          <a:bodyPr>
-            <a:noAutofit/>
-          </a:bodyPr>
-          <a:lstStyle>
-            <a:lvl1pPr marL="0" indent="0">
-              <a:buNone/>
-              <a:defRPr lang="de-DE" sz="2400" b="1" kern="1200" cap="all" spc="100" baseline="0" dirty="0" smtClean="0">
-                <a:solidFill>
-                  <a:srgbClr val="1E2846"/>
-                </a:solidFill>
-                <a:latin typeface="Montserrat-SemiBold"/>
-                <a:ea typeface="+mn-ea"/>
-                <a:cs typeface="Montserrat-Light"/>
-              </a:defRPr>
-            </a:lvl1pPr>
-          </a:lstStyle>
-          <a:p>
-            <a:pPr lvl="0"/>
-            <a:r>
-              <a:rPr lang="en-US" noProof="0" dirty="0"/>
-              <a:t>Surname First name</a:t>
-            </a:r>
-          </a:p>
-        </p:txBody>
-      </p:sp>
-      <p:sp>
-        <p:nvSpPr>
-          <p:cNvPr id="20" name="Inhaltsplatzhalter 21">
-            <a:extLst>
-              <a:ext uri="{FF2B5EF4-FFF2-40B4-BE49-F238E27FC236}">
-                <a16:creationId xmlns:a16="http://schemas.microsoft.com/office/drawing/2014/main" id="{B1506356-8CB9-F14E-B412-556671230903}"/>
-              </a:ext>
-            </a:extLst>
-          </p:cNvPr>
-          <p:cNvSpPr>
-            <a:spLocks noGrp="1"/>
-          </p:cNvSpPr>
-          <p:nvPr>
-            <p:ph sz="quarter" idx="13" hasCustomPrompt="1"/>
-          </p:nvPr>
-        </p:nvSpPr>
-        <p:spPr>
-          <a:xfrm>
-            <a:off x="4279622" y="2130756"/>
-            <a:ext cx="7513983" cy="414339"/>
-          </a:xfrm>
-          <a:prstGeom prst="rect">
-            <a:avLst/>
-          </a:prstGeom>
-        </p:spPr>
-        <p:txBody>
-          <a:bodyPr>
-            <a:noAutofit/>
-          </a:bodyPr>
-          <a:lstStyle>
-            <a:lvl1pPr marL="0" indent="0">
-              <a:buNone/>
-              <a:defRPr lang="de-CH" sz="2400" b="0" kern="1200" cap="all" spc="100" baseline="0" dirty="0" smtClean="0">
-                <a:solidFill>
-                  <a:srgbClr val="1E2846"/>
-                </a:solidFill>
-                <a:latin typeface="Montserrat-SemiBold"/>
-                <a:ea typeface="+mn-ea"/>
-                <a:cs typeface="Montserrat-Light"/>
-              </a:defRPr>
-            </a:lvl1pPr>
-          </a:lstStyle>
-          <a:p>
-            <a:pPr lvl="0"/>
-            <a:r>
-              <a:rPr lang="en-US" noProof="0" dirty="0" err="1"/>
-              <a:t>Titel</a:t>
-            </a:r>
-            <a:endParaRPr lang="en-US" noProof="0" dirty="0"/>
-          </a:p>
-        </p:txBody>
-      </p:sp>
-    </p:spTree>
-    <p:extLst>
-      <p:ext uri="{BB962C8B-B14F-4D97-AF65-F5344CB8AC3E}">
-        <p14:creationId xmlns:p14="http://schemas.microsoft.com/office/powerpoint/2010/main" val="29123514"/>
-      </p:ext>
-    </p:extLst>
-  </p:cSld>
-  <p:clrMapOvr>
-    <a:masterClrMapping/>
-  </p:clrMapOvr>
-</p:sldLayout>
-</file>
-
 <file path=ppt/slideLayouts/slideLayout2.xml><?xml version="1.0" encoding="utf-8"?>
 <p:sldLayout xmlns:a="http://schemas.openxmlformats.org/drawingml/2006/main" xmlns:r="http://schemas.openxmlformats.org/officeDocument/2006/relationships" xmlns:p="http://schemas.openxmlformats.org/presentationml/2006/main" type="secHead" preserve="1">
   <p:cSld name="Section Header">
@@ -7703,7 +7299,6 @@
     <p:sldLayoutId id="2147483737" r:id="rId14"/>
     <p:sldLayoutId id="2147483738" r:id="rId15"/>
     <p:sldLayoutId id="2147483739" r:id="rId16"/>
-    <p:sldLayoutId id="2147483748" r:id="rId17"/>
   </p:sldLayoutIdLst>
   <p:hf hdr="0" dt="0"/>
   <p:txStyles>
@@ -8348,7 +7943,7 @@
           <a:p>
             <a:r>
               <a:rPr lang="de-CH" noProof="0" dirty="0"/>
-              <a:t>Stefan Oehrli</a:t>
+              <a:t>Martin Berger</a:t>
             </a:r>
           </a:p>
         </p:txBody>
@@ -8408,7 +8003,15 @@
             </a:pPr>
             <a:r>
               <a:rPr lang="en-GB" dirty="0"/>
-              <a:t>Since 1997 active in various IT areas</a:t>
+              <a:t>Since </a:t>
+            </a:r>
+            <a:r>
+              <a:rPr lang="en-GB" dirty="0" err="1"/>
+              <a:t>xxxx</a:t>
+            </a:r>
+            <a:r>
+              <a:rPr lang="en-GB" dirty="0"/>
+              <a:t> active in various IT areas</a:t>
             </a:r>
           </a:p>
           <a:p>
@@ -8418,7 +8021,7 @@
             </a:pPr>
             <a:r>
               <a:rPr lang="en-GB" dirty="0"/>
-              <a:t>More than 24 years of experience in Oracle databases</a:t>
+              <a:t>More than xxx years of experience in Oracle databases</a:t>
             </a:r>
           </a:p>
           <a:p>
@@ -8428,7 +8031,7 @@
             </a:pPr>
             <a:r>
               <a:rPr lang="en-GB" dirty="0"/>
-              <a:t>Focus: Protecting data and operating databases securely</a:t>
+              <a:t>Focus: xxx</a:t>
             </a:r>
           </a:p>
           <a:p>
@@ -8438,7 +8041,245 @@
             </a:pPr>
             <a:r>
               <a:rPr lang="en-GB" dirty="0"/>
-              <a:t>Security assessments and reviews </a:t>
+              <a:t>xxx</a:t>
+            </a:r>
+          </a:p>
+        </p:txBody>
+      </p:sp>
+      <p:pic>
+        <p:nvPicPr>
+          <p:cNvPr id="13" name="Picture 12" descr="A black background with white text&#10;&#10;Description automatically generated with low confidence">
+            <a:extLst>
+              <a:ext uri="{FF2B5EF4-FFF2-40B4-BE49-F238E27FC236}">
+                <a16:creationId xmlns:a16="http://schemas.microsoft.com/office/drawing/2014/main" id="{C48B719A-6EDF-99AC-162A-17BAABA0B28F}"/>
+              </a:ext>
+            </a:extLst>
+          </p:cNvPr>
+          <p:cNvPicPr>
+            <a:picLocks noChangeAspect="1"/>
+          </p:cNvPicPr>
+          <p:nvPr/>
+        </p:nvPicPr>
+        <p:blipFill>
+          <a:blip r:embed="rId3">
+            <a:extLst>
+              <a:ext uri="{28A0092B-C50C-407E-A947-70E740481C1C}">
+                <a14:useLocalDpi xmlns:a14="http://schemas.microsoft.com/office/drawing/2010/main" val="0"/>
+              </a:ext>
+            </a:extLst>
+          </a:blip>
+          <a:stretch>
+            <a:fillRect/>
+          </a:stretch>
+        </p:blipFill>
+        <p:spPr>
+          <a:xfrm>
+            <a:off x="5709468" y="663011"/>
+            <a:ext cx="2399080" cy="945092"/>
+          </a:xfrm>
+          <a:prstGeom prst="rect">
+            <a:avLst/>
+          </a:prstGeom>
+          <a:ln>
+            <a:noFill/>
+          </a:ln>
+          <a:effectLst>
+            <a:outerShdw blurRad="292100" dist="139700" dir="2700000" algn="tl" rotWithShape="0">
+              <a:srgbClr val="333333">
+                <a:alpha val="65000"/>
+              </a:srgbClr>
+            </a:outerShdw>
+          </a:effectLst>
+        </p:spPr>
+      </p:pic>
+      <p:sp>
+        <p:nvSpPr>
+          <p:cNvPr id="3" name="Picture Placeholder 2">
+            <a:extLst>
+              <a:ext uri="{FF2B5EF4-FFF2-40B4-BE49-F238E27FC236}">
+                <a16:creationId xmlns:a16="http://schemas.microsoft.com/office/drawing/2014/main" id="{EFA5BF35-2204-B1D7-1B9B-7C9A97B81198}"/>
+              </a:ext>
+            </a:extLst>
+          </p:cNvPr>
+          <p:cNvSpPr>
+            <a:spLocks noGrp="1"/>
+          </p:cNvSpPr>
+          <p:nvPr>
+            <p:ph type="pic" sz="quarter" idx="15"/>
+          </p:nvPr>
+        </p:nvSpPr>
+        <p:spPr/>
+      </p:sp>
+    </p:spTree>
+    <p:extLst>
+      <p:ext uri="{BB962C8B-B14F-4D97-AF65-F5344CB8AC3E}">
+        <p14:creationId xmlns:p14="http://schemas.microsoft.com/office/powerpoint/2010/main" val="316565560"/>
+      </p:ext>
+    </p:extLst>
+  </p:cSld>
+  <p:clrMapOvr>
+    <a:masterClrMapping/>
+  </p:clrMapOvr>
+</p:sld>
+</file>
+
+<file path=ppt/slides/slide3.xml><?xml version="1.0" encoding="utf-8"?>
+<p:sld xmlns:a="http://schemas.openxmlformats.org/drawingml/2006/main" xmlns:r="http://schemas.openxmlformats.org/officeDocument/2006/relationships" xmlns:p="http://schemas.openxmlformats.org/presentationml/2006/main">
+  <p:cSld>
+    <p:spTree>
+      <p:nvGrpSpPr>
+        <p:cNvPr id="1" name=""/>
+        <p:cNvGrpSpPr/>
+        <p:nvPr/>
+      </p:nvGrpSpPr>
+      <p:grpSpPr>
+        <a:xfrm>
+          <a:off x="0" y="0"/>
+          <a:ext cx="0" cy="0"/>
+          <a:chOff x="0" y="0"/>
+          <a:chExt cx="0" cy="0"/>
+        </a:xfrm>
+      </p:grpSpPr>
+      <p:sp>
+        <p:nvSpPr>
+          <p:cNvPr id="4" name="Title 3">
+            <a:extLst>
+              <a:ext uri="{FF2B5EF4-FFF2-40B4-BE49-F238E27FC236}">
+                <a16:creationId xmlns:a16="http://schemas.microsoft.com/office/drawing/2014/main" id="{F8DB100F-C259-5897-EAC4-1EB9A7F7DFB9}"/>
+              </a:ext>
+            </a:extLst>
+          </p:cNvPr>
+          <p:cNvSpPr>
+            <a:spLocks noGrp="1"/>
+          </p:cNvSpPr>
+          <p:nvPr>
+            <p:ph type="title"/>
+          </p:nvPr>
+        </p:nvSpPr>
+        <p:spPr/>
+        <p:txBody>
+          <a:bodyPr/>
+          <a:lstStyle/>
+          <a:p>
+            <a:r>
+              <a:rPr lang="de-CH" noProof="0" dirty="0"/>
+              <a:t>HALLO, </a:t>
+            </a:r>
+            <a:r>
+              <a:rPr lang="de-CH" noProof="0" dirty="0" err="1"/>
+              <a:t>Grüessech</a:t>
+            </a:r>
+            <a:r>
+              <a:rPr lang="de-CH" noProof="0" dirty="0"/>
+              <a:t>, HI! </a:t>
+            </a:r>
+          </a:p>
+        </p:txBody>
+      </p:sp>
+      <p:sp>
+        <p:nvSpPr>
+          <p:cNvPr id="5" name="Content Placeholder 4">
+            <a:extLst>
+              <a:ext uri="{FF2B5EF4-FFF2-40B4-BE49-F238E27FC236}">
+                <a16:creationId xmlns:a16="http://schemas.microsoft.com/office/drawing/2014/main" id="{2A9FE8E6-DB8B-6F24-C73F-78F673EC8BA0}"/>
+              </a:ext>
+            </a:extLst>
+          </p:cNvPr>
+          <p:cNvSpPr>
+            <a:spLocks noGrp="1"/>
+          </p:cNvSpPr>
+          <p:nvPr>
+            <p:ph sz="quarter" idx="12"/>
+          </p:nvPr>
+        </p:nvSpPr>
+        <p:spPr/>
+        <p:txBody>
+          <a:bodyPr/>
+          <a:lstStyle/>
+          <a:p>
+            <a:r>
+              <a:rPr lang="de-CH" noProof="0" dirty="0"/>
+              <a:t>Stefan Oehrli</a:t>
+            </a:r>
+          </a:p>
+        </p:txBody>
+      </p:sp>
+      <p:sp>
+        <p:nvSpPr>
+          <p:cNvPr id="6" name="Content Placeholder 5">
+            <a:extLst>
+              <a:ext uri="{FF2B5EF4-FFF2-40B4-BE49-F238E27FC236}">
+                <a16:creationId xmlns:a16="http://schemas.microsoft.com/office/drawing/2014/main" id="{8B4B3C5F-F6FC-C07A-9342-257411D44006}"/>
+              </a:ext>
+            </a:extLst>
+          </p:cNvPr>
+          <p:cNvSpPr>
+            <a:spLocks noGrp="1"/>
+          </p:cNvSpPr>
+          <p:nvPr>
+            <p:ph sz="quarter" idx="13"/>
+          </p:nvPr>
+        </p:nvSpPr>
+        <p:spPr/>
+        <p:txBody>
+          <a:bodyPr/>
+          <a:lstStyle/>
+          <a:p>
+            <a:r>
+              <a:rPr lang="de-CH" noProof="0" dirty="0"/>
+              <a:t>Data Engineering Manager</a:t>
+            </a:r>
+          </a:p>
+        </p:txBody>
+      </p:sp>
+      <p:sp>
+        <p:nvSpPr>
+          <p:cNvPr id="8" name="Content Placeholder 7">
+            <a:extLst>
+              <a:ext uri="{FF2B5EF4-FFF2-40B4-BE49-F238E27FC236}">
+                <a16:creationId xmlns:a16="http://schemas.microsoft.com/office/drawing/2014/main" id="{84430BE6-771A-3279-4403-3C1CCA3892F5}"/>
+              </a:ext>
+            </a:extLst>
+          </p:cNvPr>
+          <p:cNvSpPr>
+            <a:spLocks noGrp="1"/>
+          </p:cNvSpPr>
+          <p:nvPr>
+            <p:ph sz="quarter" idx="16"/>
+          </p:nvPr>
+        </p:nvSpPr>
+        <p:spPr/>
+        <p:txBody>
+          <a:bodyPr/>
+          <a:lstStyle/>
+          <a:p>
+            <a:pPr marL="342900" indent="-342900">
+              <a:buFont typeface="Wingdings" pitchFamily="2" charset="2"/>
+              <a:buChar char="§"/>
+            </a:pPr>
+            <a:r>
+              <a:rPr lang="en-GB" dirty="0"/>
+              <a:t>Since 1997 active in various IT areas</a:t>
+            </a:r>
+          </a:p>
+          <a:p>
+            <a:pPr marL="342900" indent="-342900">
+              <a:buFont typeface="Wingdings" pitchFamily="2" charset="2"/>
+              <a:buChar char="§"/>
+            </a:pPr>
+            <a:r>
+              <a:rPr lang="en-GB" dirty="0"/>
+              <a:t>More than 24 years of experience in Oracle databases</a:t>
+            </a:r>
+          </a:p>
+          <a:p>
+            <a:pPr marL="342900" indent="-342900">
+              <a:buFont typeface="Wingdings" pitchFamily="2" charset="2"/>
+              <a:buChar char="§"/>
+            </a:pPr>
+            <a:r>
+              <a:rPr lang="en-GB" dirty="0"/>
+              <a:t>Focus: Protecting data and operating databases securely</a:t>
             </a:r>
           </a:p>
           <a:p>
@@ -8448,7 +8289,7 @@
             </a:pPr>
             <a:r>
               <a:rPr lang="en-GB" dirty="0"/>
-              <a:t>Database security concepts and their implementation</a:t>
+              <a:t>Security assessments and reviews </a:t>
             </a:r>
           </a:p>
           <a:p>
@@ -8458,7 +8299,7 @@
             </a:pPr>
             <a:r>
               <a:rPr lang="en-GB" dirty="0"/>
-              <a:t>Oracle Backup &amp; Recovery concepts and troubleshooting</a:t>
+              <a:t>Database security concepts and their implementation</a:t>
             </a:r>
           </a:p>
           <a:p>
@@ -8468,7 +8309,7 @@
             </a:pPr>
             <a:r>
               <a:rPr lang="en-GB" dirty="0"/>
-              <a:t>Oracle Enterprise User and Advanced Security, DB Vault, …</a:t>
+              <a:t>Oracle Backup &amp; Recovery concepts and troubleshooting</a:t>
             </a:r>
           </a:p>
           <a:p>
@@ -8478,6 +8319,16 @@
             </a:pPr>
             <a:r>
               <a:rPr lang="en-GB" dirty="0"/>
+              <a:t>Oracle Enterprise User and Advanced Security, DB Vault, …</a:t>
+            </a:r>
+          </a:p>
+          <a:p>
+            <a:pPr marL="639226" lvl="1" indent="-342900">
+              <a:buFont typeface="Courier New" panose="02070309020205020404" pitchFamily="49" charset="0"/>
+              <a:buChar char="o"/>
+            </a:pPr>
+            <a:r>
+              <a:rPr lang="en-GB" dirty="0"/>
               <a:t>Oracle Directory Services</a:t>
             </a:r>
           </a:p>
@@ -8496,8 +8347,13 @@
             </a:r>
             <a:r>
               <a:rPr lang="en-GB" dirty="0"/>
-              <a:t>, 2016/07)</a:t>
-            </a:r>
+              <a:t>, </a:t>
+            </a:r>
+            <a:r>
+              <a:rPr lang="en-GB"/>
+              <a:t>2016/07)</a:t>
+            </a:r>
+            <a:endParaRPr lang="en-GB" dirty="0"/>
           </a:p>
         </p:txBody>
       </p:sp>
@@ -8681,888 +8537,6 @@
 </p:sld>
 </file>
 
-<file path=ppt/slides/slide3.xml><?xml version="1.0" encoding="utf-8"?>
-<p:sld xmlns:a="http://schemas.openxmlformats.org/drawingml/2006/main" xmlns:r="http://schemas.openxmlformats.org/officeDocument/2006/relationships" xmlns:p="http://schemas.openxmlformats.org/presentationml/2006/main">
-  <p:cSld>
-    <p:spTree>
-      <p:nvGrpSpPr>
-        <p:cNvPr id="1" name=""/>
-        <p:cNvGrpSpPr/>
-        <p:nvPr/>
-      </p:nvGrpSpPr>
-      <p:grpSpPr>
-        <a:xfrm>
-          <a:off x="0" y="0"/>
-          <a:ext cx="0" cy="0"/>
-          <a:chOff x="0" y="0"/>
-          <a:chExt cx="0" cy="0"/>
-        </a:xfrm>
-      </p:grpSpPr>
-      <p:sp>
-        <p:nvSpPr>
-          <p:cNvPr id="3" name="Title 2">
-            <a:extLst>
-              <a:ext uri="{FF2B5EF4-FFF2-40B4-BE49-F238E27FC236}">
-                <a16:creationId xmlns:a16="http://schemas.microsoft.com/office/drawing/2014/main" id="{F2899981-DE13-D142-ADB5-D0171DD553F5}"/>
-              </a:ext>
-            </a:extLst>
-          </p:cNvPr>
-          <p:cNvSpPr>
-            <a:spLocks noGrp="1"/>
-          </p:cNvSpPr>
-          <p:nvPr>
-            <p:ph type="title"/>
-          </p:nvPr>
-        </p:nvSpPr>
-        <p:spPr>
-          <a:xfrm>
-            <a:off x="1033671" y="382313"/>
-            <a:ext cx="10760765" cy="444481"/>
-          </a:xfrm>
-        </p:spPr>
-        <p:txBody>
-          <a:bodyPr/>
-          <a:lstStyle/>
-          <a:p>
-            <a:r>
-              <a:rPr lang="de-CH" dirty="0" err="1"/>
-              <a:t>Grüessech</a:t>
-            </a:r>
-            <a:r>
-              <a:rPr lang="de-CH" dirty="0"/>
-              <a:t> </a:t>
-            </a:r>
-            <a:r>
-              <a:rPr lang="de-CH" dirty="0" err="1"/>
-              <a:t>mitenang</a:t>
-            </a:r>
-            <a:endParaRPr lang="en-US" dirty="0"/>
-          </a:p>
-        </p:txBody>
-      </p:sp>
-      <p:sp>
-        <p:nvSpPr>
-          <p:cNvPr id="12" name="Content Placeholder 11">
-            <a:extLst>
-              <a:ext uri="{FF2B5EF4-FFF2-40B4-BE49-F238E27FC236}">
-                <a16:creationId xmlns:a16="http://schemas.microsoft.com/office/drawing/2014/main" id="{72DAC2E9-59C5-BE4C-828B-E52040C6880C}"/>
-              </a:ext>
-            </a:extLst>
-          </p:cNvPr>
-          <p:cNvSpPr>
-            <a:spLocks noGrp="1"/>
-          </p:cNvSpPr>
-          <p:nvPr>
-            <p:ph idx="1"/>
-          </p:nvPr>
-        </p:nvSpPr>
-        <p:spPr/>
-        <p:txBody>
-          <a:bodyPr/>
-          <a:lstStyle/>
-          <a:p>
-            <a:r>
-              <a:rPr lang="en-US" dirty="0" err="1"/>
-              <a:t>Kestenholz</a:t>
-            </a:r>
-            <a:r>
-              <a:rPr lang="en-US" dirty="0"/>
-              <a:t> / </a:t>
-            </a:r>
-            <a:r>
-              <a:rPr lang="en-US" dirty="0" err="1"/>
-              <a:t>Jurasüdfuss</a:t>
-            </a:r>
-            <a:r>
-              <a:rPr lang="en-US" dirty="0"/>
-              <a:t> / Switzerland</a:t>
-            </a:r>
-          </a:p>
-          <a:p>
-            <a:r>
-              <a:rPr lang="en-US" dirty="0"/>
-              <a:t>2 Junior-DBAs @ Home (</a:t>
-            </a:r>
-            <a:r>
-              <a:rPr lang="en-CH" dirty="0"/>
-              <a:t>7</a:t>
-            </a:r>
-            <a:r>
-              <a:rPr lang="en-US" dirty="0" err="1"/>
-              <a:t>yrs</a:t>
-            </a:r>
-            <a:r>
-              <a:rPr lang="en-US" dirty="0"/>
-              <a:t> &amp; </a:t>
-            </a:r>
-            <a:r>
-              <a:rPr lang="en-CH" dirty="0"/>
-              <a:t>9</a:t>
-            </a:r>
-            <a:r>
-              <a:rPr lang="en-US" dirty="0" err="1"/>
-              <a:t>yrs</a:t>
-            </a:r>
-            <a:r>
-              <a:rPr lang="en-US" dirty="0"/>
-              <a:t>)</a:t>
-            </a:r>
-          </a:p>
-          <a:p>
-            <a:r>
-              <a:rPr lang="en-US" dirty="0"/>
-              <a:t>Firefighter &amp; E-Biker</a:t>
-            </a:r>
-          </a:p>
-          <a:p>
-            <a:r>
-              <a:rPr lang="en-US" dirty="0"/>
-              <a:t>Loves his companies' cultural values:	</a:t>
-            </a:r>
-          </a:p>
-          <a:p>
-            <a:pPr lvl="1"/>
-            <a:r>
-              <a:rPr lang="en-US" dirty="0"/>
-              <a:t>curiosity, doers, network, space, and together</a:t>
-            </a:r>
-          </a:p>
-          <a:p>
-            <a:r>
-              <a:rPr lang="en-GB" dirty="0"/>
-              <a:t>Focus: </a:t>
-            </a:r>
-            <a:r>
-              <a:rPr lang="de-CH" dirty="0" err="1"/>
-              <a:t>Let’s</a:t>
-            </a:r>
-            <a:r>
-              <a:rPr lang="de-CH" dirty="0"/>
-              <a:t> </a:t>
-            </a:r>
-            <a:r>
-              <a:rPr lang="de-CH" dirty="0" err="1"/>
-              <a:t>go</a:t>
-            </a:r>
-            <a:r>
-              <a:rPr lang="de-CH" dirty="0"/>
-              <a:t> </a:t>
-            </a:r>
-            <a:r>
-              <a:rPr lang="de-CH" dirty="0" err="1"/>
-              <a:t>into</a:t>
-            </a:r>
-            <a:r>
-              <a:rPr lang="de-CH" dirty="0"/>
-              <a:t> </a:t>
-            </a:r>
-            <a:r>
-              <a:rPr lang="de-CH" dirty="0" err="1"/>
-              <a:t>the</a:t>
-            </a:r>
-            <a:r>
-              <a:rPr lang="de-CH" dirty="0"/>
-              <a:t> Cloud</a:t>
-            </a:r>
-            <a:endParaRPr lang="en-US" dirty="0"/>
-          </a:p>
-          <a:p>
-            <a:endParaRPr lang="en-US" dirty="0"/>
-          </a:p>
-          <a:p>
-            <a:endParaRPr lang="en-US" dirty="0"/>
-          </a:p>
-        </p:txBody>
-      </p:sp>
-      <p:pic>
-        <p:nvPicPr>
-          <p:cNvPr id="5" name="Picture Placeholder 4" descr="A person wearing glasses&#10;&#10;Description automatically generated with medium confidence">
-            <a:extLst>
-              <a:ext uri="{FF2B5EF4-FFF2-40B4-BE49-F238E27FC236}">
-                <a16:creationId xmlns:a16="http://schemas.microsoft.com/office/drawing/2014/main" id="{A19F4119-BD7B-4314-9A80-3C2AF066DC90}"/>
-              </a:ext>
-            </a:extLst>
-          </p:cNvPr>
-          <p:cNvPicPr>
-            <a:picLocks noGrp="1" noChangeAspect="1"/>
-          </p:cNvPicPr>
-          <p:nvPr>
-            <p:ph type="pic" sz="quarter" idx="15"/>
-          </p:nvPr>
-        </p:nvPicPr>
-        <p:blipFill>
-          <a:blip r:embed="rId2"/>
-          <a:srcRect t="791" b="791"/>
-          <a:stretch>
-            <a:fillRect/>
-          </a:stretch>
-        </p:blipFill>
-        <p:spPr/>
-      </p:pic>
-      <p:sp>
-        <p:nvSpPr>
-          <p:cNvPr id="13" name="Content Placeholder 12">
-            <a:extLst>
-              <a:ext uri="{FF2B5EF4-FFF2-40B4-BE49-F238E27FC236}">
-                <a16:creationId xmlns:a16="http://schemas.microsoft.com/office/drawing/2014/main" id="{605D747D-D90E-DC47-B0B4-BAFEDBB6F73D}"/>
-              </a:ext>
-            </a:extLst>
-          </p:cNvPr>
-          <p:cNvSpPr>
-            <a:spLocks noGrp="1"/>
-          </p:cNvSpPr>
-          <p:nvPr>
-            <p:ph sz="quarter" idx="12"/>
-          </p:nvPr>
-        </p:nvSpPr>
-        <p:spPr/>
-        <p:txBody>
-          <a:bodyPr/>
-          <a:lstStyle/>
-          <a:p>
-            <a:r>
-              <a:rPr lang="de-CH" dirty="0"/>
-              <a:t>M</a:t>
-            </a:r>
-            <a:r>
-              <a:rPr lang="en-CH" dirty="0" err="1"/>
-              <a:t>artin</a:t>
-            </a:r>
-            <a:r>
-              <a:rPr lang="en-CH" dirty="0"/>
-              <a:t> </a:t>
-            </a:r>
-            <a:r>
-              <a:rPr lang="en-CH" dirty="0" err="1"/>
-              <a:t>berger</a:t>
-            </a:r>
-            <a:endParaRPr lang="en-US" dirty="0"/>
-          </a:p>
-        </p:txBody>
-      </p:sp>
-      <p:sp>
-        <p:nvSpPr>
-          <p:cNvPr id="14" name="Content Placeholder 13">
-            <a:extLst>
-              <a:ext uri="{FF2B5EF4-FFF2-40B4-BE49-F238E27FC236}">
-                <a16:creationId xmlns:a16="http://schemas.microsoft.com/office/drawing/2014/main" id="{509711DB-C967-424D-A5E9-AEE4079FDC8A}"/>
-              </a:ext>
-            </a:extLst>
-          </p:cNvPr>
-          <p:cNvSpPr>
-            <a:spLocks noGrp="1"/>
-          </p:cNvSpPr>
-          <p:nvPr>
-            <p:ph sz="quarter" idx="13"/>
-          </p:nvPr>
-        </p:nvSpPr>
-        <p:spPr/>
-        <p:txBody>
-          <a:bodyPr/>
-          <a:lstStyle/>
-          <a:p>
-            <a:r>
-              <a:rPr lang="de-CH" noProof="0" dirty="0"/>
-              <a:t>Data Engineering Associate Manager</a:t>
-            </a:r>
-          </a:p>
-        </p:txBody>
-      </p:sp>
-      <p:pic>
-        <p:nvPicPr>
-          <p:cNvPr id="11" name="Picture 10">
-            <a:extLst>
-              <a:ext uri="{FF2B5EF4-FFF2-40B4-BE49-F238E27FC236}">
-                <a16:creationId xmlns:a16="http://schemas.microsoft.com/office/drawing/2014/main" id="{A804FF4E-9E8A-4FC8-BE0A-8DFACADDD268}"/>
-              </a:ext>
-            </a:extLst>
-          </p:cNvPr>
-          <p:cNvPicPr>
-            <a:picLocks noChangeAspect="1"/>
-          </p:cNvPicPr>
-          <p:nvPr/>
-        </p:nvPicPr>
-        <p:blipFill>
-          <a:blip r:embed="rId3"/>
-          <a:stretch>
-            <a:fillRect/>
-          </a:stretch>
-        </p:blipFill>
-        <p:spPr>
-          <a:xfrm>
-            <a:off x="10460009" y="244089"/>
-            <a:ext cx="1333596" cy="1477143"/>
-          </a:xfrm>
-          <a:prstGeom prst="rect">
-            <a:avLst/>
-          </a:prstGeom>
-        </p:spPr>
-      </p:pic>
-      <p:sp>
-        <p:nvSpPr>
-          <p:cNvPr id="16" name="Content Placeholder 11">
-            <a:extLst>
-              <a:ext uri="{FF2B5EF4-FFF2-40B4-BE49-F238E27FC236}">
-                <a16:creationId xmlns:a16="http://schemas.microsoft.com/office/drawing/2014/main" id="{9DE532CA-DA2A-48FC-A945-C4C9EB2A7134}"/>
-              </a:ext>
-            </a:extLst>
-          </p:cNvPr>
-          <p:cNvSpPr txBox="1">
-            <a:spLocks/>
-          </p:cNvSpPr>
-          <p:nvPr/>
-        </p:nvSpPr>
-        <p:spPr>
-          <a:xfrm>
-            <a:off x="3610693" y="6093291"/>
-            <a:ext cx="2485307" cy="414339"/>
-          </a:xfrm>
-          <a:prstGeom prst="rect">
-            <a:avLst/>
-          </a:prstGeom>
-        </p:spPr>
-        <p:txBody>
-          <a:bodyPr vert="horz" lIns="121920" tIns="60960" rIns="121920" bIns="60960" rtlCol="0">
-            <a:normAutofit/>
-          </a:bodyPr>
-          <a:lstStyle>
-            <a:lvl1pPr marL="257175" indent="-171450" algn="l" defTabSz="685800" rtl="0" eaLnBrk="1" latinLnBrk="0" hangingPunct="1">
-              <a:lnSpc>
-                <a:spcPct val="90000"/>
-              </a:lnSpc>
-              <a:spcBef>
-                <a:spcPts val="300"/>
-              </a:spcBef>
-              <a:spcAft>
-                <a:spcPts val="300"/>
-              </a:spcAft>
-              <a:buClr>
-                <a:srgbClr val="9600FF"/>
-              </a:buClr>
-              <a:buFont typeface="Wingdings" pitchFamily="2" charset="2"/>
-              <a:buChar char="§"/>
-              <a:defRPr lang="en-US" sz="1350" b="0" kern="1200" baseline="0" dirty="0" smtClean="0">
-                <a:solidFill>
-                  <a:srgbClr val="1E2846"/>
-                </a:solidFill>
-                <a:latin typeface="Open Sans Light" panose="020B0306030504020204" pitchFamily="34" charset="0"/>
-                <a:ea typeface="Open Sans Light" panose="020B0306030504020204" pitchFamily="34" charset="0"/>
-                <a:cs typeface="Open Sans Light" panose="020B0306030504020204" pitchFamily="34" charset="0"/>
-              </a:defRPr>
-            </a:lvl1pPr>
-            <a:lvl2pPr marL="557213" indent="-171450" algn="l" defTabSz="685800" rtl="0" eaLnBrk="1" latinLnBrk="0" hangingPunct="1">
-              <a:lnSpc>
-                <a:spcPct val="90000"/>
-              </a:lnSpc>
-              <a:spcBef>
-                <a:spcPts val="300"/>
-              </a:spcBef>
-              <a:spcAft>
-                <a:spcPts val="300"/>
-              </a:spcAft>
-              <a:buClr>
-                <a:srgbClr val="9600FF"/>
-              </a:buClr>
-              <a:buFont typeface="Courier New" panose="02070309020205020404" pitchFamily="49" charset="0"/>
-              <a:buChar char="o"/>
-              <a:defRPr lang="en-US" sz="1350" b="0" kern="1200" baseline="0" dirty="0" smtClean="0">
-                <a:solidFill>
-                  <a:srgbClr val="1E2846"/>
-                </a:solidFill>
-                <a:latin typeface="Open Sans Light" panose="020B0306030504020204" pitchFamily="34" charset="0"/>
-                <a:ea typeface="Open Sans Light" panose="020B0306030504020204" pitchFamily="34" charset="0"/>
-                <a:cs typeface="Open Sans Light" panose="020B0306030504020204" pitchFamily="34" charset="0"/>
-              </a:defRPr>
-            </a:lvl2pPr>
-            <a:lvl3pPr marL="857250" indent="-171450" algn="l" defTabSz="685800" rtl="0" eaLnBrk="1" latinLnBrk="0" hangingPunct="1">
-              <a:lnSpc>
-                <a:spcPct val="90000"/>
-              </a:lnSpc>
-              <a:spcBef>
-                <a:spcPts val="300"/>
-              </a:spcBef>
-              <a:spcAft>
-                <a:spcPts val="300"/>
-              </a:spcAft>
-              <a:buClr>
-                <a:srgbClr val="9600FF"/>
-              </a:buClr>
-              <a:buFont typeface="Courier New" panose="02070309020205020404" pitchFamily="49" charset="0"/>
-              <a:buChar char="o"/>
-              <a:defRPr lang="en-US" sz="1350" b="0" kern="1200" baseline="0" dirty="0" smtClean="0">
-                <a:solidFill>
-                  <a:srgbClr val="1E2846"/>
-                </a:solidFill>
-                <a:latin typeface="Open Sans Light" panose="020B0306030504020204" pitchFamily="34" charset="0"/>
-                <a:ea typeface="Open Sans Light" panose="020B0306030504020204" pitchFamily="34" charset="0"/>
-                <a:cs typeface="Open Sans Light" panose="020B0306030504020204" pitchFamily="34" charset="0"/>
-              </a:defRPr>
-            </a:lvl3pPr>
-            <a:lvl4pPr marL="1200150" indent="-171450" algn="l" defTabSz="685800" rtl="0" eaLnBrk="1" latinLnBrk="0" hangingPunct="1">
-              <a:lnSpc>
-                <a:spcPct val="90000"/>
-              </a:lnSpc>
-              <a:spcBef>
-                <a:spcPts val="300"/>
-              </a:spcBef>
-              <a:spcAft>
-                <a:spcPts val="300"/>
-              </a:spcAft>
-              <a:buClr>
-                <a:srgbClr val="9600FF"/>
-              </a:buClr>
-              <a:buFont typeface="Courier New" panose="02070309020205020404" pitchFamily="49" charset="0"/>
-              <a:buChar char="o"/>
-              <a:defRPr lang="en-US" sz="1350" b="0" kern="1200" baseline="0" dirty="0" smtClean="0">
-                <a:solidFill>
-                  <a:srgbClr val="1E2846"/>
-                </a:solidFill>
-                <a:latin typeface="Open Sans Light" panose="020B0306030504020204" pitchFamily="34" charset="0"/>
-                <a:ea typeface="Open Sans Light" panose="020B0306030504020204" pitchFamily="34" charset="0"/>
-                <a:cs typeface="Open Sans Light" panose="020B0306030504020204" pitchFamily="34" charset="0"/>
-              </a:defRPr>
-            </a:lvl4pPr>
-            <a:lvl5pPr marL="1543050" indent="-171450" algn="l" defTabSz="685800" rtl="0" eaLnBrk="1" latinLnBrk="0" hangingPunct="1">
-              <a:lnSpc>
-                <a:spcPct val="90000"/>
-              </a:lnSpc>
-              <a:spcBef>
-                <a:spcPts val="300"/>
-              </a:spcBef>
-              <a:spcAft>
-                <a:spcPts val="300"/>
-              </a:spcAft>
-              <a:buClr>
-                <a:srgbClr val="9600FF"/>
-              </a:buClr>
-              <a:buFont typeface="Courier New" panose="02070309020205020404" pitchFamily="49" charset="0"/>
-              <a:buChar char="o"/>
-              <a:defRPr lang="en-US" sz="1350" b="0" kern="1200" baseline="0" dirty="0">
-                <a:solidFill>
-                  <a:srgbClr val="1E2846"/>
-                </a:solidFill>
-                <a:latin typeface="Open Sans Light" panose="020B0306030504020204" pitchFamily="34" charset="0"/>
-                <a:ea typeface="Open Sans Light" panose="020B0306030504020204" pitchFamily="34" charset="0"/>
-                <a:cs typeface="Open Sans Light" panose="020B0306030504020204" pitchFamily="34" charset="0"/>
-              </a:defRPr>
-            </a:lvl5pPr>
-            <a:lvl6pPr marL="1885950" indent="-171450" algn="l" defTabSz="342900" rtl="0" eaLnBrk="1" latinLnBrk="0" hangingPunct="1">
-              <a:spcBef>
-                <a:spcPct val="20000"/>
-              </a:spcBef>
-              <a:buFont typeface="Arial"/>
-              <a:buChar char="•"/>
-              <a:defRPr sz="1500" kern="1200">
-                <a:solidFill>
-                  <a:schemeClr val="tx1"/>
-                </a:solidFill>
-                <a:latin typeface="+mn-lt"/>
-                <a:ea typeface="+mn-ea"/>
-                <a:cs typeface="+mn-cs"/>
-              </a:defRPr>
-            </a:lvl6pPr>
-            <a:lvl7pPr marL="2228850" indent="-171450" algn="l" defTabSz="342900" rtl="0" eaLnBrk="1" latinLnBrk="0" hangingPunct="1">
-              <a:spcBef>
-                <a:spcPct val="20000"/>
-              </a:spcBef>
-              <a:buFont typeface="Arial"/>
-              <a:buChar char="•"/>
-              <a:defRPr sz="1500" kern="1200">
-                <a:solidFill>
-                  <a:schemeClr val="tx1"/>
-                </a:solidFill>
-                <a:latin typeface="+mn-lt"/>
-                <a:ea typeface="+mn-ea"/>
-                <a:cs typeface="+mn-cs"/>
-              </a:defRPr>
-            </a:lvl7pPr>
-            <a:lvl8pPr marL="2571750" indent="-171450" algn="l" defTabSz="342900" rtl="0" eaLnBrk="1" latinLnBrk="0" hangingPunct="1">
-              <a:spcBef>
-                <a:spcPct val="20000"/>
-              </a:spcBef>
-              <a:buFont typeface="Arial"/>
-              <a:buChar char="•"/>
-              <a:defRPr sz="1500" kern="1200">
-                <a:solidFill>
-                  <a:schemeClr val="tx1"/>
-                </a:solidFill>
-                <a:latin typeface="+mn-lt"/>
-                <a:ea typeface="+mn-ea"/>
-                <a:cs typeface="+mn-cs"/>
-              </a:defRPr>
-            </a:lvl8pPr>
-            <a:lvl9pPr marL="2914650" indent="-171450" algn="l" defTabSz="342900" rtl="0" eaLnBrk="1" latinLnBrk="0" hangingPunct="1">
-              <a:spcBef>
-                <a:spcPct val="20000"/>
-              </a:spcBef>
-              <a:buFont typeface="Arial"/>
-              <a:buChar char="•"/>
-              <a:defRPr sz="1500" kern="1200">
-                <a:solidFill>
-                  <a:schemeClr val="tx1"/>
-                </a:solidFill>
-                <a:latin typeface="+mn-lt"/>
-                <a:ea typeface="+mn-ea"/>
-                <a:cs typeface="+mn-cs"/>
-              </a:defRPr>
-            </a:lvl9pPr>
-          </a:lstStyle>
-          <a:p>
-            <a:pPr marL="114297" indent="0">
-              <a:buNone/>
-            </a:pPr>
-            <a:r>
-              <a:rPr lang="de-CH" sz="1800"/>
-              <a:t>martinberger.com</a:t>
-            </a:r>
-          </a:p>
-          <a:p>
-            <a:endParaRPr lang="de-CH" sz="1800"/>
-          </a:p>
-        </p:txBody>
-      </p:sp>
-      <p:pic>
-        <p:nvPicPr>
-          <p:cNvPr id="17" name="Picture 16" descr="Logo, icon&#10;&#10;Description automatically generated">
-            <a:extLst>
-              <a:ext uri="{FF2B5EF4-FFF2-40B4-BE49-F238E27FC236}">
-                <a16:creationId xmlns:a16="http://schemas.microsoft.com/office/drawing/2014/main" id="{05EA0D80-4827-4465-A0C9-7BB9BA5FFEF7}"/>
-              </a:ext>
-            </a:extLst>
-          </p:cNvPr>
-          <p:cNvPicPr>
-            <a:picLocks noChangeAspect="1"/>
-          </p:cNvPicPr>
-          <p:nvPr/>
-        </p:nvPicPr>
-        <p:blipFill>
-          <a:blip r:embed="rId4"/>
-          <a:stretch>
-            <a:fillRect/>
-          </a:stretch>
-        </p:blipFill>
-        <p:spPr>
-          <a:xfrm>
-            <a:off x="477876" y="5998389"/>
-            <a:ext cx="453899" cy="453899"/>
-          </a:xfrm>
-          <a:prstGeom prst="rect">
-            <a:avLst/>
-          </a:prstGeom>
-        </p:spPr>
-      </p:pic>
-      <p:pic>
-        <p:nvPicPr>
-          <p:cNvPr id="18" name="Picture 17">
-            <a:extLst>
-              <a:ext uri="{FF2B5EF4-FFF2-40B4-BE49-F238E27FC236}">
-                <a16:creationId xmlns:a16="http://schemas.microsoft.com/office/drawing/2014/main" id="{C8631476-01FC-4A56-94CB-31B5F825B6FF}"/>
-              </a:ext>
-            </a:extLst>
-          </p:cNvPr>
-          <p:cNvPicPr>
-            <a:picLocks noChangeAspect="1"/>
-          </p:cNvPicPr>
-          <p:nvPr/>
-        </p:nvPicPr>
-        <p:blipFill>
-          <a:blip r:embed="rId5"/>
-          <a:stretch>
-            <a:fillRect/>
-          </a:stretch>
-        </p:blipFill>
-        <p:spPr>
-          <a:xfrm>
-            <a:off x="3131829" y="5970638"/>
-            <a:ext cx="548961" cy="548961"/>
-          </a:xfrm>
-          <a:prstGeom prst="rect">
-            <a:avLst/>
-          </a:prstGeom>
-        </p:spPr>
-      </p:pic>
-      <p:sp>
-        <p:nvSpPr>
-          <p:cNvPr id="19" name="Content Placeholder 11">
-            <a:extLst>
-              <a:ext uri="{FF2B5EF4-FFF2-40B4-BE49-F238E27FC236}">
-                <a16:creationId xmlns:a16="http://schemas.microsoft.com/office/drawing/2014/main" id="{0BB9D21E-55BB-497D-9C7C-2C1A60E7B0DF}"/>
-              </a:ext>
-            </a:extLst>
-          </p:cNvPr>
-          <p:cNvSpPr txBox="1">
-            <a:spLocks/>
-          </p:cNvSpPr>
-          <p:nvPr/>
-        </p:nvSpPr>
-        <p:spPr>
-          <a:xfrm>
-            <a:off x="921003" y="6071135"/>
-            <a:ext cx="2485307" cy="414339"/>
-          </a:xfrm>
-          <a:prstGeom prst="rect">
-            <a:avLst/>
-          </a:prstGeom>
-        </p:spPr>
-        <p:txBody>
-          <a:bodyPr vert="horz" lIns="121920" tIns="60960" rIns="121920" bIns="60960" rtlCol="0">
-            <a:normAutofit/>
-          </a:bodyPr>
-          <a:lstStyle>
-            <a:lvl1pPr marL="257175" indent="-171450" algn="l" defTabSz="685800" rtl="0" eaLnBrk="1" latinLnBrk="0" hangingPunct="1">
-              <a:lnSpc>
-                <a:spcPct val="90000"/>
-              </a:lnSpc>
-              <a:spcBef>
-                <a:spcPts val="300"/>
-              </a:spcBef>
-              <a:spcAft>
-                <a:spcPts val="300"/>
-              </a:spcAft>
-              <a:buClr>
-                <a:srgbClr val="9600FF"/>
-              </a:buClr>
-              <a:buFont typeface="Wingdings" pitchFamily="2" charset="2"/>
-              <a:buChar char="§"/>
-              <a:defRPr lang="en-US" sz="1350" b="0" kern="1200" baseline="0" dirty="0" smtClean="0">
-                <a:solidFill>
-                  <a:srgbClr val="1E2846"/>
-                </a:solidFill>
-                <a:latin typeface="Open Sans Light" panose="020B0306030504020204" pitchFamily="34" charset="0"/>
-                <a:ea typeface="Open Sans Light" panose="020B0306030504020204" pitchFamily="34" charset="0"/>
-                <a:cs typeface="Open Sans Light" panose="020B0306030504020204" pitchFamily="34" charset="0"/>
-              </a:defRPr>
-            </a:lvl1pPr>
-            <a:lvl2pPr marL="557213" indent="-171450" algn="l" defTabSz="685800" rtl="0" eaLnBrk="1" latinLnBrk="0" hangingPunct="1">
-              <a:lnSpc>
-                <a:spcPct val="90000"/>
-              </a:lnSpc>
-              <a:spcBef>
-                <a:spcPts val="300"/>
-              </a:spcBef>
-              <a:spcAft>
-                <a:spcPts val="300"/>
-              </a:spcAft>
-              <a:buClr>
-                <a:srgbClr val="9600FF"/>
-              </a:buClr>
-              <a:buFont typeface="Courier New" panose="02070309020205020404" pitchFamily="49" charset="0"/>
-              <a:buChar char="o"/>
-              <a:defRPr lang="en-US" sz="1350" b="0" kern="1200" baseline="0" dirty="0" smtClean="0">
-                <a:solidFill>
-                  <a:srgbClr val="1E2846"/>
-                </a:solidFill>
-                <a:latin typeface="Open Sans Light" panose="020B0306030504020204" pitchFamily="34" charset="0"/>
-                <a:ea typeface="Open Sans Light" panose="020B0306030504020204" pitchFamily="34" charset="0"/>
-                <a:cs typeface="Open Sans Light" panose="020B0306030504020204" pitchFamily="34" charset="0"/>
-              </a:defRPr>
-            </a:lvl2pPr>
-            <a:lvl3pPr marL="857250" indent="-171450" algn="l" defTabSz="685800" rtl="0" eaLnBrk="1" latinLnBrk="0" hangingPunct="1">
-              <a:lnSpc>
-                <a:spcPct val="90000"/>
-              </a:lnSpc>
-              <a:spcBef>
-                <a:spcPts val="300"/>
-              </a:spcBef>
-              <a:spcAft>
-                <a:spcPts val="300"/>
-              </a:spcAft>
-              <a:buClr>
-                <a:srgbClr val="9600FF"/>
-              </a:buClr>
-              <a:buFont typeface="Courier New" panose="02070309020205020404" pitchFamily="49" charset="0"/>
-              <a:buChar char="o"/>
-              <a:defRPr lang="en-US" sz="1350" b="0" kern="1200" baseline="0" dirty="0" smtClean="0">
-                <a:solidFill>
-                  <a:srgbClr val="1E2846"/>
-                </a:solidFill>
-                <a:latin typeface="Open Sans Light" panose="020B0306030504020204" pitchFamily="34" charset="0"/>
-                <a:ea typeface="Open Sans Light" panose="020B0306030504020204" pitchFamily="34" charset="0"/>
-                <a:cs typeface="Open Sans Light" panose="020B0306030504020204" pitchFamily="34" charset="0"/>
-              </a:defRPr>
-            </a:lvl3pPr>
-            <a:lvl4pPr marL="1200150" indent="-171450" algn="l" defTabSz="685800" rtl="0" eaLnBrk="1" latinLnBrk="0" hangingPunct="1">
-              <a:lnSpc>
-                <a:spcPct val="90000"/>
-              </a:lnSpc>
-              <a:spcBef>
-                <a:spcPts val="300"/>
-              </a:spcBef>
-              <a:spcAft>
-                <a:spcPts val="300"/>
-              </a:spcAft>
-              <a:buClr>
-                <a:srgbClr val="9600FF"/>
-              </a:buClr>
-              <a:buFont typeface="Courier New" panose="02070309020205020404" pitchFamily="49" charset="0"/>
-              <a:buChar char="o"/>
-              <a:defRPr lang="en-US" sz="1350" b="0" kern="1200" baseline="0" dirty="0" smtClean="0">
-                <a:solidFill>
-                  <a:srgbClr val="1E2846"/>
-                </a:solidFill>
-                <a:latin typeface="Open Sans Light" panose="020B0306030504020204" pitchFamily="34" charset="0"/>
-                <a:ea typeface="Open Sans Light" panose="020B0306030504020204" pitchFamily="34" charset="0"/>
-                <a:cs typeface="Open Sans Light" panose="020B0306030504020204" pitchFamily="34" charset="0"/>
-              </a:defRPr>
-            </a:lvl4pPr>
-            <a:lvl5pPr marL="1543050" indent="-171450" algn="l" defTabSz="685800" rtl="0" eaLnBrk="1" latinLnBrk="0" hangingPunct="1">
-              <a:lnSpc>
-                <a:spcPct val="90000"/>
-              </a:lnSpc>
-              <a:spcBef>
-                <a:spcPts val="300"/>
-              </a:spcBef>
-              <a:spcAft>
-                <a:spcPts val="300"/>
-              </a:spcAft>
-              <a:buClr>
-                <a:srgbClr val="9600FF"/>
-              </a:buClr>
-              <a:buFont typeface="Courier New" panose="02070309020205020404" pitchFamily="49" charset="0"/>
-              <a:buChar char="o"/>
-              <a:defRPr lang="en-US" sz="1350" b="0" kern="1200" baseline="0" dirty="0">
-                <a:solidFill>
-                  <a:srgbClr val="1E2846"/>
-                </a:solidFill>
-                <a:latin typeface="Open Sans Light" panose="020B0306030504020204" pitchFamily="34" charset="0"/>
-                <a:ea typeface="Open Sans Light" panose="020B0306030504020204" pitchFamily="34" charset="0"/>
-                <a:cs typeface="Open Sans Light" panose="020B0306030504020204" pitchFamily="34" charset="0"/>
-              </a:defRPr>
-            </a:lvl5pPr>
-            <a:lvl6pPr marL="1885950" indent="-171450" algn="l" defTabSz="342900" rtl="0" eaLnBrk="1" latinLnBrk="0" hangingPunct="1">
-              <a:spcBef>
-                <a:spcPct val="20000"/>
-              </a:spcBef>
-              <a:buFont typeface="Arial"/>
-              <a:buChar char="•"/>
-              <a:defRPr sz="1500" kern="1200">
-                <a:solidFill>
-                  <a:schemeClr val="tx1"/>
-                </a:solidFill>
-                <a:latin typeface="+mn-lt"/>
-                <a:ea typeface="+mn-ea"/>
-                <a:cs typeface="+mn-cs"/>
-              </a:defRPr>
-            </a:lvl6pPr>
-            <a:lvl7pPr marL="2228850" indent="-171450" algn="l" defTabSz="342900" rtl="0" eaLnBrk="1" latinLnBrk="0" hangingPunct="1">
-              <a:spcBef>
-                <a:spcPct val="20000"/>
-              </a:spcBef>
-              <a:buFont typeface="Arial"/>
-              <a:buChar char="•"/>
-              <a:defRPr sz="1500" kern="1200">
-                <a:solidFill>
-                  <a:schemeClr val="tx1"/>
-                </a:solidFill>
-                <a:latin typeface="+mn-lt"/>
-                <a:ea typeface="+mn-ea"/>
-                <a:cs typeface="+mn-cs"/>
-              </a:defRPr>
-            </a:lvl7pPr>
-            <a:lvl8pPr marL="2571750" indent="-171450" algn="l" defTabSz="342900" rtl="0" eaLnBrk="1" latinLnBrk="0" hangingPunct="1">
-              <a:spcBef>
-                <a:spcPct val="20000"/>
-              </a:spcBef>
-              <a:buFont typeface="Arial"/>
-              <a:buChar char="•"/>
-              <a:defRPr sz="1500" kern="1200">
-                <a:solidFill>
-                  <a:schemeClr val="tx1"/>
-                </a:solidFill>
-                <a:latin typeface="+mn-lt"/>
-                <a:ea typeface="+mn-ea"/>
-                <a:cs typeface="+mn-cs"/>
-              </a:defRPr>
-            </a:lvl8pPr>
-            <a:lvl9pPr marL="2914650" indent="-171450" algn="l" defTabSz="342900" rtl="0" eaLnBrk="1" latinLnBrk="0" hangingPunct="1">
-              <a:spcBef>
-                <a:spcPct val="20000"/>
-              </a:spcBef>
-              <a:buFont typeface="Arial"/>
-              <a:buChar char="•"/>
-              <a:defRPr sz="1500" kern="1200">
-                <a:solidFill>
-                  <a:schemeClr val="tx1"/>
-                </a:solidFill>
-                <a:latin typeface="+mn-lt"/>
-                <a:ea typeface="+mn-ea"/>
-                <a:cs typeface="+mn-cs"/>
-              </a:defRPr>
-            </a:lvl9pPr>
-          </a:lstStyle>
-          <a:p>
-            <a:pPr marL="114297" indent="0">
-              <a:buNone/>
-            </a:pPr>
-            <a:r>
-              <a:rPr lang="de-CH" sz="1800" dirty="0"/>
-              <a:t>martinberger_ch</a:t>
-            </a:r>
-          </a:p>
-          <a:p>
-            <a:endParaRPr lang="de-CH" sz="1800" dirty="0"/>
-          </a:p>
-        </p:txBody>
-      </p:sp>
-      <p:pic>
-        <p:nvPicPr>
-          <p:cNvPr id="2" name="Picture 1" descr="A black background with white text&#10;&#10;Description automatically generated with low confidence">
-            <a:extLst>
-              <a:ext uri="{FF2B5EF4-FFF2-40B4-BE49-F238E27FC236}">
-                <a16:creationId xmlns:a16="http://schemas.microsoft.com/office/drawing/2014/main" id="{05F5BD77-5E52-A75A-A95B-3CEB10FA463B}"/>
-              </a:ext>
-            </a:extLst>
-          </p:cNvPr>
-          <p:cNvPicPr>
-            <a:picLocks noChangeAspect="1"/>
-          </p:cNvPicPr>
-          <p:nvPr/>
-        </p:nvPicPr>
-        <p:blipFill>
-          <a:blip r:embed="rId6">
-            <a:extLst>
-              <a:ext uri="{28A0092B-C50C-407E-A947-70E740481C1C}">
-                <a14:useLocalDpi xmlns:a14="http://schemas.microsoft.com/office/drawing/2010/main" val="0"/>
-              </a:ext>
-            </a:extLst>
-          </a:blip>
-          <a:stretch>
-            <a:fillRect/>
-          </a:stretch>
-        </p:blipFill>
-        <p:spPr>
-          <a:xfrm>
-            <a:off x="7851089" y="453315"/>
-            <a:ext cx="2399080" cy="945092"/>
-          </a:xfrm>
-          <a:prstGeom prst="rect">
-            <a:avLst/>
-          </a:prstGeom>
-          <a:ln>
-            <a:noFill/>
-          </a:ln>
-          <a:effectLst>
-            <a:outerShdw blurRad="292100" dist="139700" dir="2700000" algn="tl" rotWithShape="0">
-              <a:srgbClr val="333333">
-                <a:alpha val="65000"/>
-              </a:srgbClr>
-            </a:outerShdw>
-          </a:effectLst>
-        </p:spPr>
-      </p:pic>
-    </p:spTree>
-    <p:extLst>
-      <p:ext uri="{BB962C8B-B14F-4D97-AF65-F5344CB8AC3E}">
-        <p14:creationId xmlns:p14="http://schemas.microsoft.com/office/powerpoint/2010/main" val="184408605"/>
-      </p:ext>
-    </p:extLst>
-  </p:cSld>
-  <p:clrMapOvr>
-    <a:masterClrMapping/>
-  </p:clrMapOvr>
-</p:sld>
-</file>
-
 <file path=ppt/slides/slide4.xml><?xml version="1.0" encoding="utf-8"?>
 <p:sld xmlns:a="http://schemas.openxmlformats.org/drawingml/2006/main" xmlns:r="http://schemas.openxmlformats.org/officeDocument/2006/relationships" xmlns:p="http://schemas.openxmlformats.org/presentationml/2006/main">
   <p:cSld>
@@ -9582,10 +8556,10 @@
       </p:grpSpPr>
       <p:sp>
         <p:nvSpPr>
-          <p:cNvPr id="4" name="Title 3">
+          <p:cNvPr id="9" name="Title 8">
             <a:extLst>
               <a:ext uri="{FF2B5EF4-FFF2-40B4-BE49-F238E27FC236}">
-                <a16:creationId xmlns:a16="http://schemas.microsoft.com/office/drawing/2014/main" id="{8657C18E-2B93-B7F5-00D1-9D71AEC6673B}"/>
+                <a16:creationId xmlns:a16="http://schemas.microsoft.com/office/drawing/2014/main" id="{1F043EC0-F3FA-7107-C15C-829A608E55DC}"/>
               </a:ext>
             </a:extLst>
           </p:cNvPr>
@@ -9602,18 +8576,18 @@
           <a:lstStyle/>
           <a:p>
             <a:r>
-              <a:rPr lang="de-CH" noProof="0" dirty="0"/>
-              <a:t>Agenda</a:t>
+              <a:rPr lang="de-CH" dirty="0"/>
+              <a:t>Danke schön</a:t>
             </a:r>
           </a:p>
         </p:txBody>
       </p:sp>
       <p:sp>
         <p:nvSpPr>
-          <p:cNvPr id="5" name="Text Placeholder 4">
+          <p:cNvPr id="10" name="Content Placeholder 9">
             <a:extLst>
               <a:ext uri="{FF2B5EF4-FFF2-40B4-BE49-F238E27FC236}">
-                <a16:creationId xmlns:a16="http://schemas.microsoft.com/office/drawing/2014/main" id="{BF5A39AC-A6C1-23C0-5C59-FA5A97F1396E}"/>
+                <a16:creationId xmlns:a16="http://schemas.microsoft.com/office/drawing/2014/main" id="{B3F44047-D1D4-A54B-F9E8-8EC26674E939}"/>
               </a:ext>
             </a:extLst>
           </p:cNvPr>
@@ -9621,7 +8595,7 @@
             <a:spLocks noGrp="1"/>
           </p:cNvSpPr>
           <p:nvPr>
-            <p:ph type="body" sz="quarter" idx="10"/>
+            <p:ph sz="quarter" idx="10"/>
           </p:nvPr>
         </p:nvSpPr>
         <p:spPr/>
@@ -9629,35 +8603,124 @@
           <a:bodyPr/>
           <a:lstStyle/>
           <a:p>
-            <a:r>
-              <a:rPr lang="de-CH" noProof="0" dirty="0"/>
-              <a:t>Einleitung</a:t>
-            </a:r>
-          </a:p>
-          <a:p>
-            <a:r>
-              <a:rPr lang="de-CH" noProof="0" dirty="0"/>
-              <a:t>OCI Walkthrough</a:t>
-            </a:r>
-          </a:p>
-          <a:p>
-            <a:r>
-              <a:rPr lang="de-CH" noProof="0" dirty="0"/>
-              <a:t>Terraform Kickstart</a:t>
-            </a:r>
-          </a:p>
-          <a:p>
-            <a:r>
-              <a:rPr lang="de-CH" noProof="0" dirty="0"/>
-              <a:t>Fazit</a:t>
+            <a:pPr algn="ctr"/>
+            <a:r>
+              <a:rPr lang="de-CH" sz="3200" b="1" dirty="0"/>
+              <a:t>Jernej Kase </a:t>
+            </a:r>
+            <a:r>
+              <a:rPr lang="de-CH" sz="3200" dirty="0"/>
+              <a:t>von/und </a:t>
+            </a:r>
+            <a:r>
+              <a:rPr lang="de-CH" sz="3200" b="1" dirty="0"/>
+              <a:t>Oracle EMEA </a:t>
+            </a:r>
+            <a:r>
+              <a:rPr lang="de-CH" sz="3200" dirty="0"/>
+              <a:t>für das Bereitstellen der Schulungsumgebungen in der Oracle Cloud – merci </a:t>
+            </a:r>
+            <a:r>
+              <a:rPr lang="de-CH" sz="3200" dirty="0" err="1"/>
+              <a:t>vöumou</a:t>
+            </a:r>
+            <a:r>
+              <a:rPr lang="de-CH" sz="3200" dirty="0"/>
+              <a:t>!***</a:t>
             </a:r>
           </a:p>
         </p:txBody>
       </p:sp>
+      <p:sp>
+        <p:nvSpPr>
+          <p:cNvPr id="11" name="TextBox 10">
+            <a:extLst>
+              <a:ext uri="{FF2B5EF4-FFF2-40B4-BE49-F238E27FC236}">
+                <a16:creationId xmlns:a16="http://schemas.microsoft.com/office/drawing/2014/main" id="{C52E36CC-F7DC-CDBA-62BD-84663661BD60}"/>
+              </a:ext>
+            </a:extLst>
+          </p:cNvPr>
+          <p:cNvSpPr txBox="1"/>
+          <p:nvPr/>
+        </p:nvSpPr>
+        <p:spPr>
+          <a:xfrm>
+            <a:off x="3601453" y="5574632"/>
+            <a:ext cx="5198539" cy="215444"/>
+          </a:xfrm>
+          <a:prstGeom prst="rect">
+            <a:avLst/>
+          </a:prstGeom>
+          <a:noFill/>
+        </p:spPr>
+        <p:txBody>
+          <a:bodyPr wrap="none" lIns="0" tIns="0" rIns="0" bIns="0" rtlCol="0">
+            <a:spAutoFit/>
+          </a:bodyPr>
+          <a:lstStyle/>
+          <a:p>
+            <a:r>
+              <a:rPr lang="de-CH" sz="1400" dirty="0">
+                <a:latin typeface="Arial" charset="0"/>
+                <a:ea typeface="Arial" charset="0"/>
+                <a:cs typeface="Arial" charset="0"/>
+              </a:rPr>
+              <a:t>*** das ist Schweizerdeutsch und heisst übersetzt: Danke vielmals</a:t>
+            </a:r>
+          </a:p>
+        </p:txBody>
+      </p:sp>
+      <p:pic>
+        <p:nvPicPr>
+          <p:cNvPr id="1026" name="Picture 2" descr="DANKE!!! – FC Räterschen">
+            <a:extLst>
+              <a:ext uri="{FF2B5EF4-FFF2-40B4-BE49-F238E27FC236}">
+                <a16:creationId xmlns:a16="http://schemas.microsoft.com/office/drawing/2014/main" id="{31E7672B-71A2-D73D-8F72-F25C079D64A9}"/>
+              </a:ext>
+            </a:extLst>
+          </p:cNvPr>
+          <p:cNvPicPr>
+            <a:picLocks noChangeAspect="1" noChangeArrowheads="1"/>
+          </p:cNvPicPr>
+          <p:nvPr/>
+        </p:nvPicPr>
+        <p:blipFill>
+          <a:blip r:embed="rId2">
+            <a:extLst>
+              <a:ext uri="{28A0092B-C50C-407E-A947-70E740481C1C}">
+                <a14:useLocalDpi xmlns:a14="http://schemas.microsoft.com/office/drawing/2010/main" val="0"/>
+              </a:ext>
+            </a:extLst>
+          </a:blip>
+          <a:srcRect/>
+          <a:stretch>
+            <a:fillRect/>
+          </a:stretch>
+        </p:blipFill>
+        <p:spPr bwMode="auto">
+          <a:xfrm>
+            <a:off x="3601453" y="3533962"/>
+            <a:ext cx="4308080" cy="2040670"/>
+          </a:xfrm>
+          <a:prstGeom prst="rect">
+            <a:avLst/>
+          </a:prstGeom>
+          <a:noFill/>
+          <a:extLst>
+            <a:ext uri="{909E8E84-426E-40DD-AFC4-6F175D3DCCD1}">
+              <a14:hiddenFill xmlns:a14="http://schemas.microsoft.com/office/drawing/2010/main">
+                <a:solidFill>
+                  <a:srgbClr val="FFFFFF"/>
+                </a:solidFill>
+              </a14:hiddenFill>
+            </a:ext>
+          </a:extLst>
+        </p:spPr>
+      </p:pic>
     </p:spTree>
     <p:extLst>
       <p:ext uri="{BB962C8B-B14F-4D97-AF65-F5344CB8AC3E}">
-        <p14:creationId xmlns:p14="http://schemas.microsoft.com/office/powerpoint/2010/main" val="2728297602"/>
+        <p14:creationId xmlns:p14="http://schemas.microsoft.com/office/powerpoint/2010/main" val="981076338"/>
       </p:ext>
     </p:extLst>
   </p:cSld>
@@ -9689,7 +8752,7 @@
           <p:cNvPr id="4" name="Title 3">
             <a:extLst>
               <a:ext uri="{FF2B5EF4-FFF2-40B4-BE49-F238E27FC236}">
-                <a16:creationId xmlns:a16="http://schemas.microsoft.com/office/drawing/2014/main" id="{019CAAA3-5B54-6D66-4419-71B6B3F3F38B}"/>
+                <a16:creationId xmlns:a16="http://schemas.microsoft.com/office/drawing/2014/main" id="{8657C18E-2B93-B7F5-00D1-9D71AEC6673B}"/>
               </a:ext>
             </a:extLst>
           </p:cNvPr>
@@ -9707,18 +8770,17 @@
           <a:p>
             <a:r>
               <a:rPr lang="de-CH" noProof="0" dirty="0"/>
-              <a:t>Kurszeiten</a:t>
-            </a:r>
-            <a:endParaRPr lang="en-CH" dirty="0"/>
+              <a:t>Agenda</a:t>
+            </a:r>
           </a:p>
         </p:txBody>
       </p:sp>
       <p:sp>
         <p:nvSpPr>
-          <p:cNvPr id="5" name="Content Placeholder 4">
+          <p:cNvPr id="5" name="Text Placeholder 4">
             <a:extLst>
               <a:ext uri="{FF2B5EF4-FFF2-40B4-BE49-F238E27FC236}">
-                <a16:creationId xmlns:a16="http://schemas.microsoft.com/office/drawing/2014/main" id="{BF42DB99-EEC3-180D-E6F4-3CA30F711A77}"/>
+                <a16:creationId xmlns:a16="http://schemas.microsoft.com/office/drawing/2014/main" id="{BF5A39AC-A6C1-23C0-5C59-FA5A97F1396E}"/>
               </a:ext>
             </a:extLst>
           </p:cNvPr>
@@ -9726,7 +8788,7 @@
             <a:spLocks noGrp="1"/>
           </p:cNvSpPr>
           <p:nvPr>
-            <p:ph sz="quarter" idx="10"/>
+            <p:ph type="body" sz="quarter" idx="10"/>
           </p:nvPr>
         </p:nvSpPr>
         <p:spPr/>
@@ -9734,169 +8796,35 @@
           <a:bodyPr/>
           <a:lstStyle/>
           <a:p>
-            <a:pPr marL="342900" indent="-342900">
-              <a:buFont typeface="Wingdings" pitchFamily="2" charset="2"/>
-              <a:buChar char="§"/>
-            </a:pPr>
-            <a:r>
-              <a:rPr lang="de-CH" b="1" noProof="0" dirty="0"/>
-              <a:t>09:00 </a:t>
-            </a:r>
             <a:r>
               <a:rPr lang="de-CH" noProof="0" dirty="0"/>
-              <a:t>		Intro und Organisation</a:t>
-            </a:r>
-          </a:p>
-          <a:p>
-            <a:pPr marL="342900" indent="-342900">
-              <a:buFont typeface="Wingdings" pitchFamily="2" charset="2"/>
-              <a:buChar char="§"/>
-            </a:pPr>
-            <a:r>
-              <a:rPr lang="de-CH" b="1" noProof="0" dirty="0"/>
-              <a:t>09:15 </a:t>
-            </a:r>
+              <a:t>Einleitung</a:t>
+            </a:r>
+          </a:p>
+          <a:p>
             <a:r>
               <a:rPr lang="de-CH" noProof="0" dirty="0"/>
-              <a:t>		Architekturübersicht</a:t>
-            </a:r>
-          </a:p>
-          <a:p>
-            <a:pPr marL="342900" indent="-342900">
-              <a:buFont typeface="Wingdings" pitchFamily="2" charset="2"/>
-              <a:buChar char="§"/>
-            </a:pPr>
-            <a:r>
-              <a:rPr lang="de-CH" b="1" noProof="0" dirty="0"/>
-              <a:t>10:00</a:t>
-            </a:r>
+              <a:t>OCI Walkthrough</a:t>
+            </a:r>
+          </a:p>
+          <a:p>
             <a:r>
               <a:rPr lang="de-CH" noProof="0" dirty="0"/>
-              <a:t>		VCN / </a:t>
-            </a:r>
-            <a:r>
-              <a:rPr lang="de-CH" noProof="0" dirty="0" err="1"/>
-              <a:t>Compute</a:t>
-            </a:r>
+              <a:t>Terraform Kickstart</a:t>
+            </a:r>
+          </a:p>
+          <a:p>
             <a:r>
               <a:rPr lang="de-CH" noProof="0" dirty="0"/>
-              <a:t> Service / Load Balancer</a:t>
-            </a:r>
-          </a:p>
-          <a:p>
-            <a:pPr marL="342900" indent="-342900">
-              <a:buFont typeface="Wingdings" pitchFamily="2" charset="2"/>
-              <a:buChar char="§"/>
-            </a:pPr>
-            <a:r>
-              <a:rPr lang="de-CH" b="1" noProof="0" dirty="0"/>
-              <a:t>10:50 		</a:t>
-            </a:r>
-            <a:r>
-              <a:rPr lang="de-CH" noProof="0" dirty="0"/>
-              <a:t>Database </a:t>
-            </a:r>
-            <a:r>
-              <a:rPr lang="de-CH" noProof="0" dirty="0" err="1"/>
-              <a:t>as</a:t>
-            </a:r>
-            <a:r>
-              <a:rPr lang="de-CH" noProof="0" dirty="0"/>
-              <a:t> a Service / ADB vs. DBCS</a:t>
-            </a:r>
-          </a:p>
-          <a:p>
-            <a:pPr marL="342900" indent="-342900">
-              <a:buFont typeface="Wingdings" pitchFamily="2" charset="2"/>
-              <a:buChar char="§"/>
-            </a:pPr>
-            <a:r>
-              <a:rPr lang="de-CH" b="1" noProof="0" dirty="0"/>
-              <a:t>12:00 – 13:00 	Mittagspause</a:t>
-            </a:r>
-          </a:p>
-          <a:p>
-            <a:pPr marL="342900" indent="-342900">
-              <a:buFont typeface="Wingdings" pitchFamily="2" charset="2"/>
-              <a:buChar char="§"/>
-            </a:pPr>
-            <a:r>
-              <a:rPr lang="de-CH" b="1" noProof="0" dirty="0"/>
-              <a:t>13:00 </a:t>
-            </a:r>
-            <a:r>
-              <a:rPr lang="de-CH" noProof="0" dirty="0"/>
-              <a:t>		Quickstart Terraform / </a:t>
-            </a:r>
-            <a:r>
-              <a:rPr lang="de-CH" noProof="0" dirty="0" err="1"/>
-              <a:t>IaC</a:t>
-            </a:r>
-            <a:endParaRPr lang="de-CH" noProof="0" dirty="0"/>
-          </a:p>
-          <a:p>
-            <a:pPr marL="342900" indent="-342900">
-              <a:buFont typeface="Wingdings" pitchFamily="2" charset="2"/>
-              <a:buChar char="§"/>
-            </a:pPr>
-            <a:r>
-              <a:rPr lang="de-CH" b="1" noProof="0" dirty="0"/>
-              <a:t>13:20</a:t>
-            </a:r>
-            <a:r>
-              <a:rPr lang="de-CH" noProof="0" dirty="0"/>
-              <a:t>		VCN / </a:t>
-            </a:r>
-            <a:r>
-              <a:rPr lang="de-CH" noProof="0" dirty="0" err="1"/>
-              <a:t>Compute</a:t>
-            </a:r>
-            <a:r>
-              <a:rPr lang="de-CH" noProof="0" dirty="0"/>
-              <a:t> Service / DBCS</a:t>
-            </a:r>
-          </a:p>
-          <a:p>
-            <a:pPr marL="342900" indent="-342900">
-              <a:buFont typeface="Wingdings" pitchFamily="2" charset="2"/>
-              <a:buChar char="§"/>
-            </a:pPr>
-            <a:r>
-              <a:rPr lang="de-CH" b="1" noProof="0" dirty="0"/>
-              <a:t>14:30 – 15:00 	Kaffeepause</a:t>
-            </a:r>
-          </a:p>
-          <a:p>
-            <a:pPr marL="342900" indent="-342900">
-              <a:buFont typeface="Wingdings" pitchFamily="2" charset="2"/>
-              <a:buChar char="§"/>
-            </a:pPr>
-            <a:r>
-              <a:rPr lang="de-CH" b="1" noProof="0" dirty="0"/>
-              <a:t>15:00</a:t>
-            </a:r>
-            <a:r>
-              <a:rPr lang="de-CH" noProof="0" dirty="0"/>
-              <a:t>		ADB / Module / OCI Stacks</a:t>
-            </a:r>
-          </a:p>
-          <a:p>
-            <a:pPr marL="342900" indent="-342900">
-              <a:buFont typeface="Wingdings" pitchFamily="2" charset="2"/>
-              <a:buChar char="§"/>
-            </a:pPr>
-            <a:r>
-              <a:rPr lang="de-CH" b="1" noProof="0" dirty="0"/>
-              <a:t>16:00 – 16:30	Feedback / Fragen / Kursabschluss</a:t>
-            </a:r>
-            <a:endParaRPr lang="en-CH" b="1" dirty="0"/>
+              <a:t>Fazit</a:t>
+            </a:r>
           </a:p>
         </p:txBody>
       </p:sp>
     </p:spTree>
     <p:extLst>
       <p:ext uri="{BB962C8B-B14F-4D97-AF65-F5344CB8AC3E}">
-        <p14:creationId xmlns:p14="http://schemas.microsoft.com/office/powerpoint/2010/main" val="2524752255"/>
+        <p14:creationId xmlns:p14="http://schemas.microsoft.com/office/powerpoint/2010/main" val="2728297602"/>
       </p:ext>
     </p:extLst>
   </p:cSld>
@@ -9925,10 +8853,10 @@
       </p:grpSpPr>
       <p:sp>
         <p:nvSpPr>
-          <p:cNvPr id="2" name="Title 1">
+          <p:cNvPr id="4" name="Title 3">
             <a:extLst>
               <a:ext uri="{FF2B5EF4-FFF2-40B4-BE49-F238E27FC236}">
-                <a16:creationId xmlns:a16="http://schemas.microsoft.com/office/drawing/2014/main" id="{D7CF482C-EBF1-2EDB-58D7-8D00E9887059}"/>
+                <a16:creationId xmlns:a16="http://schemas.microsoft.com/office/drawing/2014/main" id="{019CAAA3-5B54-6D66-4419-71B6B3F3F38B}"/>
               </a:ext>
             </a:extLst>
           </p:cNvPr>
@@ -9945,18 +8873,19 @@
           <a:lstStyle/>
           <a:p>
             <a:r>
-              <a:rPr lang="en-CH" dirty="0"/>
-              <a:t>Workshop Zugriff</a:t>
-            </a:r>
+              <a:rPr lang="de-CH" noProof="0" dirty="0"/>
+              <a:t>Kurszeiten</a:t>
+            </a:r>
+            <a:endParaRPr lang="en-CH" dirty="0"/>
           </a:p>
         </p:txBody>
       </p:sp>
       <p:sp>
         <p:nvSpPr>
-          <p:cNvPr id="3" name="Content Placeholder 2">
+          <p:cNvPr id="5" name="Content Placeholder 4">
             <a:extLst>
               <a:ext uri="{FF2B5EF4-FFF2-40B4-BE49-F238E27FC236}">
-                <a16:creationId xmlns:a16="http://schemas.microsoft.com/office/drawing/2014/main" id="{F6791B4D-1F78-6FC6-CF5B-7AB8E5FF7563}"/>
+                <a16:creationId xmlns:a16="http://schemas.microsoft.com/office/drawing/2014/main" id="{BF42DB99-EEC3-180D-E6F4-3CA30F711A77}"/>
               </a:ext>
             </a:extLst>
           </p:cNvPr>
@@ -9972,27 +8901,18 @@
           <a:bodyPr/>
           <a:lstStyle/>
           <a:p>
-            <a:r>
-              <a:rPr lang="en-CH" dirty="0"/>
-              <a:t>Die Kursunterlagen und Übungen werden via GitHub Repository / Webseite bereit gestellt:</a:t>
-            </a:r>
-          </a:p>
-          <a:p>
             <a:pPr marL="342900" indent="-342900">
               <a:buFont typeface="Wingdings" pitchFamily="2" charset="2"/>
               <a:buChar char="§"/>
             </a:pPr>
             <a:r>
-              <a:rPr lang="en-CH" dirty="0"/>
-              <a:t>OCI Walkthrough </a:t>
-            </a:r>
-            <a:r>
-              <a:rPr lang="en-GB" dirty="0">
-                <a:hlinkClick r:id="rId2"/>
-              </a:rPr>
-              <a:t>http://code.oradba.ch/doag2022</a:t>
-            </a:r>
-            <a:endParaRPr lang="en-CH" dirty="0"/>
+              <a:rPr lang="de-CH" b="1" noProof="0" dirty="0"/>
+              <a:t>09:00 </a:t>
+            </a:r>
+            <a:r>
+              <a:rPr lang="de-CH" noProof="0" dirty="0"/>
+              <a:t>		Intro und Organisation</a:t>
+            </a:r>
           </a:p>
           <a:p>
             <a:pPr marL="342900" indent="-342900">
@@ -10000,165 +8920,150 @@
               <a:buChar char="§"/>
             </a:pPr>
             <a:r>
-              <a:rPr lang="en-CH" dirty="0"/>
-              <a:t>PDF und Kursunterlagen </a:t>
-            </a:r>
-            <a:r>
-              <a:rPr lang="en-GB" dirty="0">
-                <a:hlinkClick r:id="rId3"/>
-              </a:rPr>
-              <a:t>http://code.oradba.ch/doag2022/others</a:t>
-            </a:r>
-            <a:endParaRPr lang="en-GB" dirty="0"/>
-          </a:p>
-          <a:p>
-            <a:endParaRPr lang="en-GB" dirty="0"/>
-          </a:p>
-          <a:p>
-            <a:r>
-              <a:rPr lang="de-CH" dirty="0"/>
-              <a:t>Für den Workshop Teil erhält jeder Teilnehmer Zugriff auf die Oracle Cloud. Oracle stellt uns eine Umgebung samt Ressourcen für den Schulungstag zur Verfügung</a:t>
+              <a:rPr lang="de-CH" b="1" noProof="0" dirty="0"/>
+              <a:t>09:15 </a:t>
+            </a:r>
+            <a:r>
+              <a:rPr lang="de-CH" noProof="0" dirty="0"/>
+              <a:t>		Architekturübersicht</a:t>
             </a:r>
           </a:p>
           <a:p>
             <a:pPr marL="342900" indent="-342900">
-              <a:spcBef>
-                <a:spcPts val="0"/>
-              </a:spcBef>
-              <a:spcAft>
-                <a:spcPts val="300"/>
-              </a:spcAft>
               <a:buFont typeface="Wingdings" pitchFamily="2" charset="2"/>
               <a:buChar char="§"/>
             </a:pPr>
             <a:r>
-              <a:rPr lang="en-GB" b="1" dirty="0"/>
-              <a:t>URL: 		</a:t>
-            </a:r>
-            <a:r>
-              <a:rPr lang="en-GB" dirty="0">
-                <a:hlinkClick r:id="rId4"/>
-              </a:rPr>
-              <a:t>http://cloud.oracle.com</a:t>
-            </a:r>
-            <a:endParaRPr lang="en-GB" dirty="0"/>
+              <a:rPr lang="de-CH" b="1" noProof="0" dirty="0"/>
+              <a:t>10:00</a:t>
+            </a:r>
+            <a:r>
+              <a:rPr lang="de-CH" noProof="0" dirty="0"/>
+              <a:t>		VCN / </a:t>
+            </a:r>
+            <a:r>
+              <a:rPr lang="de-CH" noProof="0" dirty="0" err="1"/>
+              <a:t>Compute</a:t>
+            </a:r>
+            <a:r>
+              <a:rPr lang="de-CH" noProof="0" dirty="0"/>
+              <a:t> Service / Load Balancer</a:t>
+            </a:r>
           </a:p>
           <a:p>
             <a:pPr marL="342900" indent="-342900">
-              <a:spcBef>
-                <a:spcPts val="0"/>
-              </a:spcBef>
-              <a:spcAft>
-                <a:spcPts val="300"/>
-              </a:spcAft>
               <a:buFont typeface="Wingdings" pitchFamily="2" charset="2"/>
               <a:buChar char="§"/>
             </a:pPr>
             <a:r>
-              <a:rPr lang="en-GB" b="1" dirty="0"/>
-              <a:t>Tenant</a:t>
-            </a:r>
-            <a:r>
-              <a:rPr lang="en-GB" dirty="0"/>
-              <a:t>: 		</a:t>
-            </a:r>
-            <a:r>
-              <a:rPr lang="en-GB" dirty="0" err="1"/>
-              <a:t>gemäss</a:t>
-            </a:r>
-            <a:r>
-              <a:rPr lang="en-GB" dirty="0"/>
-              <a:t> Referent</a:t>
+              <a:rPr lang="de-CH" b="1" noProof="0" dirty="0"/>
+              <a:t>10:50 		</a:t>
+            </a:r>
+            <a:r>
+              <a:rPr lang="de-CH" noProof="0" dirty="0"/>
+              <a:t>Database </a:t>
+            </a:r>
+            <a:r>
+              <a:rPr lang="de-CH" noProof="0" dirty="0" err="1"/>
+              <a:t>as</a:t>
+            </a:r>
+            <a:r>
+              <a:rPr lang="de-CH" noProof="0" dirty="0"/>
+              <a:t> a Service / ADB vs. DBCS</a:t>
             </a:r>
           </a:p>
           <a:p>
             <a:pPr marL="342900" indent="-342900">
-              <a:spcBef>
-                <a:spcPts val="0"/>
-              </a:spcBef>
-              <a:spcAft>
-                <a:spcPts val="300"/>
-              </a:spcAft>
               <a:buFont typeface="Wingdings" pitchFamily="2" charset="2"/>
               <a:buChar char="§"/>
             </a:pPr>
             <a:r>
-              <a:rPr lang="en-GB" b="1" dirty="0" err="1"/>
-              <a:t>Benutzer</a:t>
-            </a:r>
-            <a:r>
-              <a:rPr lang="en-GB" b="1" dirty="0"/>
-              <a:t>: 		</a:t>
-            </a:r>
-            <a:r>
-              <a:rPr lang="en-GB" dirty="0"/>
-              <a:t>DOAGOCI</a:t>
-            </a:r>
-            <a:r>
-              <a:rPr lang="en-GB" b="1" i="1" dirty="0"/>
-              <a:t>NN</a:t>
-            </a:r>
-            <a:endParaRPr lang="en-GB" dirty="0"/>
+              <a:rPr lang="de-CH" b="1" noProof="0" dirty="0"/>
+              <a:t>12:00 – 13:00 	Mittagspause</a:t>
+            </a:r>
           </a:p>
           <a:p>
             <a:pPr marL="342900" indent="-342900">
-              <a:spcBef>
-                <a:spcPts val="0"/>
-              </a:spcBef>
-              <a:spcAft>
-                <a:spcPts val="300"/>
-              </a:spcAft>
               <a:buFont typeface="Wingdings" pitchFamily="2" charset="2"/>
               <a:buChar char="§"/>
             </a:pPr>
             <a:r>
-              <a:rPr lang="en-GB" b="1" dirty="0" err="1"/>
-              <a:t>Passwort</a:t>
-            </a:r>
-            <a:r>
-              <a:rPr lang="en-GB" b="1" dirty="0"/>
-              <a:t>: 		</a:t>
-            </a:r>
-            <a:r>
-              <a:rPr lang="en-GB" dirty="0" err="1"/>
-              <a:t>gemäss</a:t>
-            </a:r>
-            <a:r>
-              <a:rPr lang="en-GB" dirty="0"/>
-              <a:t> Referent</a:t>
-            </a:r>
+              <a:rPr lang="de-CH" b="1" noProof="0" dirty="0"/>
+              <a:t>13:00 </a:t>
+            </a:r>
+            <a:r>
+              <a:rPr lang="de-CH" noProof="0" dirty="0"/>
+              <a:t>		Quickstart Terraform / </a:t>
+            </a:r>
+            <a:r>
+              <a:rPr lang="de-CH" noProof="0" dirty="0" err="1"/>
+              <a:t>IaC</a:t>
+            </a:r>
+            <a:endParaRPr lang="de-CH" noProof="0" dirty="0"/>
           </a:p>
           <a:p>
             <a:pPr marL="342900" indent="-342900">
-              <a:spcBef>
-                <a:spcPts val="0"/>
-              </a:spcBef>
-              <a:spcAft>
-                <a:spcPts val="300"/>
-              </a:spcAft>
               <a:buFont typeface="Wingdings" pitchFamily="2" charset="2"/>
               <a:buChar char="§"/>
             </a:pPr>
             <a:r>
-              <a:rPr lang="en-GB" b="1" dirty="0"/>
-              <a:t>Compartment:	</a:t>
-            </a:r>
-            <a:r>
-              <a:rPr lang="en-GB" dirty="0" err="1"/>
-              <a:t>Student</a:t>
-            </a:r>
-            <a:r>
-              <a:rPr lang="en-GB" b="1" i="1" dirty="0" err="1"/>
-              <a:t>NN</a:t>
-            </a:r>
-            <a:endParaRPr lang="en-CH" b="1" i="1" dirty="0"/>
+              <a:rPr lang="de-CH" b="1" noProof="0" dirty="0"/>
+              <a:t>13:20</a:t>
+            </a:r>
+            <a:r>
+              <a:rPr lang="de-CH" noProof="0" dirty="0"/>
+              <a:t>		VCN / </a:t>
+            </a:r>
+            <a:r>
+              <a:rPr lang="de-CH" noProof="0" dirty="0" err="1"/>
+              <a:t>Compute</a:t>
+            </a:r>
+            <a:r>
+              <a:rPr lang="de-CH" noProof="0" dirty="0"/>
+              <a:t> Service / DBCS</a:t>
+            </a:r>
+          </a:p>
+          <a:p>
+            <a:pPr marL="342900" indent="-342900">
+              <a:buFont typeface="Wingdings" pitchFamily="2" charset="2"/>
+              <a:buChar char="§"/>
+            </a:pPr>
+            <a:r>
+              <a:rPr lang="de-CH" b="1" noProof="0" dirty="0"/>
+              <a:t>14:30 – 15:00 	Kaffeepause</a:t>
+            </a:r>
+          </a:p>
+          <a:p>
+            <a:pPr marL="342900" indent="-342900">
+              <a:buFont typeface="Wingdings" pitchFamily="2" charset="2"/>
+              <a:buChar char="§"/>
+            </a:pPr>
+            <a:r>
+              <a:rPr lang="de-CH" b="1" noProof="0" dirty="0"/>
+              <a:t>15:00</a:t>
+            </a:r>
+            <a:r>
+              <a:rPr lang="de-CH" noProof="0" dirty="0"/>
+              <a:t>		ADB / Module / OCI Stacks</a:t>
+            </a:r>
+          </a:p>
+          <a:p>
+            <a:pPr marL="342900" indent="-342900">
+              <a:buFont typeface="Wingdings" pitchFamily="2" charset="2"/>
+              <a:buChar char="§"/>
+            </a:pPr>
+            <a:r>
+              <a:rPr lang="de-CH" b="1" noProof="0" dirty="0"/>
+              <a:t>16:00 – 16:30	Feedback / Fragen / Kursabschluss</a:t>
+            </a:r>
+            <a:endParaRPr lang="en-CH" b="1" dirty="0"/>
           </a:p>
         </p:txBody>
       </p:sp>
     </p:spTree>
     <p:extLst>
       <p:ext uri="{BB962C8B-B14F-4D97-AF65-F5344CB8AC3E}">
-        <p14:creationId xmlns:p14="http://schemas.microsoft.com/office/powerpoint/2010/main" val="1252676395"/>
+        <p14:creationId xmlns:p14="http://schemas.microsoft.com/office/powerpoint/2010/main" val="2524752255"/>
       </p:ext>
     </p:extLst>
   </p:cSld>
@@ -10190,7 +9095,7 @@
           <p:cNvPr id="2" name="Title 1">
             <a:extLst>
               <a:ext uri="{FF2B5EF4-FFF2-40B4-BE49-F238E27FC236}">
-                <a16:creationId xmlns:a16="http://schemas.microsoft.com/office/drawing/2014/main" id="{CAD9CA60-0114-FF3A-8C5F-7ED2C6B133DE}"/>
+                <a16:creationId xmlns:a16="http://schemas.microsoft.com/office/drawing/2014/main" id="{D7CF482C-EBF1-2EDB-58D7-8D00E9887059}"/>
               </a:ext>
             </a:extLst>
           </p:cNvPr>
@@ -10208,6 +9113,268 @@
           <a:p>
             <a:r>
               <a:rPr lang="en-CH" dirty="0"/>
+              <a:t>Workshop Zugriff</a:t>
+            </a:r>
+          </a:p>
+        </p:txBody>
+      </p:sp>
+      <p:sp>
+        <p:nvSpPr>
+          <p:cNvPr id="3" name="Content Placeholder 2">
+            <a:extLst>
+              <a:ext uri="{FF2B5EF4-FFF2-40B4-BE49-F238E27FC236}">
+                <a16:creationId xmlns:a16="http://schemas.microsoft.com/office/drawing/2014/main" id="{F6791B4D-1F78-6FC6-CF5B-7AB8E5FF7563}"/>
+              </a:ext>
+            </a:extLst>
+          </p:cNvPr>
+          <p:cNvSpPr>
+            <a:spLocks noGrp="1"/>
+          </p:cNvSpPr>
+          <p:nvPr>
+            <p:ph sz="quarter" idx="10"/>
+          </p:nvPr>
+        </p:nvSpPr>
+        <p:spPr/>
+        <p:txBody>
+          <a:bodyPr/>
+          <a:lstStyle/>
+          <a:p>
+            <a:r>
+              <a:rPr lang="en-CH" dirty="0"/>
+              <a:t>Die Kursunterlagen und Übungen werden via GitHub Repository / Webseite bereit gestellt:</a:t>
+            </a:r>
+          </a:p>
+          <a:p>
+            <a:pPr marL="342900" indent="-342900">
+              <a:buFont typeface="Wingdings" pitchFamily="2" charset="2"/>
+              <a:buChar char="§"/>
+            </a:pPr>
+            <a:r>
+              <a:rPr lang="en-CH" dirty="0"/>
+              <a:t>OCI Walkthrough </a:t>
+            </a:r>
+            <a:r>
+              <a:rPr lang="en-GB" dirty="0">
+                <a:hlinkClick r:id="rId2"/>
+              </a:rPr>
+              <a:t>http://code.oradba.ch/doag2022</a:t>
+            </a:r>
+            <a:endParaRPr lang="en-CH" dirty="0"/>
+          </a:p>
+          <a:p>
+            <a:pPr marL="342900" indent="-342900">
+              <a:buFont typeface="Wingdings" pitchFamily="2" charset="2"/>
+              <a:buChar char="§"/>
+            </a:pPr>
+            <a:r>
+              <a:rPr lang="en-CH" dirty="0"/>
+              <a:t>PDF und Kursunterlagen </a:t>
+            </a:r>
+            <a:r>
+              <a:rPr lang="en-GB" dirty="0">
+                <a:hlinkClick r:id="rId3"/>
+              </a:rPr>
+              <a:t>http://code.oradba.ch/doag2022/others</a:t>
+            </a:r>
+            <a:endParaRPr lang="en-GB" dirty="0"/>
+          </a:p>
+          <a:p>
+            <a:endParaRPr lang="en-GB" dirty="0"/>
+          </a:p>
+          <a:p>
+            <a:r>
+              <a:rPr lang="de-CH" dirty="0"/>
+              <a:t>Für den Workshop Teil erhält jeder Teilnehmer Zugriff auf die Oracle Cloud. Oracle stellt uns eine Umgebung samt Ressourcen für den Schulungstag zur Verfügung</a:t>
+            </a:r>
+          </a:p>
+          <a:p>
+            <a:pPr marL="342900" indent="-342900">
+              <a:spcBef>
+                <a:spcPts val="0"/>
+              </a:spcBef>
+              <a:spcAft>
+                <a:spcPts val="300"/>
+              </a:spcAft>
+              <a:buFont typeface="Wingdings" pitchFamily="2" charset="2"/>
+              <a:buChar char="§"/>
+            </a:pPr>
+            <a:r>
+              <a:rPr lang="en-GB" b="1" dirty="0"/>
+              <a:t>URL: 		</a:t>
+            </a:r>
+            <a:r>
+              <a:rPr lang="en-GB" dirty="0">
+                <a:hlinkClick r:id="rId4"/>
+              </a:rPr>
+              <a:t>http://cloud.oracle.com</a:t>
+            </a:r>
+            <a:endParaRPr lang="en-GB" dirty="0"/>
+          </a:p>
+          <a:p>
+            <a:pPr marL="342900" indent="-342900">
+              <a:spcBef>
+                <a:spcPts val="0"/>
+              </a:spcBef>
+              <a:spcAft>
+                <a:spcPts val="300"/>
+              </a:spcAft>
+              <a:buFont typeface="Wingdings" pitchFamily="2" charset="2"/>
+              <a:buChar char="§"/>
+            </a:pPr>
+            <a:r>
+              <a:rPr lang="en-GB" b="1" dirty="0"/>
+              <a:t>Tenant</a:t>
+            </a:r>
+            <a:r>
+              <a:rPr lang="en-GB" dirty="0"/>
+              <a:t>: 		</a:t>
+            </a:r>
+            <a:r>
+              <a:rPr lang="en-GB" dirty="0" err="1"/>
+              <a:t>gemäss</a:t>
+            </a:r>
+            <a:r>
+              <a:rPr lang="en-GB" dirty="0"/>
+              <a:t> Referent</a:t>
+            </a:r>
+          </a:p>
+          <a:p>
+            <a:pPr marL="342900" indent="-342900">
+              <a:spcBef>
+                <a:spcPts val="0"/>
+              </a:spcBef>
+              <a:spcAft>
+                <a:spcPts val="300"/>
+              </a:spcAft>
+              <a:buFont typeface="Wingdings" pitchFamily="2" charset="2"/>
+              <a:buChar char="§"/>
+            </a:pPr>
+            <a:r>
+              <a:rPr lang="en-GB" b="1" dirty="0" err="1"/>
+              <a:t>Benutzer</a:t>
+            </a:r>
+            <a:r>
+              <a:rPr lang="en-GB" b="1" dirty="0"/>
+              <a:t>: 		</a:t>
+            </a:r>
+            <a:r>
+              <a:rPr lang="en-GB" dirty="0"/>
+              <a:t>DOAGOCI</a:t>
+            </a:r>
+            <a:r>
+              <a:rPr lang="en-GB" b="1" i="1" dirty="0"/>
+              <a:t>NN</a:t>
+            </a:r>
+            <a:endParaRPr lang="en-GB" dirty="0"/>
+          </a:p>
+          <a:p>
+            <a:pPr marL="342900" indent="-342900">
+              <a:spcBef>
+                <a:spcPts val="0"/>
+              </a:spcBef>
+              <a:spcAft>
+                <a:spcPts val="300"/>
+              </a:spcAft>
+              <a:buFont typeface="Wingdings" pitchFamily="2" charset="2"/>
+              <a:buChar char="§"/>
+            </a:pPr>
+            <a:r>
+              <a:rPr lang="en-GB" b="1" dirty="0" err="1"/>
+              <a:t>Passwort</a:t>
+            </a:r>
+            <a:r>
+              <a:rPr lang="en-GB" b="1" dirty="0"/>
+              <a:t>: 		</a:t>
+            </a:r>
+            <a:r>
+              <a:rPr lang="en-GB" dirty="0" err="1"/>
+              <a:t>gemäss</a:t>
+            </a:r>
+            <a:r>
+              <a:rPr lang="en-GB" dirty="0"/>
+              <a:t> Referent</a:t>
+            </a:r>
+          </a:p>
+          <a:p>
+            <a:pPr marL="342900" indent="-342900">
+              <a:spcBef>
+                <a:spcPts val="0"/>
+              </a:spcBef>
+              <a:spcAft>
+                <a:spcPts val="300"/>
+              </a:spcAft>
+              <a:buFont typeface="Wingdings" pitchFamily="2" charset="2"/>
+              <a:buChar char="§"/>
+            </a:pPr>
+            <a:r>
+              <a:rPr lang="en-GB" b="1" dirty="0"/>
+              <a:t>Compartment:	</a:t>
+            </a:r>
+            <a:r>
+              <a:rPr lang="en-GB" dirty="0" err="1"/>
+              <a:t>Student</a:t>
+            </a:r>
+            <a:r>
+              <a:rPr lang="en-GB" b="1" i="1" dirty="0" err="1"/>
+              <a:t>NN</a:t>
+            </a:r>
+            <a:endParaRPr lang="en-CH" b="1" i="1" dirty="0"/>
+          </a:p>
+        </p:txBody>
+      </p:sp>
+    </p:spTree>
+    <p:extLst>
+      <p:ext uri="{BB962C8B-B14F-4D97-AF65-F5344CB8AC3E}">
+        <p14:creationId xmlns:p14="http://schemas.microsoft.com/office/powerpoint/2010/main" val="1252676395"/>
+      </p:ext>
+    </p:extLst>
+  </p:cSld>
+  <p:clrMapOvr>
+    <a:masterClrMapping/>
+  </p:clrMapOvr>
+</p:sld>
+</file>
+
+<file path=ppt/slides/slide8.xml><?xml version="1.0" encoding="utf-8"?>
+<p:sld xmlns:a="http://schemas.openxmlformats.org/drawingml/2006/main" xmlns:r="http://schemas.openxmlformats.org/officeDocument/2006/relationships" xmlns:p="http://schemas.openxmlformats.org/presentationml/2006/main">
+  <p:cSld>
+    <p:spTree>
+      <p:nvGrpSpPr>
+        <p:cNvPr id="1" name=""/>
+        <p:cNvGrpSpPr/>
+        <p:nvPr/>
+      </p:nvGrpSpPr>
+      <p:grpSpPr>
+        <a:xfrm>
+          <a:off x="0" y="0"/>
+          <a:ext cx="0" cy="0"/>
+          <a:chOff x="0" y="0"/>
+          <a:chExt cx="0" cy="0"/>
+        </a:xfrm>
+      </p:grpSpPr>
+      <p:sp>
+        <p:nvSpPr>
+          <p:cNvPr id="2" name="Title 1">
+            <a:extLst>
+              <a:ext uri="{FF2B5EF4-FFF2-40B4-BE49-F238E27FC236}">
+                <a16:creationId xmlns:a16="http://schemas.microsoft.com/office/drawing/2014/main" id="{CAD9CA60-0114-FF3A-8C5F-7ED2C6B133DE}"/>
+              </a:ext>
+            </a:extLst>
+          </p:cNvPr>
+          <p:cNvSpPr>
+            <a:spLocks noGrp="1"/>
+          </p:cNvSpPr>
+          <p:nvPr>
+            <p:ph type="title"/>
+          </p:nvPr>
+        </p:nvSpPr>
+        <p:spPr/>
+        <p:txBody>
+          <a:bodyPr/>
+          <a:lstStyle/>
+          <a:p>
+            <a:r>
+              <a:rPr lang="en-CH" dirty="0"/>
               <a:t>Workshop Umgebung</a:t>
             </a:r>
           </a:p>
@@ -10215,19 +9382,17 @@
       </p:sp>
       <p:pic>
         <p:nvPicPr>
-          <p:cNvPr id="7" name="Content Placeholder 6" descr="Calendar&#10;&#10;Description automatically generated with medium confidence">
+          <p:cNvPr id="2050" name="Picture 2" descr="DOAG 2022 Architektur">
             <a:extLst>
               <a:ext uri="{FF2B5EF4-FFF2-40B4-BE49-F238E27FC236}">
-                <a16:creationId xmlns:a16="http://schemas.microsoft.com/office/drawing/2014/main" id="{8C4C05CB-9B6F-BFE1-AE92-3985A70ADD07}"/>
+                <a16:creationId xmlns:a16="http://schemas.microsoft.com/office/drawing/2014/main" id="{EFDDD871-F28B-B705-E343-17F6EC2BB273}"/>
               </a:ext>
             </a:extLst>
           </p:cNvPr>
           <p:cNvPicPr>
-            <a:picLocks noGrp="1" noChangeAspect="1"/>
+            <a:picLocks noChangeAspect="1" noChangeArrowheads="1"/>
           </p:cNvPicPr>
-          <p:nvPr>
-            <p:ph sz="quarter" idx="10"/>
-          </p:nvPr>
+          <p:nvPr/>
         </p:nvPicPr>
         <p:blipFill>
           <a:blip r:embed="rId2">
@@ -10237,15 +9402,29 @@
               </a:ext>
             </a:extLst>
           </a:blip>
+          <a:srcRect/>
           <a:stretch>
             <a:fillRect/>
           </a:stretch>
         </p:blipFill>
-        <p:spPr>
+        <p:spPr bwMode="auto">
           <a:xfrm>
-            <a:off x="396875" y="1733336"/>
-            <a:ext cx="11382375" cy="4737529"/>
+            <a:off x="0" y="1095304"/>
+            <a:ext cx="12192000" cy="5075237"/>
           </a:xfrm>
+          <a:prstGeom prst="rect">
+            <a:avLst/>
+          </a:prstGeom>
+          <a:noFill/>
+          <a:extLst>
+            <a:ext uri="{909E8E84-426E-40DD-AFC4-6F175D3DCCD1}">
+              <a14:hiddenFill xmlns:a14="http://schemas.microsoft.com/office/drawing/2010/main">
+                <a:solidFill>
+                  <a:srgbClr val="FFFFFF"/>
+                </a:solidFill>
+              </a14:hiddenFill>
+            </a:ext>
+          </a:extLst>
         </p:spPr>
       </p:pic>
     </p:spTree>
@@ -11135,22 +10314,6 @@
 </file>
 
 <file path=customXml/item2.xml><?xml version="1.0" encoding="utf-8"?>
-<p:properties xmlns:p="http://schemas.microsoft.com/office/2006/metadata/properties" xmlns:xsi="http://www.w3.org/2001/XMLSchema-instance" xmlns:pc="http://schemas.microsoft.com/office/infopath/2007/PartnerControls">
-  <documentManagement>
-    <Responsible xmlns="49d9e7ef-5d44-4367-90d6-2cc1a328c29d">
-      <UserInfo>
-        <DisplayName/>
-        <AccountId xsi:nil="true"/>
-        <AccountType/>
-      </UserInfo>
-    </Responsible>
-    <SecurityLevel xmlns="49d9e7ef-5d44-4367-90d6-2cc1a328c29d">internal</SecurityLevel>
-    <ValidTo xmlns="49d9e7ef-5d44-4367-90d6-2cc1a328c29d" xsi:nil="true"/>
-  </documentManagement>
-</p:properties>
-</file>
-
-<file path=customXml/item3.xml><?xml version="1.0" encoding="utf-8"?>
 <ct:contentTypeSchema xmlns:ct="http://schemas.microsoft.com/office/2006/metadata/contentType" xmlns:ma="http://schemas.microsoft.com/office/2006/metadata/properties/metaAttributes" ct:_="" ma:_="" ma:contentTypeName="GeneralDocType" ma:contentTypeID="0x0101001637CE4A8E76C4448E317F64D25C51140053B0137A43F09C44846777061E0F056A" ma:contentTypeVersion="44" ma:contentTypeDescription="" ma:contentTypeScope="" ma:versionID="2a2d05d53e7b3be4547158bc9b43f65d">
   <xsd:schema xmlns:xsd="http://www.w3.org/2001/XMLSchema" xmlns:xs="http://www.w3.org/2001/XMLSchema" xmlns:p="http://schemas.microsoft.com/office/2006/metadata/properties" xmlns:ns2="49d9e7ef-5d44-4367-90d6-2cc1a328c29d" xmlns:ns3="bd04218d-e560-4a5d-ad18-c196d2420a14" targetNamespace="http://schemas.microsoft.com/office/2006/metadata/properties" ma:root="true" ma:fieldsID="e20b88565520550da69d37cab28b1173" ns2:_="" ns3:_="">
     <xsd:import namespace="49d9e7ef-5d44-4367-90d6-2cc1a328c29d"/>
@@ -11404,6 +10567,22 @@
 </ct:contentTypeSchema>
 </file>
 
+<file path=customXml/item3.xml><?xml version="1.0" encoding="utf-8"?>
+<p:properties xmlns:p="http://schemas.microsoft.com/office/2006/metadata/properties" xmlns:xsi="http://www.w3.org/2001/XMLSchema-instance" xmlns:pc="http://schemas.microsoft.com/office/infopath/2007/PartnerControls">
+  <documentManagement>
+    <Responsible xmlns="49d9e7ef-5d44-4367-90d6-2cc1a328c29d">
+      <UserInfo>
+        <DisplayName/>
+        <AccountId xsi:nil="true"/>
+        <AccountType/>
+      </UserInfo>
+    </Responsible>
+    <SecurityLevel xmlns="49d9e7ef-5d44-4367-90d6-2cc1a328c29d">internal</SecurityLevel>
+    <ValidTo xmlns="49d9e7ef-5d44-4367-90d6-2cc1a328c29d" xsi:nil="true"/>
+  </documentManagement>
+</p:properties>
+</file>
+
 <file path=customXml/itemProps1.xml><?xml version="1.0" encoding="utf-8"?>
 <ds:datastoreItem xmlns:ds="http://schemas.openxmlformats.org/officeDocument/2006/customXml" ds:itemID="{FB963054-8648-43A2-92C9-BA1FDBC93AF4}">
   <ds:schemaRefs>
@@ -11413,23 +10592,6 @@
 </file>
 
 <file path=customXml/itemProps2.xml><?xml version="1.0" encoding="utf-8"?>
-<ds:datastoreItem xmlns:ds="http://schemas.openxmlformats.org/officeDocument/2006/customXml" ds:itemID="{33EB2428-06DB-42A3-A94E-EC55E92563A2}">
-  <ds:schemaRefs>
-    <ds:schemaRef ds:uri="http://schemas.microsoft.com/office/2006/documentManagement/types"/>
-    <ds:schemaRef ds:uri="http://purl.org/dc/elements/1.1/"/>
-    <ds:schemaRef ds:uri="49d9e7ef-5d44-4367-90d6-2cc1a328c29d"/>
-    <ds:schemaRef ds:uri="bd04218d-e560-4a5d-ad18-c196d2420a14"/>
-    <ds:schemaRef ds:uri="http://schemas.microsoft.com/office/2006/metadata/properties"/>
-    <ds:schemaRef ds:uri="http://www.w3.org/XML/1998/namespace"/>
-    <ds:schemaRef ds:uri="http://purl.org/dc/terms/"/>
-    <ds:schemaRef ds:uri="http://purl.org/dc/dcmitype/"/>
-    <ds:schemaRef ds:uri="http://schemas.microsoft.com/office/infopath/2007/PartnerControls"/>
-    <ds:schemaRef ds:uri="http://schemas.openxmlformats.org/package/2006/metadata/core-properties"/>
-  </ds:schemaRefs>
-</ds:datastoreItem>
-</file>
-
-<file path=customXml/itemProps3.xml><?xml version="1.0" encoding="utf-8"?>
 <ds:datastoreItem xmlns:ds="http://schemas.openxmlformats.org/officeDocument/2006/customXml" ds:itemID="{3E992F7D-77EB-45D8-83EA-D9433BE24725}">
   <ds:schemaRefs>
     <ds:schemaRef ds:uri="http://schemas.microsoft.com/office/2006/metadata/contentType"/>
@@ -11448,6 +10610,23 @@
 </ds:datastoreItem>
 </file>
 
+<file path=customXml/itemProps3.xml><?xml version="1.0" encoding="utf-8"?>
+<ds:datastoreItem xmlns:ds="http://schemas.openxmlformats.org/officeDocument/2006/customXml" ds:itemID="{33EB2428-06DB-42A3-A94E-EC55E92563A2}">
+  <ds:schemaRefs>
+    <ds:schemaRef ds:uri="http://schemas.microsoft.com/office/2006/documentManagement/types"/>
+    <ds:schemaRef ds:uri="http://purl.org/dc/elements/1.1/"/>
+    <ds:schemaRef ds:uri="49d9e7ef-5d44-4367-90d6-2cc1a328c29d"/>
+    <ds:schemaRef ds:uri="bd04218d-e560-4a5d-ad18-c196d2420a14"/>
+    <ds:schemaRef ds:uri="http://schemas.microsoft.com/office/2006/metadata/properties"/>
+    <ds:schemaRef ds:uri="http://www.w3.org/XML/1998/namespace"/>
+    <ds:schemaRef ds:uri="http://purl.org/dc/terms/"/>
+    <ds:schemaRef ds:uri="http://purl.org/dc/dcmitype/"/>
+    <ds:schemaRef ds:uri="http://schemas.microsoft.com/office/infopath/2007/PartnerControls"/>
+    <ds:schemaRef ds:uri="http://schemas.openxmlformats.org/package/2006/metadata/core-properties"/>
+  </ds:schemaRefs>
+</ds:datastoreItem>
+</file>
+
 <file path=docMetadata/LabelInfo.xml><?xml version="1.0" encoding="utf-8"?>
 <clbl:labelList xmlns:clbl="http://schemas.microsoft.com/office/2020/mipLabelMetadata">
   <clbl:label id="{e0793d39-0939-496d-b129-198edd916feb}" enabled="0" method="" siteId="{e0793d39-0939-496d-b129-198edd916feb}" removed="1"/>
